--- a/pages/Figures.pptx
+++ b/pages/Figures.pptx
@@ -6,7 +6,12 @@
   </p:sldMasterIdLst>
   <p:sldIdLst>
     <p:sldId id="1242" r:id="rId2"/>
-    <p:sldId id="1243" r:id="rId3"/>
+    <p:sldId id="1245" r:id="rId3"/>
+    <p:sldId id="1248" r:id="rId4"/>
+    <p:sldId id="1249" r:id="rId5"/>
+    <p:sldId id="1244" r:id="rId6"/>
+    <p:sldId id="1250" r:id="rId7"/>
+    <p:sldId id="1251" r:id="rId8"/>
   </p:sldIdLst>
   <p:sldSz cx="12192000" cy="6858000"/>
   <p:notesSz cx="6858000" cy="9144000"/>
@@ -105,6 +110,11 @@
       </a:defRPr>
     </a:lvl9pPr>
   </p:defaultTextStyle>
+  <p:extLst>
+    <p:ext uri="{EFAFB233-063F-42B5-8137-9DF3F51BA10A}">
+      <p15:sldGuideLst xmlns:p15="http://schemas.microsoft.com/office/powerpoint/2012/main"/>
+    </p:ext>
+  </p:extLst>
 </p:presentation>
 </file>
 
@@ -255,7 +265,7 @@
           <a:p>
             <a:fld id="{6D5FDB8C-4C92-0C4C-BA60-9D07FDD2BD7F}" type="datetimeFigureOut">
               <a:rPr lang="en-US" smtClean="0"/>
-              <a:t>8/2/19</a:t>
+              <a:t>8/7/19</a:t>
             </a:fld>
             <a:endParaRPr lang="en-US"/>
           </a:p>
@@ -453,7 +463,7 @@
           <a:p>
             <a:fld id="{6D5FDB8C-4C92-0C4C-BA60-9D07FDD2BD7F}" type="datetimeFigureOut">
               <a:rPr lang="en-US" smtClean="0"/>
-              <a:t>8/2/19</a:t>
+              <a:t>8/7/19</a:t>
             </a:fld>
             <a:endParaRPr lang="en-US"/>
           </a:p>
@@ -661,7 +671,7 @@
           <a:p>
             <a:fld id="{6D5FDB8C-4C92-0C4C-BA60-9D07FDD2BD7F}" type="datetimeFigureOut">
               <a:rPr lang="en-US" smtClean="0"/>
-              <a:t>8/2/19</a:t>
+              <a:t>8/7/19</a:t>
             </a:fld>
             <a:endParaRPr lang="en-US"/>
           </a:p>
@@ -859,7 +869,7 @@
           <a:p>
             <a:fld id="{6D5FDB8C-4C92-0C4C-BA60-9D07FDD2BD7F}" type="datetimeFigureOut">
               <a:rPr lang="en-US" smtClean="0"/>
-              <a:t>8/2/19</a:t>
+              <a:t>8/7/19</a:t>
             </a:fld>
             <a:endParaRPr lang="en-US"/>
           </a:p>
@@ -1134,7 +1144,7 @@
           <a:p>
             <a:fld id="{6D5FDB8C-4C92-0C4C-BA60-9D07FDD2BD7F}" type="datetimeFigureOut">
               <a:rPr lang="en-US" smtClean="0"/>
-              <a:t>8/2/19</a:t>
+              <a:t>8/7/19</a:t>
             </a:fld>
             <a:endParaRPr lang="en-US"/>
           </a:p>
@@ -1399,7 +1409,7 @@
           <a:p>
             <a:fld id="{6D5FDB8C-4C92-0C4C-BA60-9D07FDD2BD7F}" type="datetimeFigureOut">
               <a:rPr lang="en-US" smtClean="0"/>
-              <a:t>8/2/19</a:t>
+              <a:t>8/7/19</a:t>
             </a:fld>
             <a:endParaRPr lang="en-US"/>
           </a:p>
@@ -1811,7 +1821,7 @@
           <a:p>
             <a:fld id="{6D5FDB8C-4C92-0C4C-BA60-9D07FDD2BD7F}" type="datetimeFigureOut">
               <a:rPr lang="en-US" smtClean="0"/>
-              <a:t>8/2/19</a:t>
+              <a:t>8/7/19</a:t>
             </a:fld>
             <a:endParaRPr lang="en-US"/>
           </a:p>
@@ -1952,7 +1962,7 @@
           <a:p>
             <a:fld id="{6D5FDB8C-4C92-0C4C-BA60-9D07FDD2BD7F}" type="datetimeFigureOut">
               <a:rPr lang="en-US" smtClean="0"/>
-              <a:t>8/2/19</a:t>
+              <a:t>8/7/19</a:t>
             </a:fld>
             <a:endParaRPr lang="en-US"/>
           </a:p>
@@ -2065,7 +2075,7 @@
           <a:p>
             <a:fld id="{6D5FDB8C-4C92-0C4C-BA60-9D07FDD2BD7F}" type="datetimeFigureOut">
               <a:rPr lang="en-US" smtClean="0"/>
-              <a:t>8/2/19</a:t>
+              <a:t>8/7/19</a:t>
             </a:fld>
             <a:endParaRPr lang="en-US"/>
           </a:p>
@@ -2376,7 +2386,7 @@
           <a:p>
             <a:fld id="{6D5FDB8C-4C92-0C4C-BA60-9D07FDD2BD7F}" type="datetimeFigureOut">
               <a:rPr lang="en-US" smtClean="0"/>
-              <a:t>8/2/19</a:t>
+              <a:t>8/7/19</a:t>
             </a:fld>
             <a:endParaRPr lang="en-US"/>
           </a:p>
@@ -2664,7 +2674,7 @@
           <a:p>
             <a:fld id="{6D5FDB8C-4C92-0C4C-BA60-9D07FDD2BD7F}" type="datetimeFigureOut">
               <a:rPr lang="en-US" smtClean="0"/>
-              <a:t>8/2/19</a:t>
+              <a:t>8/7/19</a:t>
             </a:fld>
             <a:endParaRPr lang="en-US"/>
           </a:p>
@@ -2905,7 +2915,7 @@
           <a:p>
             <a:fld id="{6D5FDB8C-4C92-0C4C-BA60-9D07FDD2BD7F}" type="datetimeFigureOut">
               <a:rPr lang="en-US" smtClean="0"/>
-              <a:t>8/2/19</a:t>
+              <a:t>8/7/19</a:t>
             </a:fld>
             <a:endParaRPr lang="en-US"/>
           </a:p>
@@ -3324,38 +3334,6 @@
       </p:grpSpPr>
       <p:sp>
         <p:nvSpPr>
-          <p:cNvPr id="2" name="Title 1"/>
-          <p:cNvSpPr>
-            <a:spLocks noGrp="1"/>
-          </p:cNvSpPr>
-          <p:nvPr>
-            <p:ph type="title"/>
-          </p:nvPr>
-        </p:nvSpPr>
-        <p:spPr>
-          <a:xfrm>
-            <a:off x="430696" y="34911"/>
-            <a:ext cx="10515600" cy="1325563"/>
-          </a:xfrm>
-        </p:spPr>
-        <p:txBody>
-          <a:bodyPr/>
-          <a:lstStyle/>
-          <a:p>
-            <a:r>
-              <a:rPr lang="en-US" dirty="0"/>
-              <a:t>Data Model - </a:t>
-            </a:r>
-            <a:r>
-              <a:rPr lang="en-US" dirty="0" err="1"/>
-              <a:t>OrganizationAffiliation</a:t>
-            </a:r>
-            <a:endParaRPr lang="en-US" dirty="0"/>
-          </a:p>
-        </p:txBody>
-      </p:sp>
-      <p:sp>
-        <p:nvSpPr>
           <p:cNvPr id="4" name="Slide Number Placeholder 3"/>
           <p:cNvSpPr>
             <a:spLocks noGrp="1"/>
@@ -3445,14 +3423,65 @@
       </p:sp>
       <p:sp>
         <p:nvSpPr>
-          <p:cNvPr id="6" name="Rounded Rectangle 5"/>
+          <p:cNvPr id="8" name="Rounded Rectangle 7"/>
           <p:cNvSpPr/>
           <p:nvPr/>
         </p:nvSpPr>
         <p:spPr>
           <a:xfrm>
-            <a:off x="2006894" y="3122808"/>
-            <a:ext cx="1326335" cy="646546"/>
+            <a:off x="5200540" y="3157044"/>
+            <a:ext cx="1344349" cy="646546"/>
+          </a:xfrm>
+          <a:prstGeom prst="roundRect">
+            <a:avLst/>
+          </a:prstGeom>
+          <a:noFill/>
+          <a:ln>
+            <a:solidFill>
+              <a:schemeClr val="tx1"/>
+            </a:solidFill>
+          </a:ln>
+        </p:spPr>
+        <p:style>
+          <a:lnRef idx="1">
+            <a:schemeClr val="accent1"/>
+          </a:lnRef>
+          <a:fillRef idx="3">
+            <a:schemeClr val="accent1"/>
+          </a:fillRef>
+          <a:effectRef idx="2">
+            <a:schemeClr val="accent1"/>
+          </a:effectRef>
+          <a:fontRef idx="minor">
+            <a:schemeClr val="lt1"/>
+          </a:fontRef>
+        </p:style>
+        <p:txBody>
+          <a:bodyPr rtlCol="0" anchor="ctr"/>
+          <a:lstStyle/>
+          <a:p>
+            <a:pPr algn="ctr"/>
+            <a:r>
+              <a:rPr lang="en-US" sz="1400" b="1" dirty="0">
+                <a:solidFill>
+                  <a:srgbClr val="002060"/>
+                </a:solidFill>
+              </a:rPr>
+              <a:t>Organization Affiliation</a:t>
+            </a:r>
+          </a:p>
+        </p:txBody>
+      </p:sp>
+      <p:sp>
+        <p:nvSpPr>
+          <p:cNvPr id="9" name="Rounded Rectangle 8"/>
+          <p:cNvSpPr/>
+          <p:nvPr/>
+        </p:nvSpPr>
+        <p:spPr>
+          <a:xfrm>
+            <a:off x="2439252" y="4441591"/>
+            <a:ext cx="1344349" cy="646546"/>
           </a:xfrm>
           <a:prstGeom prst="roundRect">
             <a:avLst/>
@@ -3489,332 +3518,23 @@
                   <a:sysClr val="windowText" lastClr="000000"/>
                 </a:solidFill>
               </a:rPr>
-              <a:t>Location</a:t>
-            </a:r>
-          </a:p>
-        </p:txBody>
-      </p:sp>
-      <p:sp>
-        <p:nvSpPr>
-          <p:cNvPr id="8" name="Rounded Rectangle 7"/>
-          <p:cNvSpPr/>
-          <p:nvPr/>
-        </p:nvSpPr>
-        <p:spPr>
-          <a:xfrm>
-            <a:off x="5200540" y="3157044"/>
-            <a:ext cx="1344349" cy="646546"/>
-          </a:xfrm>
-          <a:prstGeom prst="roundRect">
-            <a:avLst/>
-          </a:prstGeom>
-          <a:solidFill>
-            <a:schemeClr val="tx2">
-              <a:lumMod val="20000"/>
-              <a:lumOff val="80000"/>
-            </a:schemeClr>
-          </a:solidFill>
-          <a:ln>
-            <a:solidFill>
-              <a:srgbClr val="FF0000"/>
-            </a:solidFill>
-          </a:ln>
-        </p:spPr>
-        <p:style>
-          <a:lnRef idx="1">
-            <a:schemeClr val="accent1"/>
-          </a:lnRef>
-          <a:fillRef idx="3">
-            <a:schemeClr val="accent1"/>
-          </a:fillRef>
-          <a:effectRef idx="2">
-            <a:schemeClr val="accent1"/>
-          </a:effectRef>
-          <a:fontRef idx="minor">
-            <a:schemeClr val="lt1"/>
-          </a:fontRef>
-        </p:style>
-        <p:txBody>
-          <a:bodyPr rtlCol="0" anchor="ctr"/>
-          <a:lstStyle/>
-          <a:p>
-            <a:pPr algn="ctr"/>
-            <a:r>
-              <a:rPr lang="en-US" sz="1400" dirty="0">
-                <a:solidFill>
-                  <a:srgbClr val="FF0000"/>
-                </a:solidFill>
-              </a:rPr>
-              <a:t>Organization Affiliation</a:t>
-            </a:r>
-          </a:p>
-        </p:txBody>
-      </p:sp>
-      <p:sp>
-        <p:nvSpPr>
-          <p:cNvPr id="9" name="Rounded Rectangle 8"/>
-          <p:cNvSpPr/>
-          <p:nvPr/>
-        </p:nvSpPr>
-        <p:spPr>
-          <a:xfrm>
-            <a:off x="3656052" y="4144555"/>
-            <a:ext cx="1344349" cy="646546"/>
-          </a:xfrm>
-          <a:prstGeom prst="roundRect">
-            <a:avLst/>
-          </a:prstGeom>
-          <a:solidFill>
-            <a:schemeClr val="accent1">
-              <a:lumMod val="20000"/>
-              <a:lumOff val="80000"/>
-            </a:schemeClr>
-          </a:solidFill>
-        </p:spPr>
-        <p:style>
-          <a:lnRef idx="1">
-            <a:schemeClr val="accent1"/>
-          </a:lnRef>
-          <a:fillRef idx="3">
-            <a:schemeClr val="accent1"/>
-          </a:fillRef>
-          <a:effectRef idx="2">
-            <a:schemeClr val="accent1"/>
-          </a:effectRef>
-          <a:fontRef idx="minor">
-            <a:schemeClr val="lt1"/>
-          </a:fontRef>
-        </p:style>
-        <p:txBody>
-          <a:bodyPr rtlCol="0" anchor="ctr"/>
-          <a:lstStyle/>
-          <a:p>
-            <a:pPr algn="ctr"/>
-            <a:r>
-              <a:rPr lang="en-US" sz="1600" dirty="0">
-                <a:solidFill>
-                  <a:sysClr val="windowText" lastClr="000000"/>
-                </a:solidFill>
-              </a:rPr>
               <a:t>Healthcare Service</a:t>
             </a:r>
           </a:p>
         </p:txBody>
       </p:sp>
-      <p:cxnSp>
-        <p:nvCxnSpPr>
-          <p:cNvPr id="10" name="Straight Arrow Connector 9"/>
-          <p:cNvCxnSpPr>
-            <a:stCxn id="6" idx="0"/>
-            <a:endCxn id="5" idx="1"/>
-          </p:cNvCxnSpPr>
-          <p:nvPr/>
-        </p:nvCxnSpPr>
-        <p:spPr>
-          <a:xfrm flipV="1">
-            <a:off x="2670062" y="1861620"/>
-            <a:ext cx="2339821" cy="1261189"/>
-          </a:xfrm>
-          <a:prstGeom prst="straightConnector1">
-            <a:avLst/>
-          </a:prstGeom>
-          <a:ln>
-            <a:solidFill>
-              <a:schemeClr val="accent1"/>
-            </a:solidFill>
-            <a:headEnd type="none" w="lg" len="lg"/>
-            <a:tailEnd type="triangle" w="lg" len="lg"/>
-          </a:ln>
-        </p:spPr>
-        <p:style>
-          <a:lnRef idx="2">
-            <a:schemeClr val="accent1"/>
-          </a:lnRef>
-          <a:fillRef idx="0">
-            <a:schemeClr val="accent1"/>
-          </a:fillRef>
-          <a:effectRef idx="1">
-            <a:schemeClr val="accent1"/>
-          </a:effectRef>
-          <a:fontRef idx="minor">
-            <a:schemeClr val="tx1"/>
-          </a:fontRef>
-        </p:style>
-      </p:cxnSp>
-      <p:cxnSp>
-        <p:nvCxnSpPr>
-          <p:cNvPr id="11" name="Straight Arrow Connector 10"/>
-          <p:cNvCxnSpPr>
-            <a:stCxn id="9" idx="0"/>
-          </p:cNvCxnSpPr>
-          <p:nvPr/>
-        </p:nvCxnSpPr>
-        <p:spPr>
-          <a:xfrm flipV="1">
-            <a:off x="4328227" y="2240447"/>
-            <a:ext cx="1491289" cy="1904109"/>
-          </a:xfrm>
-          <a:prstGeom prst="straightConnector1">
-            <a:avLst/>
-          </a:prstGeom>
-          <a:ln>
-            <a:solidFill>
-              <a:schemeClr val="accent1"/>
-            </a:solidFill>
-            <a:headEnd type="none" w="lg" len="lg"/>
-            <a:tailEnd type="triangle" w="lg" len="lg"/>
-          </a:ln>
-        </p:spPr>
-        <p:style>
-          <a:lnRef idx="2">
-            <a:schemeClr val="accent1"/>
-          </a:lnRef>
-          <a:fillRef idx="0">
-            <a:schemeClr val="accent1"/>
-          </a:fillRef>
-          <a:effectRef idx="1">
-            <a:schemeClr val="accent1"/>
-          </a:effectRef>
-          <a:fontRef idx="minor">
-            <a:schemeClr val="tx1"/>
-          </a:fontRef>
-        </p:style>
-      </p:cxnSp>
-      <p:cxnSp>
-        <p:nvCxnSpPr>
-          <p:cNvPr id="12" name="Curved Connector 11"/>
-          <p:cNvCxnSpPr>
-            <a:stCxn id="5" idx="0"/>
-            <a:endCxn id="5" idx="3"/>
-          </p:cNvCxnSpPr>
-          <p:nvPr/>
-        </p:nvCxnSpPr>
-        <p:spPr>
-          <a:xfrm rot="16200000" flipH="1">
-            <a:off x="6123589" y="1274869"/>
-            <a:ext cx="323273" cy="850229"/>
-          </a:xfrm>
-          <a:prstGeom prst="curvedConnector4">
-            <a:avLst>
-              <a:gd name="adj1" fmla="val -70714"/>
-              <a:gd name="adj2" fmla="val 126887"/>
-            </a:avLst>
-          </a:prstGeom>
-          <a:ln>
-            <a:solidFill>
-              <a:schemeClr val="accent1"/>
-            </a:solidFill>
-            <a:headEnd type="none"/>
-            <a:tailEnd type="triangle" w="lg" len="lg"/>
-          </a:ln>
-        </p:spPr>
-        <p:style>
-          <a:lnRef idx="2">
-            <a:schemeClr val="accent1"/>
-          </a:lnRef>
-          <a:fillRef idx="0">
-            <a:schemeClr val="accent1"/>
-          </a:fillRef>
-          <a:effectRef idx="1">
-            <a:schemeClr val="accent1"/>
-          </a:effectRef>
-          <a:fontRef idx="minor">
-            <a:schemeClr val="tx1"/>
-          </a:fontRef>
-        </p:style>
-      </p:cxnSp>
-      <p:cxnSp>
-        <p:nvCxnSpPr>
-          <p:cNvPr id="13" name="Curved Connector 12"/>
-          <p:cNvCxnSpPr>
-            <a:stCxn id="6" idx="2"/>
-            <a:endCxn id="6" idx="1"/>
-          </p:cNvCxnSpPr>
-          <p:nvPr/>
-        </p:nvCxnSpPr>
-        <p:spPr>
-          <a:xfrm rot="5400000" flipH="1">
-            <a:off x="2176841" y="3276134"/>
-            <a:ext cx="323273" cy="663168"/>
-          </a:xfrm>
-          <a:prstGeom prst="curvedConnector4">
-            <a:avLst>
-              <a:gd name="adj1" fmla="val -70714"/>
-              <a:gd name="adj2" fmla="val 134471"/>
-            </a:avLst>
-          </a:prstGeom>
-          <a:ln>
-            <a:solidFill>
-              <a:schemeClr val="accent1"/>
-            </a:solidFill>
-            <a:headEnd type="none"/>
-            <a:tailEnd type="triangle" w="lg" len="lg"/>
-          </a:ln>
-        </p:spPr>
-        <p:style>
-          <a:lnRef idx="2">
-            <a:schemeClr val="accent1"/>
-          </a:lnRef>
-          <a:fillRef idx="0">
-            <a:schemeClr val="accent1"/>
-          </a:fillRef>
-          <a:effectRef idx="1">
-            <a:schemeClr val="accent1"/>
-          </a:effectRef>
-          <a:fontRef idx="minor">
-            <a:schemeClr val="tx1"/>
-          </a:fontRef>
-        </p:style>
-      </p:cxnSp>
-      <p:cxnSp>
-        <p:nvCxnSpPr>
-          <p:cNvPr id="14" name="Straight Arrow Connector 13"/>
-          <p:cNvCxnSpPr>
-            <a:stCxn id="8" idx="1"/>
-            <a:endCxn id="6" idx="3"/>
-          </p:cNvCxnSpPr>
-          <p:nvPr/>
-        </p:nvCxnSpPr>
-        <p:spPr>
-          <a:xfrm flipH="1" flipV="1">
-            <a:off x="3333229" y="3446081"/>
-            <a:ext cx="1867311" cy="34236"/>
-          </a:xfrm>
-          <a:prstGeom prst="straightConnector1">
-            <a:avLst/>
-          </a:prstGeom>
-          <a:ln>
-            <a:headEnd type="none" w="lg" len="lg"/>
-            <a:tailEnd type="triangle" w="lg" len="lg"/>
-          </a:ln>
-        </p:spPr>
-        <p:style>
-          <a:lnRef idx="2">
-            <a:schemeClr val="accent1"/>
-          </a:lnRef>
-          <a:fillRef idx="0">
-            <a:schemeClr val="accent1"/>
-          </a:fillRef>
-          <a:effectRef idx="1">
-            <a:schemeClr val="accent1"/>
-          </a:effectRef>
-          <a:fontRef idx="minor">
-            <a:schemeClr val="tx1"/>
-          </a:fontRef>
-        </p:style>
-      </p:cxnSp>
       <p:cxnSp>
         <p:nvCxnSpPr>
           <p:cNvPr id="15" name="Straight Arrow Connector 14"/>
           <p:cNvCxnSpPr>
-            <a:stCxn id="8" idx="3"/>
+            <a:cxnSpLocks/>
           </p:cNvCxnSpPr>
           <p:nvPr/>
         </p:nvCxnSpPr>
         <p:spPr>
-          <a:xfrm flipV="1">
-            <a:off x="6544889" y="3475579"/>
-            <a:ext cx="1833027" cy="4739"/>
+          <a:xfrm>
+            <a:off x="5860110" y="3825214"/>
+            <a:ext cx="0" cy="599493"/>
           </a:xfrm>
           <a:prstGeom prst="straightConnector1">
             <a:avLst/>
@@ -3843,15 +3563,16 @@
         <p:nvCxnSpPr>
           <p:cNvPr id="16" name="Straight Arrow Connector 15"/>
           <p:cNvCxnSpPr>
-            <a:stCxn id="8" idx="2"/>
+            <a:cxnSpLocks/>
+            <a:stCxn id="8" idx="1"/>
             <a:endCxn id="9" idx="3"/>
           </p:cNvCxnSpPr>
           <p:nvPr/>
         </p:nvCxnSpPr>
         <p:spPr>
           <a:xfrm flipH="1">
-            <a:off x="5000400" y="3803590"/>
-            <a:ext cx="872314" cy="664238"/>
+            <a:off x="3783601" y="3480317"/>
+            <a:ext cx="1416939" cy="1284547"/>
           </a:xfrm>
           <a:prstGeom prst="straightConnector1">
             <a:avLst/>
@@ -3913,45 +3634,6 @@
           </a:fontRef>
         </p:style>
       </p:cxnSp>
-      <p:cxnSp>
-        <p:nvCxnSpPr>
-          <p:cNvPr id="18" name="Straight Arrow Connector 17"/>
-          <p:cNvCxnSpPr>
-            <a:endCxn id="6" idx="2"/>
-          </p:cNvCxnSpPr>
-          <p:nvPr/>
-        </p:nvCxnSpPr>
-        <p:spPr>
-          <a:xfrm flipH="1" flipV="1">
-            <a:off x="2670062" y="3769355"/>
-            <a:ext cx="1031883" cy="458121"/>
-          </a:xfrm>
-          <a:prstGeom prst="straightConnector1">
-            <a:avLst/>
-          </a:prstGeom>
-          <a:ln>
-            <a:solidFill>
-              <a:schemeClr val="accent1"/>
-            </a:solidFill>
-            <a:headEnd type="none" w="lg" len="lg"/>
-            <a:tailEnd type="triangle" w="lg" len="lg"/>
-          </a:ln>
-        </p:spPr>
-        <p:style>
-          <a:lnRef idx="2">
-            <a:schemeClr val="accent1"/>
-          </a:lnRef>
-          <a:fillRef idx="0">
-            <a:schemeClr val="accent1"/>
-          </a:fillRef>
-          <a:effectRef idx="1">
-            <a:schemeClr val="accent1"/>
-          </a:effectRef>
-          <a:fontRef idx="minor">
-            <a:schemeClr val="tx1"/>
-          </a:fontRef>
-        </p:style>
-      </p:cxnSp>
       <p:sp>
         <p:nvSpPr>
           <p:cNvPr id="27" name="Rounded Rectangle 11"/>
@@ -3960,7 +3642,7 @@
         </p:nvSpPr>
         <p:spPr>
           <a:xfrm>
-            <a:off x="6967971" y="4181671"/>
+            <a:off x="7697395" y="3178668"/>
             <a:ext cx="1326335" cy="646546"/>
           </a:xfrm>
           <a:prstGeom prst="roundRect">
@@ -3974,7 +3656,7 @@
           </a:solidFill>
           <a:ln>
             <a:solidFill>
-              <a:srgbClr val="FF0000"/>
+              <a:schemeClr val="tx1"/>
             </a:solidFill>
           </a:ln>
         </p:spPr>
@@ -4000,35 +3682,33 @@
             <a:r>
               <a:rPr lang="en-US" sz="1600" dirty="0">
                 <a:solidFill>
-                  <a:srgbClr val="FF0000"/>
+                  <a:srgbClr val="002060"/>
                 </a:solidFill>
               </a:rPr>
-              <a:t>Network</a:t>
+              <a:t>Location</a:t>
             </a:r>
           </a:p>
         </p:txBody>
       </p:sp>
       <p:cxnSp>
         <p:nvCxnSpPr>
-          <p:cNvPr id="28" name="Straight Arrow Connector 27"/>
+          <p:cNvPr id="29" name="Straight Arrow Connector 28"/>
           <p:cNvCxnSpPr>
-            <a:stCxn id="27" idx="0"/>
-            <a:endCxn id="5" idx="2"/>
+            <a:cxnSpLocks/>
+            <a:stCxn id="8" idx="3"/>
+            <a:endCxn id="27" idx="1"/>
           </p:cNvCxnSpPr>
           <p:nvPr/>
         </p:nvCxnSpPr>
         <p:spPr>
-          <a:xfrm flipH="1" flipV="1">
-            <a:off x="5860112" y="2184893"/>
-            <a:ext cx="1771027" cy="1996779"/>
+          <a:xfrm>
+            <a:off x="6544889" y="3480317"/>
+            <a:ext cx="1152506" cy="21624"/>
           </a:xfrm>
           <a:prstGeom prst="straightConnector1">
             <a:avLst/>
           </a:prstGeom>
           <a:ln>
-            <a:solidFill>
-              <a:schemeClr val="accent1"/>
-            </a:solidFill>
             <a:headEnd type="none" w="lg" len="lg"/>
             <a:tailEnd type="triangle" w="lg" len="lg"/>
           </a:ln>
@@ -4048,19 +3728,382 @@
           </a:fontRef>
         </p:style>
       </p:cxnSp>
+      <p:sp>
+        <p:nvSpPr>
+          <p:cNvPr id="22" name="Rounded Rectangle 21"/>
+          <p:cNvSpPr/>
+          <p:nvPr/>
+        </p:nvSpPr>
+        <p:spPr>
+          <a:xfrm>
+            <a:off x="5127675" y="4441591"/>
+            <a:ext cx="1700458" cy="646546"/>
+          </a:xfrm>
+          <a:prstGeom prst="roundRect">
+            <a:avLst/>
+          </a:prstGeom>
+          <a:solidFill>
+            <a:schemeClr val="accent1">
+              <a:lumMod val="20000"/>
+              <a:lumOff val="80000"/>
+            </a:schemeClr>
+          </a:solidFill>
+        </p:spPr>
+        <p:style>
+          <a:lnRef idx="1">
+            <a:schemeClr val="accent1"/>
+          </a:lnRef>
+          <a:fillRef idx="3">
+            <a:schemeClr val="accent1"/>
+          </a:fillRef>
+          <a:effectRef idx="2">
+            <a:schemeClr val="accent1"/>
+          </a:effectRef>
+          <a:fontRef idx="minor">
+            <a:schemeClr val="lt1"/>
+          </a:fontRef>
+        </p:style>
+        <p:txBody>
+          <a:bodyPr rtlCol="0" anchor="ctr"/>
+          <a:lstStyle/>
+          <a:p>
+            <a:pPr algn="ctr"/>
+            <a:r>
+              <a:rPr lang="en-US" sz="1600" dirty="0">
+                <a:solidFill>
+                  <a:sysClr val="windowText" lastClr="000000"/>
+                </a:solidFill>
+              </a:rPr>
+              <a:t>Organization</a:t>
+            </a:r>
+          </a:p>
+        </p:txBody>
+      </p:sp>
+      <p:sp>
+        <p:nvSpPr>
+          <p:cNvPr id="7" name="TextBox 6">
+            <a:extLst>
+              <a:ext uri="{FF2B5EF4-FFF2-40B4-BE49-F238E27FC236}">
+                <a16:creationId xmlns:a16="http://schemas.microsoft.com/office/drawing/2014/main" id="{10E83AAA-9A3E-47F3-AE92-BFFF0EF38F6F}"/>
+              </a:ext>
+            </a:extLst>
+          </p:cNvPr>
+          <p:cNvSpPr txBox="1"/>
+          <p:nvPr/>
+        </p:nvSpPr>
+        <p:spPr>
+          <a:xfrm>
+            <a:off x="1519686" y="5270515"/>
+            <a:ext cx="9152628" cy="1200329"/>
+          </a:xfrm>
+          <a:prstGeom prst="rect">
+            <a:avLst/>
+          </a:prstGeom>
+          <a:noFill/>
+        </p:spPr>
+        <p:txBody>
+          <a:bodyPr wrap="square" rtlCol="0">
+            <a:spAutoFit/>
+          </a:bodyPr>
+          <a:lstStyle/>
+          <a:p>
+            <a:pPr marL="342900" indent="-342900">
+              <a:buFont typeface="Arial" panose="020B0604020202020204" pitchFamily="34" charset="0"/>
+              <a:buChar char="•"/>
+            </a:pPr>
+            <a:r>
+              <a:rPr lang="en-US" dirty="0" err="1"/>
+              <a:t>OrganizationAffiliation</a:t>
+            </a:r>
+            <a:r>
+              <a:rPr lang="en-US" dirty="0"/>
+              <a:t> -- represents non-hierarchical relationships between organizations</a:t>
+            </a:r>
+          </a:p>
+          <a:p>
+            <a:pPr marL="800100" lvl="1" indent="-342900">
+              <a:buFont typeface="Arial" panose="020B0604020202020204" pitchFamily="34" charset="0"/>
+              <a:buChar char="•"/>
+            </a:pPr>
+            <a:r>
+              <a:rPr lang="en-US" dirty="0"/>
+              <a:t>E.g. one organization providing services to another, membership in a national organization, joint venture between multiple organizations</a:t>
+            </a:r>
+          </a:p>
+          <a:p>
+            <a:endParaRPr lang="en-US" dirty="0"/>
+          </a:p>
+        </p:txBody>
+      </p:sp>
+      <p:sp>
+        <p:nvSpPr>
+          <p:cNvPr id="21" name="TextBox 20">
+            <a:extLst>
+              <a:ext uri="{FF2B5EF4-FFF2-40B4-BE49-F238E27FC236}">
+                <a16:creationId xmlns:a16="http://schemas.microsoft.com/office/drawing/2014/main" id="{6A56605E-8AC2-A44D-8BCF-F459E82C954D}"/>
+              </a:ext>
+            </a:extLst>
+          </p:cNvPr>
+          <p:cNvSpPr txBox="1"/>
+          <p:nvPr/>
+        </p:nvSpPr>
+        <p:spPr>
+          <a:xfrm>
+            <a:off x="5860111" y="2414006"/>
+            <a:ext cx="2108847" cy="369332"/>
+          </a:xfrm>
+          <a:prstGeom prst="rect">
+            <a:avLst/>
+          </a:prstGeom>
+          <a:noFill/>
+        </p:spPr>
+        <p:txBody>
+          <a:bodyPr wrap="none" rtlCol="0">
+            <a:spAutoFit/>
+          </a:bodyPr>
+          <a:lstStyle/>
+          <a:p>
+            <a:r>
+              <a:rPr lang="en-US" dirty="0" err="1"/>
+              <a:t>primaryOrganization</a:t>
+            </a:r>
+            <a:endParaRPr lang="en-US" dirty="0"/>
+          </a:p>
+        </p:txBody>
+      </p:sp>
+      <p:sp>
+        <p:nvSpPr>
+          <p:cNvPr id="30" name="Rectangle 29">
+            <a:extLst>
+              <a:ext uri="{FF2B5EF4-FFF2-40B4-BE49-F238E27FC236}">
+                <a16:creationId xmlns:a16="http://schemas.microsoft.com/office/drawing/2014/main" id="{1C9C42F3-49F0-3149-9066-4E9A1CDDB0AB}"/>
+              </a:ext>
+            </a:extLst>
+          </p:cNvPr>
+          <p:cNvSpPr/>
+          <p:nvPr/>
+        </p:nvSpPr>
+        <p:spPr>
+          <a:xfrm>
+            <a:off x="5202327" y="2473929"/>
+            <a:ext cx="657783" cy="307777"/>
+          </a:xfrm>
+          <a:prstGeom prst="rect">
+            <a:avLst/>
+          </a:prstGeom>
+        </p:spPr>
+        <p:txBody>
+          <a:bodyPr wrap="square">
+            <a:spAutoFit/>
+          </a:bodyPr>
+          <a:lstStyle/>
+          <a:p>
+            <a:r>
+              <a:rPr lang="en-US" sz="1400" dirty="0">
+                <a:solidFill>
+                  <a:srgbClr val="333333"/>
+                </a:solidFill>
+                <a:latin typeface="verdana" panose="020B0604030504040204" pitchFamily="34" charset="0"/>
+              </a:rPr>
+              <a:t>0..1</a:t>
+            </a:r>
+            <a:endParaRPr lang="en-US" sz="1400" dirty="0"/>
+          </a:p>
+        </p:txBody>
+      </p:sp>
+      <p:sp>
+        <p:nvSpPr>
+          <p:cNvPr id="32" name="TextBox 31">
+            <a:extLst>
+              <a:ext uri="{FF2B5EF4-FFF2-40B4-BE49-F238E27FC236}">
+                <a16:creationId xmlns:a16="http://schemas.microsoft.com/office/drawing/2014/main" id="{AAC41E43-AFFF-7B4D-9F37-06F710F61A87}"/>
+              </a:ext>
+            </a:extLst>
+          </p:cNvPr>
+          <p:cNvSpPr txBox="1"/>
+          <p:nvPr/>
+        </p:nvSpPr>
+        <p:spPr>
+          <a:xfrm>
+            <a:off x="5872715" y="3886319"/>
+            <a:ext cx="2557623" cy="369332"/>
+          </a:xfrm>
+          <a:prstGeom prst="rect">
+            <a:avLst/>
+          </a:prstGeom>
+          <a:noFill/>
+        </p:spPr>
+        <p:txBody>
+          <a:bodyPr wrap="none" rtlCol="0">
+            <a:spAutoFit/>
+          </a:bodyPr>
+          <a:lstStyle/>
+          <a:p>
+            <a:r>
+              <a:rPr lang="en-US" dirty="0" err="1"/>
+              <a:t>participatingOrganization</a:t>
+            </a:r>
+            <a:endParaRPr lang="en-US" dirty="0"/>
+          </a:p>
+        </p:txBody>
+      </p:sp>
+      <p:sp>
+        <p:nvSpPr>
+          <p:cNvPr id="34" name="Rectangle 33">
+            <a:extLst>
+              <a:ext uri="{FF2B5EF4-FFF2-40B4-BE49-F238E27FC236}">
+                <a16:creationId xmlns:a16="http://schemas.microsoft.com/office/drawing/2014/main" id="{D12F10B5-B03C-5746-8393-77C86012C70F}"/>
+              </a:ext>
+            </a:extLst>
+          </p:cNvPr>
+          <p:cNvSpPr/>
+          <p:nvPr/>
+        </p:nvSpPr>
+        <p:spPr>
+          <a:xfrm>
+            <a:off x="5214931" y="3946242"/>
+            <a:ext cx="657783" cy="307777"/>
+          </a:xfrm>
+          <a:prstGeom prst="rect">
+            <a:avLst/>
+          </a:prstGeom>
+        </p:spPr>
+        <p:txBody>
+          <a:bodyPr wrap="square">
+            <a:spAutoFit/>
+          </a:bodyPr>
+          <a:lstStyle/>
+          <a:p>
+            <a:r>
+              <a:rPr lang="en-US" sz="1400" dirty="0">
+                <a:solidFill>
+                  <a:srgbClr val="333333"/>
+                </a:solidFill>
+                <a:latin typeface="verdana" panose="020B0604030504040204" pitchFamily="34" charset="0"/>
+              </a:rPr>
+              <a:t>0..1</a:t>
+            </a:r>
+            <a:endParaRPr lang="en-US" sz="1400" dirty="0"/>
+          </a:p>
+        </p:txBody>
+      </p:sp>
+      <p:sp>
+        <p:nvSpPr>
+          <p:cNvPr id="38" name="Rectangle 37">
+            <a:extLst>
+              <a:ext uri="{FF2B5EF4-FFF2-40B4-BE49-F238E27FC236}">
+                <a16:creationId xmlns:a16="http://schemas.microsoft.com/office/drawing/2014/main" id="{1006118C-EE40-554A-A5E7-A5B2494FEED6}"/>
+              </a:ext>
+            </a:extLst>
+          </p:cNvPr>
+          <p:cNvSpPr/>
+          <p:nvPr/>
+        </p:nvSpPr>
+        <p:spPr>
+          <a:xfrm>
+            <a:off x="6859857" y="3178034"/>
+            <a:ext cx="657783" cy="307777"/>
+          </a:xfrm>
+          <a:prstGeom prst="rect">
+            <a:avLst/>
+          </a:prstGeom>
+        </p:spPr>
+        <p:txBody>
+          <a:bodyPr wrap="square">
+            <a:spAutoFit/>
+          </a:bodyPr>
+          <a:lstStyle/>
+          <a:p>
+            <a:r>
+              <a:rPr lang="en-US" sz="1400" dirty="0">
+                <a:solidFill>
+                  <a:srgbClr val="333333"/>
+                </a:solidFill>
+                <a:latin typeface="verdana" panose="020B0604030504040204" pitchFamily="34" charset="0"/>
+              </a:rPr>
+              <a:t>0..*</a:t>
+            </a:r>
+            <a:endParaRPr lang="en-US" sz="1400" dirty="0"/>
+          </a:p>
+        </p:txBody>
+      </p:sp>
+      <p:sp>
+        <p:nvSpPr>
+          <p:cNvPr id="44" name="Rounded Rectangle 43">
+            <a:extLst>
+              <a:ext uri="{FF2B5EF4-FFF2-40B4-BE49-F238E27FC236}">
+                <a16:creationId xmlns:a16="http://schemas.microsoft.com/office/drawing/2014/main" id="{B2BC4BF2-2F59-5448-BE14-CF78E4F74B5E}"/>
+              </a:ext>
+            </a:extLst>
+          </p:cNvPr>
+          <p:cNvSpPr/>
+          <p:nvPr/>
+        </p:nvSpPr>
+        <p:spPr>
+          <a:xfrm>
+            <a:off x="2392170" y="3176298"/>
+            <a:ext cx="1344349" cy="646546"/>
+          </a:xfrm>
+          <a:prstGeom prst="roundRect">
+            <a:avLst/>
+          </a:prstGeom>
+          <a:solidFill>
+            <a:schemeClr val="accent1">
+              <a:lumMod val="20000"/>
+              <a:lumOff val="80000"/>
+            </a:schemeClr>
+          </a:solidFill>
+        </p:spPr>
+        <p:style>
+          <a:lnRef idx="1">
+            <a:schemeClr val="accent1"/>
+          </a:lnRef>
+          <a:fillRef idx="3">
+            <a:schemeClr val="accent1"/>
+          </a:fillRef>
+          <a:effectRef idx="2">
+            <a:schemeClr val="accent1"/>
+          </a:effectRef>
+          <a:fontRef idx="minor">
+            <a:schemeClr val="lt1"/>
+          </a:fontRef>
+        </p:style>
+        <p:txBody>
+          <a:bodyPr rtlCol="0" anchor="ctr"/>
+          <a:lstStyle/>
+          <a:p>
+            <a:pPr algn="ctr"/>
+            <a:r>
+              <a:rPr lang="en-US" sz="1600" dirty="0">
+                <a:solidFill>
+                  <a:sysClr val="windowText" lastClr="000000"/>
+                </a:solidFill>
+              </a:rPr>
+              <a:t>Network</a:t>
+            </a:r>
+          </a:p>
+        </p:txBody>
+      </p:sp>
       <p:cxnSp>
         <p:nvCxnSpPr>
-          <p:cNvPr id="29" name="Straight Arrow Connector 28"/>
+          <p:cNvPr id="45" name="Straight Arrow Connector 44">
+            <a:extLst>
+              <a:ext uri="{FF2B5EF4-FFF2-40B4-BE49-F238E27FC236}">
+                <a16:creationId xmlns:a16="http://schemas.microsoft.com/office/drawing/2014/main" id="{F6B0ACA1-DB2E-D14F-B09F-6D20934A8201}"/>
+              </a:ext>
+            </a:extLst>
+          </p:cNvPr>
           <p:cNvCxnSpPr>
-            <a:stCxn id="8" idx="2"/>
-            <a:endCxn id="27" idx="1"/>
+            <a:cxnSpLocks/>
+            <a:stCxn id="8" idx="1"/>
+            <a:endCxn id="44" idx="3"/>
           </p:cNvCxnSpPr>
           <p:nvPr/>
         </p:nvCxnSpPr>
         <p:spPr>
-          <a:xfrm>
-            <a:off x="5872714" y="3803590"/>
-            <a:ext cx="1095256" cy="701354"/>
+          <a:xfrm flipH="1">
+            <a:off x="3736519" y="3480317"/>
+            <a:ext cx="1464021" cy="19254"/>
           </a:xfrm>
           <a:prstGeom prst="straightConnector1">
             <a:avLst/>
@@ -4085,28 +4128,208 @@
           </a:fontRef>
         </p:style>
       </p:cxnSp>
+      <p:sp>
+        <p:nvSpPr>
+          <p:cNvPr id="48" name="Rectangle 47">
+            <a:extLst>
+              <a:ext uri="{FF2B5EF4-FFF2-40B4-BE49-F238E27FC236}">
+                <a16:creationId xmlns:a16="http://schemas.microsoft.com/office/drawing/2014/main" id="{CE6AFF88-5CC1-2844-8A0B-177AEC67668F}"/>
+              </a:ext>
+            </a:extLst>
+          </p:cNvPr>
+          <p:cNvSpPr/>
+          <p:nvPr/>
+        </p:nvSpPr>
+        <p:spPr>
+          <a:xfrm>
+            <a:off x="4139638" y="3206560"/>
+            <a:ext cx="657783" cy="307777"/>
+          </a:xfrm>
+          <a:prstGeom prst="rect">
+            <a:avLst/>
+          </a:prstGeom>
+        </p:spPr>
+        <p:txBody>
+          <a:bodyPr wrap="square">
+            <a:spAutoFit/>
+          </a:bodyPr>
+          <a:lstStyle/>
+          <a:p>
+            <a:r>
+              <a:rPr lang="en-US" sz="1400" dirty="0">
+                <a:solidFill>
+                  <a:srgbClr val="333333"/>
+                </a:solidFill>
+                <a:latin typeface="verdana" panose="020B0604030504040204" pitchFamily="34" charset="0"/>
+              </a:rPr>
+              <a:t>0..*</a:t>
+            </a:r>
+            <a:endParaRPr lang="en-US" sz="1400" dirty="0"/>
+          </a:p>
+        </p:txBody>
+      </p:sp>
+      <p:sp>
+        <p:nvSpPr>
+          <p:cNvPr id="49" name="Rectangle 48">
+            <a:extLst>
+              <a:ext uri="{FF2B5EF4-FFF2-40B4-BE49-F238E27FC236}">
+                <a16:creationId xmlns:a16="http://schemas.microsoft.com/office/drawing/2014/main" id="{070DDBE6-260B-F749-8420-E8ED26A303F9}"/>
+              </a:ext>
+            </a:extLst>
+          </p:cNvPr>
+          <p:cNvSpPr/>
+          <p:nvPr/>
+        </p:nvSpPr>
+        <p:spPr>
+          <a:xfrm>
+            <a:off x="4027558" y="3932410"/>
+            <a:ext cx="657783" cy="307777"/>
+          </a:xfrm>
+          <a:prstGeom prst="rect">
+            <a:avLst/>
+          </a:prstGeom>
+        </p:spPr>
+        <p:txBody>
+          <a:bodyPr wrap="square">
+            <a:spAutoFit/>
+          </a:bodyPr>
+          <a:lstStyle/>
+          <a:p>
+            <a:r>
+              <a:rPr lang="en-US" sz="1400" dirty="0">
+                <a:solidFill>
+                  <a:srgbClr val="333333"/>
+                </a:solidFill>
+                <a:latin typeface="verdana" panose="020B0604030504040204" pitchFamily="34" charset="0"/>
+              </a:rPr>
+              <a:t>0..*</a:t>
+            </a:r>
+            <a:endParaRPr lang="en-US" sz="1400" dirty="0"/>
+          </a:p>
+        </p:txBody>
+      </p:sp>
+      <p:sp>
+        <p:nvSpPr>
+          <p:cNvPr id="50" name="Rounded Rectangle 49">
+            <a:extLst>
+              <a:ext uri="{FF2B5EF4-FFF2-40B4-BE49-F238E27FC236}">
+                <a16:creationId xmlns:a16="http://schemas.microsoft.com/office/drawing/2014/main" id="{FE7B6E2B-F5AD-F14F-B4B4-A6501DAADB3A}"/>
+              </a:ext>
+            </a:extLst>
+          </p:cNvPr>
+          <p:cNvSpPr/>
+          <p:nvPr/>
+        </p:nvSpPr>
+        <p:spPr>
+          <a:xfrm>
+            <a:off x="2444641" y="1660124"/>
+            <a:ext cx="1344349" cy="646546"/>
+          </a:xfrm>
+          <a:prstGeom prst="roundRect">
+            <a:avLst/>
+          </a:prstGeom>
+          <a:solidFill>
+            <a:schemeClr val="accent1">
+              <a:lumMod val="20000"/>
+              <a:lumOff val="80000"/>
+            </a:schemeClr>
+          </a:solidFill>
+        </p:spPr>
+        <p:style>
+          <a:lnRef idx="1">
+            <a:schemeClr val="accent1"/>
+          </a:lnRef>
+          <a:fillRef idx="3">
+            <a:schemeClr val="accent1"/>
+          </a:fillRef>
+          <a:effectRef idx="2">
+            <a:schemeClr val="accent1"/>
+          </a:effectRef>
+          <a:fontRef idx="minor">
+            <a:schemeClr val="lt1"/>
+          </a:fontRef>
+        </p:style>
+        <p:txBody>
+          <a:bodyPr rtlCol="0" anchor="ctr"/>
+          <a:lstStyle/>
+          <a:p>
+            <a:pPr algn="ctr"/>
+            <a:r>
+              <a:rPr lang="en-US" sz="1600" dirty="0">
+                <a:solidFill>
+                  <a:sysClr val="windowText" lastClr="000000"/>
+                </a:solidFill>
+              </a:rPr>
+              <a:t>Network</a:t>
+            </a:r>
+          </a:p>
+        </p:txBody>
+      </p:sp>
+      <p:sp>
+        <p:nvSpPr>
+          <p:cNvPr id="51" name="Rectangle 50">
+            <a:extLst>
+              <a:ext uri="{FF2B5EF4-FFF2-40B4-BE49-F238E27FC236}">
+                <a16:creationId xmlns:a16="http://schemas.microsoft.com/office/drawing/2014/main" id="{69DB18A9-656A-934F-8E80-A8BAF4BE2004}"/>
+              </a:ext>
+            </a:extLst>
+          </p:cNvPr>
+          <p:cNvSpPr/>
+          <p:nvPr/>
+        </p:nvSpPr>
+        <p:spPr>
+          <a:xfrm>
+            <a:off x="3885867" y="2581717"/>
+            <a:ext cx="657783" cy="307777"/>
+          </a:xfrm>
+          <a:prstGeom prst="rect">
+            <a:avLst/>
+          </a:prstGeom>
+        </p:spPr>
+        <p:txBody>
+          <a:bodyPr wrap="square">
+            <a:spAutoFit/>
+          </a:bodyPr>
+          <a:lstStyle/>
+          <a:p>
+            <a:r>
+              <a:rPr lang="en-US" sz="1400" dirty="0">
+                <a:solidFill>
+                  <a:srgbClr val="333333"/>
+                </a:solidFill>
+                <a:latin typeface="verdana" panose="020B0604030504040204" pitchFamily="34" charset="0"/>
+              </a:rPr>
+              <a:t>0..*</a:t>
+            </a:r>
+            <a:endParaRPr lang="en-US" sz="1400" dirty="0"/>
+          </a:p>
+        </p:txBody>
+      </p:sp>
       <p:cxnSp>
         <p:nvCxnSpPr>
-          <p:cNvPr id="33" name="Curved Connector 32"/>
-          <p:cNvCxnSpPr/>
+          <p:cNvPr id="52" name="Straight Arrow Connector 51">
+            <a:extLst>
+              <a:ext uri="{FF2B5EF4-FFF2-40B4-BE49-F238E27FC236}">
+                <a16:creationId xmlns:a16="http://schemas.microsoft.com/office/drawing/2014/main" id="{B6EBF0F0-310E-5643-B681-DBC78B67421B}"/>
+              </a:ext>
+            </a:extLst>
+          </p:cNvPr>
+          <p:cNvCxnSpPr>
+            <a:cxnSpLocks/>
+            <a:stCxn id="8" idx="1"/>
+          </p:cNvCxnSpPr>
           <p:nvPr/>
         </p:nvCxnSpPr>
         <p:spPr>
-          <a:xfrm rot="16200000" flipH="1">
-            <a:off x="9592527" y="2977855"/>
-            <a:ext cx="323273" cy="672174"/>
-          </a:xfrm>
-          <a:prstGeom prst="curvedConnector4">
-            <a:avLst>
-              <a:gd name="adj1" fmla="val -70714"/>
-              <a:gd name="adj2" fmla="val 134009"/>
-            </a:avLst>
+          <a:xfrm flipH="1" flipV="1">
+            <a:off x="3760060" y="1996385"/>
+            <a:ext cx="1440480" cy="1483932"/>
+          </a:xfrm>
+          <a:prstGeom prst="straightConnector1">
+            <a:avLst/>
           </a:prstGeom>
           <a:ln>
-            <a:solidFill>
-              <a:schemeClr val="accent1"/>
-            </a:solidFill>
-            <a:headEnd type="none"/>
+            <a:headEnd type="none" w="lg" len="lg"/>
             <a:tailEnd type="triangle" w="lg" len="lg"/>
           </a:ln>
         </p:spPr>
@@ -4125,113 +4348,6 @@
           </a:fontRef>
         </p:style>
       </p:cxnSp>
-      <p:sp>
-        <p:nvSpPr>
-          <p:cNvPr id="22" name="Rounded Rectangle 21"/>
-          <p:cNvSpPr/>
-          <p:nvPr/>
-        </p:nvSpPr>
-        <p:spPr>
-          <a:xfrm>
-            <a:off x="8343097" y="3183281"/>
-            <a:ext cx="1700458" cy="646546"/>
-          </a:xfrm>
-          <a:prstGeom prst="roundRect">
-            <a:avLst/>
-          </a:prstGeom>
-          <a:solidFill>
-            <a:schemeClr val="accent1">
-              <a:lumMod val="20000"/>
-              <a:lumOff val="80000"/>
-            </a:schemeClr>
-          </a:solidFill>
-        </p:spPr>
-        <p:style>
-          <a:lnRef idx="1">
-            <a:schemeClr val="accent1"/>
-          </a:lnRef>
-          <a:fillRef idx="3">
-            <a:schemeClr val="accent1"/>
-          </a:fillRef>
-          <a:effectRef idx="2">
-            <a:schemeClr val="accent1"/>
-          </a:effectRef>
-          <a:fontRef idx="minor">
-            <a:schemeClr val="lt1"/>
-          </a:fontRef>
-        </p:style>
-        <p:txBody>
-          <a:bodyPr rtlCol="0" anchor="ctr"/>
-          <a:lstStyle/>
-          <a:p>
-            <a:pPr algn="ctr"/>
-            <a:r>
-              <a:rPr lang="en-US" sz="1600" dirty="0">
-                <a:solidFill>
-                  <a:sysClr val="windowText" lastClr="000000"/>
-                </a:solidFill>
-              </a:rPr>
-              <a:t>Organization</a:t>
-            </a:r>
-          </a:p>
-        </p:txBody>
-      </p:sp>
-      <p:sp>
-        <p:nvSpPr>
-          <p:cNvPr id="7" name="TextBox 6">
-            <a:extLst>
-              <a:ext uri="{FF2B5EF4-FFF2-40B4-BE49-F238E27FC236}">
-                <a16:creationId xmlns:a16="http://schemas.microsoft.com/office/drawing/2014/main" id="{10E83AAA-9A3E-47F3-AE92-BFFF0EF38F6F}"/>
-              </a:ext>
-            </a:extLst>
-          </p:cNvPr>
-          <p:cNvSpPr txBox="1"/>
-          <p:nvPr/>
-        </p:nvSpPr>
-        <p:spPr>
-          <a:xfrm>
-            <a:off x="1377350" y="5062708"/>
-            <a:ext cx="9152628" cy="1200329"/>
-          </a:xfrm>
-          <a:prstGeom prst="rect">
-            <a:avLst/>
-          </a:prstGeom>
-          <a:noFill/>
-        </p:spPr>
-        <p:txBody>
-          <a:bodyPr wrap="square" rtlCol="0">
-            <a:spAutoFit/>
-          </a:bodyPr>
-          <a:lstStyle/>
-          <a:p>
-            <a:pPr marL="342900" indent="-342900">
-              <a:buFont typeface="Arial" panose="020B0604020202020204" pitchFamily="34" charset="0"/>
-              <a:buChar char="•"/>
-            </a:pPr>
-            <a:r>
-              <a:rPr lang="en-US" dirty="0" err="1"/>
-              <a:t>OrganizationAffiliation</a:t>
-            </a:r>
-            <a:r>
-              <a:rPr lang="en-US" dirty="0"/>
-              <a:t> -- represents non-hierarchical relationships between organizations</a:t>
-            </a:r>
-          </a:p>
-          <a:p>
-            <a:pPr marL="800100" lvl="1" indent="-342900">
-              <a:buFont typeface="Arial" panose="020B0604020202020204" pitchFamily="34" charset="0"/>
-              <a:buChar char="•"/>
-            </a:pPr>
-            <a:r>
-              <a:rPr lang="en-US" dirty="0"/>
-              <a:t>E.g. one organization providing services to another, membership in a national organization, joint venture between multiple organizations</a:t>
-            </a:r>
-          </a:p>
-          <a:p>
-            <a:endParaRPr lang="en-US" dirty="0"/>
-          </a:p>
-        </p:txBody>
-      </p:sp>
     </p:spTree>
     <p:extLst>
       <p:ext uri="{BB962C8B-B14F-4D97-AF65-F5344CB8AC3E}">
@@ -4264,31 +4380,1785 @@
       </p:grpSpPr>
       <p:sp>
         <p:nvSpPr>
-          <p:cNvPr id="2" name="Title 1"/>
-          <p:cNvSpPr>
-            <a:spLocks noGrp="1"/>
-          </p:cNvSpPr>
-          <p:nvPr>
-            <p:ph type="title"/>
-          </p:nvPr>
-        </p:nvSpPr>
-        <p:spPr>
-          <a:xfrm>
-            <a:off x="642837" y="-123986"/>
-            <a:ext cx="10515600" cy="1325563"/>
-          </a:xfrm>
-        </p:spPr>
-        <p:txBody>
-          <a:bodyPr/>
-          <a:lstStyle/>
-          <a:p>
-            <a:r>
-              <a:rPr lang="en-US" dirty="0"/>
-              <a:t>Data Model – Health Insurance</a:t>
-            </a:r>
-          </a:p>
-        </p:txBody>
-      </p:sp>
+          <p:cNvPr id="4" name="Rounded Rectangle 11">
+            <a:extLst>
+              <a:ext uri="{FF2B5EF4-FFF2-40B4-BE49-F238E27FC236}">
+                <a16:creationId xmlns:a16="http://schemas.microsoft.com/office/drawing/2014/main" id="{22697AF8-4916-334C-B71D-27F4C9E4ADEC}"/>
+              </a:ext>
+            </a:extLst>
+          </p:cNvPr>
+          <p:cNvSpPr/>
+          <p:nvPr/>
+        </p:nvSpPr>
+        <p:spPr>
+          <a:xfrm>
+            <a:off x="4950743" y="3429000"/>
+            <a:ext cx="1326335" cy="646546"/>
+          </a:xfrm>
+          <a:prstGeom prst="roundRect">
+            <a:avLst/>
+          </a:prstGeom>
+          <a:solidFill>
+            <a:schemeClr val="accent1">
+              <a:lumMod val="20000"/>
+              <a:lumOff val="80000"/>
+            </a:schemeClr>
+          </a:solidFill>
+          <a:ln w="38100">
+            <a:solidFill>
+              <a:schemeClr val="tx1"/>
+            </a:solidFill>
+          </a:ln>
+        </p:spPr>
+        <p:style>
+          <a:lnRef idx="1">
+            <a:schemeClr val="accent1"/>
+          </a:lnRef>
+          <a:fillRef idx="3">
+            <a:schemeClr val="accent1"/>
+          </a:fillRef>
+          <a:effectRef idx="2">
+            <a:schemeClr val="accent1"/>
+          </a:effectRef>
+          <a:fontRef idx="minor">
+            <a:schemeClr val="lt1"/>
+          </a:fontRef>
+        </p:style>
+        <p:txBody>
+          <a:bodyPr rtlCol="0" anchor="ctr"/>
+          <a:lstStyle/>
+          <a:p>
+            <a:pPr algn="ctr"/>
+            <a:r>
+              <a:rPr lang="en-US" sz="1400" dirty="0" err="1">
+                <a:solidFill>
+                  <a:srgbClr val="002060"/>
+                </a:solidFill>
+              </a:rPr>
+              <a:t>InsurancePlan</a:t>
+            </a:r>
+            <a:endParaRPr lang="en-US" sz="1400" dirty="0">
+              <a:solidFill>
+                <a:srgbClr val="002060"/>
+              </a:solidFill>
+            </a:endParaRPr>
+          </a:p>
+        </p:txBody>
+      </p:sp>
+      <p:sp>
+        <p:nvSpPr>
+          <p:cNvPr id="5" name="Rounded Rectangle 4">
+            <a:extLst>
+              <a:ext uri="{FF2B5EF4-FFF2-40B4-BE49-F238E27FC236}">
+                <a16:creationId xmlns:a16="http://schemas.microsoft.com/office/drawing/2014/main" id="{46C8BAD2-F552-0D49-A360-DC3B90B7BB53}"/>
+              </a:ext>
+            </a:extLst>
+          </p:cNvPr>
+          <p:cNvSpPr/>
+          <p:nvPr/>
+        </p:nvSpPr>
+        <p:spPr>
+          <a:xfrm>
+            <a:off x="3102339" y="1913298"/>
+            <a:ext cx="1700458" cy="646546"/>
+          </a:xfrm>
+          <a:prstGeom prst="roundRect">
+            <a:avLst/>
+          </a:prstGeom>
+          <a:solidFill>
+            <a:schemeClr val="accent1">
+              <a:lumMod val="20000"/>
+              <a:lumOff val="80000"/>
+            </a:schemeClr>
+          </a:solidFill>
+        </p:spPr>
+        <p:style>
+          <a:lnRef idx="1">
+            <a:schemeClr val="accent1"/>
+          </a:lnRef>
+          <a:fillRef idx="3">
+            <a:schemeClr val="accent1"/>
+          </a:fillRef>
+          <a:effectRef idx="2">
+            <a:schemeClr val="accent1"/>
+          </a:effectRef>
+          <a:fontRef idx="minor">
+            <a:schemeClr val="lt1"/>
+          </a:fontRef>
+        </p:style>
+        <p:txBody>
+          <a:bodyPr rtlCol="0" anchor="ctr"/>
+          <a:lstStyle/>
+          <a:p>
+            <a:pPr algn="ctr"/>
+            <a:r>
+              <a:rPr lang="en-US" sz="1600" dirty="0">
+                <a:solidFill>
+                  <a:sysClr val="windowText" lastClr="000000"/>
+                </a:solidFill>
+              </a:rPr>
+              <a:t>Organization</a:t>
+            </a:r>
+          </a:p>
+          <a:p>
+            <a:pPr algn="ctr"/>
+            <a:r>
+              <a:rPr lang="en-US" sz="1600" dirty="0">
+                <a:solidFill>
+                  <a:sysClr val="windowText" lastClr="000000"/>
+                </a:solidFill>
+              </a:rPr>
+              <a:t>(payer)</a:t>
+            </a:r>
+          </a:p>
+        </p:txBody>
+      </p:sp>
+      <p:sp>
+        <p:nvSpPr>
+          <p:cNvPr id="6" name="Rounded Rectangle 5">
+            <a:extLst>
+              <a:ext uri="{FF2B5EF4-FFF2-40B4-BE49-F238E27FC236}">
+                <a16:creationId xmlns:a16="http://schemas.microsoft.com/office/drawing/2014/main" id="{FFF1B08E-B1B2-C845-827A-304368FA6234}"/>
+              </a:ext>
+            </a:extLst>
+          </p:cNvPr>
+          <p:cNvSpPr/>
+          <p:nvPr/>
+        </p:nvSpPr>
+        <p:spPr>
+          <a:xfrm>
+            <a:off x="6277078" y="1997184"/>
+            <a:ext cx="1700458" cy="646546"/>
+          </a:xfrm>
+          <a:prstGeom prst="roundRect">
+            <a:avLst/>
+          </a:prstGeom>
+          <a:solidFill>
+            <a:schemeClr val="accent1">
+              <a:lumMod val="20000"/>
+              <a:lumOff val="80000"/>
+            </a:schemeClr>
+          </a:solidFill>
+        </p:spPr>
+        <p:style>
+          <a:lnRef idx="1">
+            <a:schemeClr val="accent1"/>
+          </a:lnRef>
+          <a:fillRef idx="3">
+            <a:schemeClr val="accent1"/>
+          </a:fillRef>
+          <a:effectRef idx="2">
+            <a:schemeClr val="accent1"/>
+          </a:effectRef>
+          <a:fontRef idx="minor">
+            <a:schemeClr val="lt1"/>
+          </a:fontRef>
+        </p:style>
+        <p:txBody>
+          <a:bodyPr rtlCol="0" anchor="ctr"/>
+          <a:lstStyle/>
+          <a:p>
+            <a:pPr algn="ctr"/>
+            <a:r>
+              <a:rPr lang="en-US" sz="1600" dirty="0">
+                <a:solidFill>
+                  <a:sysClr val="windowText" lastClr="000000"/>
+                </a:solidFill>
+              </a:rPr>
+              <a:t>Organization</a:t>
+            </a:r>
+          </a:p>
+          <a:p>
+            <a:pPr algn="ctr"/>
+            <a:r>
+              <a:rPr lang="en-US" sz="1600" dirty="0">
+                <a:solidFill>
+                  <a:sysClr val="windowText" lastClr="000000"/>
+                </a:solidFill>
+              </a:rPr>
+              <a:t>(payer)</a:t>
+            </a:r>
+          </a:p>
+        </p:txBody>
+      </p:sp>
+      <p:sp>
+        <p:nvSpPr>
+          <p:cNvPr id="7" name="Rounded Rectangle 6">
+            <a:extLst>
+              <a:ext uri="{FF2B5EF4-FFF2-40B4-BE49-F238E27FC236}">
+                <a16:creationId xmlns:a16="http://schemas.microsoft.com/office/drawing/2014/main" id="{46BB1499-E115-D64C-8233-ACD72BFB8C1B}"/>
+              </a:ext>
+            </a:extLst>
+          </p:cNvPr>
+          <p:cNvSpPr/>
+          <p:nvPr/>
+        </p:nvSpPr>
+        <p:spPr>
+          <a:xfrm>
+            <a:off x="4754223" y="5423169"/>
+            <a:ext cx="1700458" cy="646546"/>
+          </a:xfrm>
+          <a:prstGeom prst="roundRect">
+            <a:avLst/>
+          </a:prstGeom>
+          <a:solidFill>
+            <a:schemeClr val="accent1">
+              <a:lumMod val="20000"/>
+              <a:lumOff val="80000"/>
+            </a:schemeClr>
+          </a:solidFill>
+        </p:spPr>
+        <p:style>
+          <a:lnRef idx="1">
+            <a:schemeClr val="accent1"/>
+          </a:lnRef>
+          <a:fillRef idx="3">
+            <a:schemeClr val="accent1"/>
+          </a:fillRef>
+          <a:effectRef idx="2">
+            <a:schemeClr val="accent1"/>
+          </a:effectRef>
+          <a:fontRef idx="minor">
+            <a:schemeClr val="lt1"/>
+          </a:fontRef>
+        </p:style>
+        <p:txBody>
+          <a:bodyPr rtlCol="0" anchor="ctr"/>
+          <a:lstStyle/>
+          <a:p>
+            <a:pPr algn="ctr"/>
+            <a:r>
+              <a:rPr lang="en-US" sz="1600" dirty="0">
+                <a:solidFill>
+                  <a:sysClr val="windowText" lastClr="000000"/>
+                </a:solidFill>
+              </a:rPr>
+              <a:t>Location</a:t>
+            </a:r>
+          </a:p>
+        </p:txBody>
+      </p:sp>
+      <p:cxnSp>
+        <p:nvCxnSpPr>
+          <p:cNvPr id="8" name="Straight Arrow Connector 7">
+            <a:extLst>
+              <a:ext uri="{FF2B5EF4-FFF2-40B4-BE49-F238E27FC236}">
+                <a16:creationId xmlns:a16="http://schemas.microsoft.com/office/drawing/2014/main" id="{33B09187-F25B-5446-B0AB-FD1CAFA85D32}"/>
+              </a:ext>
+            </a:extLst>
+          </p:cNvPr>
+          <p:cNvCxnSpPr>
+            <a:cxnSpLocks/>
+            <a:stCxn id="4" idx="2"/>
+            <a:endCxn id="7" idx="0"/>
+          </p:cNvCxnSpPr>
+          <p:nvPr/>
+        </p:nvCxnSpPr>
+        <p:spPr>
+          <a:xfrm flipH="1">
+            <a:off x="5604452" y="4075546"/>
+            <a:ext cx="9459" cy="1347623"/>
+          </a:xfrm>
+          <a:prstGeom prst="straightConnector1">
+            <a:avLst/>
+          </a:prstGeom>
+          <a:ln>
+            <a:headEnd type="none" w="lg" len="lg"/>
+            <a:tailEnd type="triangle" w="lg" len="lg"/>
+          </a:ln>
+        </p:spPr>
+        <p:style>
+          <a:lnRef idx="2">
+            <a:schemeClr val="accent1"/>
+          </a:lnRef>
+          <a:fillRef idx="0">
+            <a:schemeClr val="accent1"/>
+          </a:fillRef>
+          <a:effectRef idx="1">
+            <a:schemeClr val="accent1"/>
+          </a:effectRef>
+          <a:fontRef idx="minor">
+            <a:schemeClr val="tx1"/>
+          </a:fontRef>
+        </p:style>
+      </p:cxnSp>
+      <p:cxnSp>
+        <p:nvCxnSpPr>
+          <p:cNvPr id="10" name="Straight Arrow Connector 9">
+            <a:extLst>
+              <a:ext uri="{FF2B5EF4-FFF2-40B4-BE49-F238E27FC236}">
+                <a16:creationId xmlns:a16="http://schemas.microsoft.com/office/drawing/2014/main" id="{F8C9D8F0-3F0A-B14C-907E-46F9168F64DE}"/>
+              </a:ext>
+            </a:extLst>
+          </p:cNvPr>
+          <p:cNvCxnSpPr>
+            <a:cxnSpLocks/>
+          </p:cNvCxnSpPr>
+          <p:nvPr/>
+        </p:nvCxnSpPr>
+        <p:spPr>
+          <a:xfrm flipV="1">
+            <a:off x="5604452" y="2643730"/>
+            <a:ext cx="1243609" cy="830371"/>
+          </a:xfrm>
+          <a:prstGeom prst="straightConnector1">
+            <a:avLst/>
+          </a:prstGeom>
+          <a:ln>
+            <a:headEnd type="none" w="lg" len="lg"/>
+            <a:tailEnd type="triangle" w="lg" len="lg"/>
+          </a:ln>
+        </p:spPr>
+        <p:style>
+          <a:lnRef idx="2">
+            <a:schemeClr val="accent1"/>
+          </a:lnRef>
+          <a:fillRef idx="0">
+            <a:schemeClr val="accent1"/>
+          </a:fillRef>
+          <a:effectRef idx="1">
+            <a:schemeClr val="accent1"/>
+          </a:effectRef>
+          <a:fontRef idx="minor">
+            <a:schemeClr val="tx1"/>
+          </a:fontRef>
+        </p:style>
+      </p:cxnSp>
+      <p:cxnSp>
+        <p:nvCxnSpPr>
+          <p:cNvPr id="12" name="Straight Arrow Connector 11">
+            <a:extLst>
+              <a:ext uri="{FF2B5EF4-FFF2-40B4-BE49-F238E27FC236}">
+                <a16:creationId xmlns:a16="http://schemas.microsoft.com/office/drawing/2014/main" id="{CD195918-D269-8141-90FC-F7FCBC346B08}"/>
+              </a:ext>
+            </a:extLst>
+          </p:cNvPr>
+          <p:cNvCxnSpPr>
+            <a:cxnSpLocks/>
+          </p:cNvCxnSpPr>
+          <p:nvPr/>
+        </p:nvCxnSpPr>
+        <p:spPr>
+          <a:xfrm flipH="1" flipV="1">
+            <a:off x="4134678" y="2621180"/>
+            <a:ext cx="1469774" cy="807821"/>
+          </a:xfrm>
+          <a:prstGeom prst="straightConnector1">
+            <a:avLst/>
+          </a:prstGeom>
+          <a:ln>
+            <a:headEnd type="none" w="lg" len="lg"/>
+            <a:tailEnd type="triangle" w="lg" len="lg"/>
+          </a:ln>
+        </p:spPr>
+        <p:style>
+          <a:lnRef idx="2">
+            <a:schemeClr val="accent1"/>
+          </a:lnRef>
+          <a:fillRef idx="0">
+            <a:schemeClr val="accent1"/>
+          </a:fillRef>
+          <a:effectRef idx="1">
+            <a:schemeClr val="accent1"/>
+          </a:effectRef>
+          <a:fontRef idx="minor">
+            <a:schemeClr val="tx1"/>
+          </a:fontRef>
+        </p:style>
+      </p:cxnSp>
+      <p:sp>
+        <p:nvSpPr>
+          <p:cNvPr id="17" name="Rectangle 16">
+            <a:extLst>
+              <a:ext uri="{FF2B5EF4-FFF2-40B4-BE49-F238E27FC236}">
+                <a16:creationId xmlns:a16="http://schemas.microsoft.com/office/drawing/2014/main" id="{1427FB91-97B3-6642-82F3-F2C56BE6593C}"/>
+              </a:ext>
+            </a:extLst>
+          </p:cNvPr>
+          <p:cNvSpPr/>
+          <p:nvPr/>
+        </p:nvSpPr>
+        <p:spPr>
+          <a:xfrm>
+            <a:off x="4754223" y="2717313"/>
+            <a:ext cx="657783" cy="307777"/>
+          </a:xfrm>
+          <a:prstGeom prst="rect">
+            <a:avLst/>
+          </a:prstGeom>
+        </p:spPr>
+        <p:txBody>
+          <a:bodyPr wrap="square">
+            <a:spAutoFit/>
+          </a:bodyPr>
+          <a:lstStyle/>
+          <a:p>
+            <a:r>
+              <a:rPr lang="en-US" sz="1400" dirty="0">
+                <a:solidFill>
+                  <a:srgbClr val="333333"/>
+                </a:solidFill>
+                <a:latin typeface="verdana" panose="020B0604030504040204" pitchFamily="34" charset="0"/>
+              </a:rPr>
+              <a:t>1..1</a:t>
+            </a:r>
+            <a:endParaRPr lang="en-US" sz="1400" dirty="0"/>
+          </a:p>
+        </p:txBody>
+      </p:sp>
+      <p:sp>
+        <p:nvSpPr>
+          <p:cNvPr id="18" name="Rectangle 17">
+            <a:extLst>
+              <a:ext uri="{FF2B5EF4-FFF2-40B4-BE49-F238E27FC236}">
+                <a16:creationId xmlns:a16="http://schemas.microsoft.com/office/drawing/2014/main" id="{E2BABC6B-A1DD-DE48-904E-6972B8298B1B}"/>
+              </a:ext>
+            </a:extLst>
+          </p:cNvPr>
+          <p:cNvSpPr/>
+          <p:nvPr/>
+        </p:nvSpPr>
+        <p:spPr>
+          <a:xfrm>
+            <a:off x="5895105" y="2717312"/>
+            <a:ext cx="657783" cy="307777"/>
+          </a:xfrm>
+          <a:prstGeom prst="rect">
+            <a:avLst/>
+          </a:prstGeom>
+        </p:spPr>
+        <p:txBody>
+          <a:bodyPr wrap="square">
+            <a:spAutoFit/>
+          </a:bodyPr>
+          <a:lstStyle/>
+          <a:p>
+            <a:r>
+              <a:rPr lang="en-US" sz="1400" dirty="0">
+                <a:solidFill>
+                  <a:srgbClr val="333333"/>
+                </a:solidFill>
+                <a:latin typeface="verdana" panose="020B0604030504040204" pitchFamily="34" charset="0"/>
+              </a:rPr>
+              <a:t>1..1</a:t>
+            </a:r>
+            <a:endParaRPr lang="en-US" sz="1400" dirty="0"/>
+          </a:p>
+        </p:txBody>
+      </p:sp>
+      <p:sp>
+        <p:nvSpPr>
+          <p:cNvPr id="19" name="TextBox 18">
+            <a:extLst>
+              <a:ext uri="{FF2B5EF4-FFF2-40B4-BE49-F238E27FC236}">
+                <a16:creationId xmlns:a16="http://schemas.microsoft.com/office/drawing/2014/main" id="{0C3680EC-6137-C04D-9D14-A495E7109502}"/>
+              </a:ext>
+            </a:extLst>
+          </p:cNvPr>
+          <p:cNvSpPr txBox="1"/>
+          <p:nvPr/>
+        </p:nvSpPr>
+        <p:spPr>
+          <a:xfrm>
+            <a:off x="3601236" y="2897553"/>
+            <a:ext cx="1056764" cy="369332"/>
+          </a:xfrm>
+          <a:prstGeom prst="rect">
+            <a:avLst/>
+          </a:prstGeom>
+          <a:noFill/>
+        </p:spPr>
+        <p:txBody>
+          <a:bodyPr wrap="none" rtlCol="0">
+            <a:spAutoFit/>
+          </a:bodyPr>
+          <a:lstStyle/>
+          <a:p>
+            <a:r>
+              <a:rPr lang="en-US" dirty="0" err="1"/>
+              <a:t>ownedBy</a:t>
+            </a:r>
+            <a:endParaRPr lang="en-US" dirty="0"/>
+          </a:p>
+        </p:txBody>
+      </p:sp>
+      <p:sp>
+        <p:nvSpPr>
+          <p:cNvPr id="20" name="TextBox 19">
+            <a:extLst>
+              <a:ext uri="{FF2B5EF4-FFF2-40B4-BE49-F238E27FC236}">
+                <a16:creationId xmlns:a16="http://schemas.microsoft.com/office/drawing/2014/main" id="{8691269F-553C-294B-9B8F-3A1EC3D3466A}"/>
+              </a:ext>
+            </a:extLst>
+          </p:cNvPr>
+          <p:cNvSpPr txBox="1"/>
+          <p:nvPr/>
+        </p:nvSpPr>
+        <p:spPr>
+          <a:xfrm>
+            <a:off x="4095292" y="4643915"/>
+            <a:ext cx="1463414" cy="369332"/>
+          </a:xfrm>
+          <a:prstGeom prst="rect">
+            <a:avLst/>
+          </a:prstGeom>
+          <a:noFill/>
+        </p:spPr>
+        <p:txBody>
+          <a:bodyPr wrap="none" rtlCol="0">
+            <a:spAutoFit/>
+          </a:bodyPr>
+          <a:lstStyle/>
+          <a:p>
+            <a:r>
+              <a:rPr lang="en-US" dirty="0" err="1"/>
+              <a:t>coverageArea</a:t>
+            </a:r>
+            <a:endParaRPr lang="en-US" dirty="0"/>
+          </a:p>
+        </p:txBody>
+      </p:sp>
+      <p:sp>
+        <p:nvSpPr>
+          <p:cNvPr id="21" name="Rectangle 20">
+            <a:extLst>
+              <a:ext uri="{FF2B5EF4-FFF2-40B4-BE49-F238E27FC236}">
+                <a16:creationId xmlns:a16="http://schemas.microsoft.com/office/drawing/2014/main" id="{043BC068-2BDE-114D-B931-B5AEE2D1A23F}"/>
+              </a:ext>
+            </a:extLst>
+          </p:cNvPr>
+          <p:cNvSpPr/>
+          <p:nvPr/>
+        </p:nvSpPr>
+        <p:spPr>
+          <a:xfrm>
+            <a:off x="5705404" y="4705470"/>
+            <a:ext cx="657783" cy="307777"/>
+          </a:xfrm>
+          <a:prstGeom prst="rect">
+            <a:avLst/>
+          </a:prstGeom>
+        </p:spPr>
+        <p:txBody>
+          <a:bodyPr wrap="square">
+            <a:spAutoFit/>
+          </a:bodyPr>
+          <a:lstStyle/>
+          <a:p>
+            <a:r>
+              <a:rPr lang="en-US" sz="1400" dirty="0">
+                <a:solidFill>
+                  <a:srgbClr val="333333"/>
+                </a:solidFill>
+                <a:latin typeface="verdana" panose="020B0604030504040204" pitchFamily="34" charset="0"/>
+              </a:rPr>
+              <a:t>0..*</a:t>
+            </a:r>
+            <a:endParaRPr lang="en-US" sz="1400" dirty="0"/>
+          </a:p>
+        </p:txBody>
+      </p:sp>
+      <p:sp>
+        <p:nvSpPr>
+          <p:cNvPr id="22" name="TextBox 21">
+            <a:extLst>
+              <a:ext uri="{FF2B5EF4-FFF2-40B4-BE49-F238E27FC236}">
+                <a16:creationId xmlns:a16="http://schemas.microsoft.com/office/drawing/2014/main" id="{D7E4ABA6-C25B-F74A-834B-483F9824BF21}"/>
+              </a:ext>
+            </a:extLst>
+          </p:cNvPr>
+          <p:cNvSpPr txBox="1"/>
+          <p:nvPr/>
+        </p:nvSpPr>
+        <p:spPr>
+          <a:xfrm>
+            <a:off x="6376396" y="3100609"/>
+            <a:ext cx="1647502" cy="369332"/>
+          </a:xfrm>
+          <a:prstGeom prst="rect">
+            <a:avLst/>
+          </a:prstGeom>
+          <a:noFill/>
+        </p:spPr>
+        <p:txBody>
+          <a:bodyPr wrap="none" rtlCol="0">
+            <a:spAutoFit/>
+          </a:bodyPr>
+          <a:lstStyle/>
+          <a:p>
+            <a:r>
+              <a:rPr lang="en-US" dirty="0" err="1"/>
+              <a:t>administeredBy</a:t>
+            </a:r>
+            <a:endParaRPr lang="en-US" dirty="0"/>
+          </a:p>
+        </p:txBody>
+      </p:sp>
+    </p:spTree>
+    <p:extLst>
+      <p:ext uri="{BB962C8B-B14F-4D97-AF65-F5344CB8AC3E}">
+        <p14:creationId xmlns:p14="http://schemas.microsoft.com/office/powerpoint/2010/main" val="3902436764"/>
+      </p:ext>
+    </p:extLst>
+  </p:cSld>
+  <p:clrMapOvr>
+    <a:masterClrMapping/>
+  </p:clrMapOvr>
+</p:sld>
+</file>
+
+<file path=ppt/slides/slide3.xml><?xml version="1.0" encoding="utf-8"?>
+<p:sld xmlns:a="http://schemas.openxmlformats.org/drawingml/2006/main" xmlns:r="http://schemas.openxmlformats.org/officeDocument/2006/relationships" xmlns:p="http://schemas.openxmlformats.org/presentationml/2006/main">
+  <p:cSld>
+    <p:spTree>
+      <p:nvGrpSpPr>
+        <p:cNvPr id="1" name=""/>
+        <p:cNvGrpSpPr/>
+        <p:nvPr/>
+      </p:nvGrpSpPr>
+      <p:grpSpPr>
+        <a:xfrm>
+          <a:off x="0" y="0"/>
+          <a:ext cx="0" cy="0"/>
+          <a:chOff x="0" y="0"/>
+          <a:chExt cx="0" cy="0"/>
+        </a:xfrm>
+      </p:grpSpPr>
+      <p:sp>
+        <p:nvSpPr>
+          <p:cNvPr id="4" name="Rounded Rectangle 11">
+            <a:extLst>
+              <a:ext uri="{FF2B5EF4-FFF2-40B4-BE49-F238E27FC236}">
+                <a16:creationId xmlns:a16="http://schemas.microsoft.com/office/drawing/2014/main" id="{22697AF8-4916-334C-B71D-27F4C9E4ADEC}"/>
+              </a:ext>
+            </a:extLst>
+          </p:cNvPr>
+          <p:cNvSpPr/>
+          <p:nvPr/>
+        </p:nvSpPr>
+        <p:spPr>
+          <a:xfrm>
+            <a:off x="4950743" y="3429000"/>
+            <a:ext cx="1326335" cy="646546"/>
+          </a:xfrm>
+          <a:prstGeom prst="roundRect">
+            <a:avLst/>
+          </a:prstGeom>
+          <a:solidFill>
+            <a:schemeClr val="accent1">
+              <a:lumMod val="20000"/>
+              <a:lumOff val="80000"/>
+            </a:schemeClr>
+          </a:solidFill>
+          <a:ln w="38100">
+            <a:solidFill>
+              <a:schemeClr val="tx1"/>
+            </a:solidFill>
+          </a:ln>
+        </p:spPr>
+        <p:style>
+          <a:lnRef idx="1">
+            <a:schemeClr val="accent1"/>
+          </a:lnRef>
+          <a:fillRef idx="3">
+            <a:schemeClr val="accent1"/>
+          </a:fillRef>
+          <a:effectRef idx="2">
+            <a:schemeClr val="accent1"/>
+          </a:effectRef>
+          <a:fontRef idx="minor">
+            <a:schemeClr val="lt1"/>
+          </a:fontRef>
+        </p:style>
+        <p:txBody>
+          <a:bodyPr rtlCol="0" anchor="ctr"/>
+          <a:lstStyle/>
+          <a:p>
+            <a:pPr algn="ctr"/>
+            <a:r>
+              <a:rPr lang="en-US" sz="1400" dirty="0">
+                <a:solidFill>
+                  <a:srgbClr val="002060"/>
+                </a:solidFill>
+              </a:rPr>
+              <a:t>HealthCare</a:t>
+            </a:r>
+            <a:br>
+              <a:rPr lang="en-US" sz="1400" dirty="0">
+                <a:solidFill>
+                  <a:srgbClr val="002060"/>
+                </a:solidFill>
+              </a:rPr>
+            </a:br>
+            <a:r>
+              <a:rPr lang="en-US" sz="1400" dirty="0">
+                <a:solidFill>
+                  <a:srgbClr val="002060"/>
+                </a:solidFill>
+              </a:rPr>
+              <a:t>Service</a:t>
+            </a:r>
+          </a:p>
+        </p:txBody>
+      </p:sp>
+      <p:sp>
+        <p:nvSpPr>
+          <p:cNvPr id="6" name="Rounded Rectangle 5">
+            <a:extLst>
+              <a:ext uri="{FF2B5EF4-FFF2-40B4-BE49-F238E27FC236}">
+                <a16:creationId xmlns:a16="http://schemas.microsoft.com/office/drawing/2014/main" id="{FFF1B08E-B1B2-C845-827A-304368FA6234}"/>
+              </a:ext>
+            </a:extLst>
+          </p:cNvPr>
+          <p:cNvSpPr/>
+          <p:nvPr/>
+        </p:nvSpPr>
+        <p:spPr>
+          <a:xfrm>
+            <a:off x="4763681" y="1921664"/>
+            <a:ext cx="1700458" cy="646546"/>
+          </a:xfrm>
+          <a:prstGeom prst="roundRect">
+            <a:avLst/>
+          </a:prstGeom>
+          <a:solidFill>
+            <a:schemeClr val="accent1">
+              <a:lumMod val="20000"/>
+              <a:lumOff val="80000"/>
+            </a:schemeClr>
+          </a:solidFill>
+        </p:spPr>
+        <p:style>
+          <a:lnRef idx="1">
+            <a:schemeClr val="accent1"/>
+          </a:lnRef>
+          <a:fillRef idx="3">
+            <a:schemeClr val="accent1"/>
+          </a:fillRef>
+          <a:effectRef idx="2">
+            <a:schemeClr val="accent1"/>
+          </a:effectRef>
+          <a:fontRef idx="minor">
+            <a:schemeClr val="lt1"/>
+          </a:fontRef>
+        </p:style>
+        <p:txBody>
+          <a:bodyPr rtlCol="0" anchor="ctr"/>
+          <a:lstStyle/>
+          <a:p>
+            <a:pPr algn="ctr"/>
+            <a:r>
+              <a:rPr lang="en-US" sz="1600" dirty="0">
+                <a:solidFill>
+                  <a:sysClr val="windowText" lastClr="000000"/>
+                </a:solidFill>
+              </a:rPr>
+              <a:t>Organization</a:t>
+            </a:r>
+          </a:p>
+          <a:p>
+            <a:pPr algn="ctr"/>
+            <a:r>
+              <a:rPr lang="en-US" sz="1600" dirty="0">
+                <a:solidFill>
+                  <a:sysClr val="windowText" lastClr="000000"/>
+                </a:solidFill>
+              </a:rPr>
+              <a:t>(payer)</a:t>
+            </a:r>
+          </a:p>
+        </p:txBody>
+      </p:sp>
+      <p:sp>
+        <p:nvSpPr>
+          <p:cNvPr id="7" name="Rounded Rectangle 6">
+            <a:extLst>
+              <a:ext uri="{FF2B5EF4-FFF2-40B4-BE49-F238E27FC236}">
+                <a16:creationId xmlns:a16="http://schemas.microsoft.com/office/drawing/2014/main" id="{46BB1499-E115-D64C-8233-ACD72BFB8C1B}"/>
+              </a:ext>
+            </a:extLst>
+          </p:cNvPr>
+          <p:cNvSpPr/>
+          <p:nvPr/>
+        </p:nvSpPr>
+        <p:spPr>
+          <a:xfrm>
+            <a:off x="4754223" y="4743089"/>
+            <a:ext cx="1700458" cy="646546"/>
+          </a:xfrm>
+          <a:prstGeom prst="roundRect">
+            <a:avLst/>
+          </a:prstGeom>
+          <a:solidFill>
+            <a:schemeClr val="accent1">
+              <a:lumMod val="20000"/>
+              <a:lumOff val="80000"/>
+            </a:schemeClr>
+          </a:solidFill>
+        </p:spPr>
+        <p:style>
+          <a:lnRef idx="1">
+            <a:schemeClr val="accent1"/>
+          </a:lnRef>
+          <a:fillRef idx="3">
+            <a:schemeClr val="accent1"/>
+          </a:fillRef>
+          <a:effectRef idx="2">
+            <a:schemeClr val="accent1"/>
+          </a:effectRef>
+          <a:fontRef idx="minor">
+            <a:schemeClr val="lt1"/>
+          </a:fontRef>
+        </p:style>
+        <p:txBody>
+          <a:bodyPr rtlCol="0" anchor="ctr"/>
+          <a:lstStyle/>
+          <a:p>
+            <a:pPr algn="ctr"/>
+            <a:r>
+              <a:rPr lang="en-US" sz="1600" dirty="0">
+                <a:solidFill>
+                  <a:sysClr val="windowText" lastClr="000000"/>
+                </a:solidFill>
+              </a:rPr>
+              <a:t>Location</a:t>
+            </a:r>
+          </a:p>
+        </p:txBody>
+      </p:sp>
+      <p:cxnSp>
+        <p:nvCxnSpPr>
+          <p:cNvPr id="8" name="Straight Arrow Connector 7">
+            <a:extLst>
+              <a:ext uri="{FF2B5EF4-FFF2-40B4-BE49-F238E27FC236}">
+                <a16:creationId xmlns:a16="http://schemas.microsoft.com/office/drawing/2014/main" id="{33B09187-F25B-5446-B0AB-FD1CAFA85D32}"/>
+              </a:ext>
+            </a:extLst>
+          </p:cNvPr>
+          <p:cNvCxnSpPr>
+            <a:cxnSpLocks/>
+            <a:stCxn id="4" idx="2"/>
+            <a:endCxn id="7" idx="0"/>
+          </p:cNvCxnSpPr>
+          <p:nvPr/>
+        </p:nvCxnSpPr>
+        <p:spPr>
+          <a:xfrm flipH="1">
+            <a:off x="5604452" y="4075546"/>
+            <a:ext cx="9459" cy="667543"/>
+          </a:xfrm>
+          <a:prstGeom prst="straightConnector1">
+            <a:avLst/>
+          </a:prstGeom>
+          <a:ln>
+            <a:headEnd type="none" w="lg" len="lg"/>
+            <a:tailEnd type="triangle" w="lg" len="lg"/>
+          </a:ln>
+        </p:spPr>
+        <p:style>
+          <a:lnRef idx="2">
+            <a:schemeClr val="accent1"/>
+          </a:lnRef>
+          <a:fillRef idx="0">
+            <a:schemeClr val="accent1"/>
+          </a:fillRef>
+          <a:effectRef idx="1">
+            <a:schemeClr val="accent1"/>
+          </a:effectRef>
+          <a:fontRef idx="minor">
+            <a:schemeClr val="tx1"/>
+          </a:fontRef>
+        </p:style>
+      </p:cxnSp>
+      <p:cxnSp>
+        <p:nvCxnSpPr>
+          <p:cNvPr id="10" name="Straight Arrow Connector 9">
+            <a:extLst>
+              <a:ext uri="{FF2B5EF4-FFF2-40B4-BE49-F238E27FC236}">
+                <a16:creationId xmlns:a16="http://schemas.microsoft.com/office/drawing/2014/main" id="{F8C9D8F0-3F0A-B14C-907E-46F9168F64DE}"/>
+              </a:ext>
+            </a:extLst>
+          </p:cNvPr>
+          <p:cNvCxnSpPr>
+            <a:cxnSpLocks/>
+            <a:endCxn id="6" idx="2"/>
+          </p:cNvCxnSpPr>
+          <p:nvPr/>
+        </p:nvCxnSpPr>
+        <p:spPr>
+          <a:xfrm flipV="1">
+            <a:off x="5604452" y="2568210"/>
+            <a:ext cx="9458" cy="905892"/>
+          </a:xfrm>
+          <a:prstGeom prst="straightConnector1">
+            <a:avLst/>
+          </a:prstGeom>
+          <a:ln>
+            <a:headEnd type="none" w="lg" len="lg"/>
+            <a:tailEnd type="triangle" w="lg" len="lg"/>
+          </a:ln>
+        </p:spPr>
+        <p:style>
+          <a:lnRef idx="2">
+            <a:schemeClr val="accent1"/>
+          </a:lnRef>
+          <a:fillRef idx="0">
+            <a:schemeClr val="accent1"/>
+          </a:fillRef>
+          <a:effectRef idx="1">
+            <a:schemeClr val="accent1"/>
+          </a:effectRef>
+          <a:fontRef idx="minor">
+            <a:schemeClr val="tx1"/>
+          </a:fontRef>
+        </p:style>
+      </p:cxnSp>
+      <p:sp>
+        <p:nvSpPr>
+          <p:cNvPr id="18" name="Rectangle 17">
+            <a:extLst>
+              <a:ext uri="{FF2B5EF4-FFF2-40B4-BE49-F238E27FC236}">
+                <a16:creationId xmlns:a16="http://schemas.microsoft.com/office/drawing/2014/main" id="{E2BABC6B-A1DD-DE48-904E-6972B8298B1B}"/>
+              </a:ext>
+            </a:extLst>
+          </p:cNvPr>
+          <p:cNvSpPr/>
+          <p:nvPr/>
+        </p:nvSpPr>
+        <p:spPr>
+          <a:xfrm>
+            <a:off x="5705085" y="2740627"/>
+            <a:ext cx="657783" cy="307777"/>
+          </a:xfrm>
+          <a:prstGeom prst="rect">
+            <a:avLst/>
+          </a:prstGeom>
+        </p:spPr>
+        <p:txBody>
+          <a:bodyPr wrap="square">
+            <a:spAutoFit/>
+          </a:bodyPr>
+          <a:lstStyle/>
+          <a:p>
+            <a:r>
+              <a:rPr lang="en-US" sz="1400" dirty="0">
+                <a:solidFill>
+                  <a:srgbClr val="333333"/>
+                </a:solidFill>
+                <a:latin typeface="verdana" panose="020B0604030504040204" pitchFamily="34" charset="0"/>
+              </a:rPr>
+              <a:t>1..1</a:t>
+            </a:r>
+            <a:endParaRPr lang="en-US" sz="1400" dirty="0"/>
+          </a:p>
+        </p:txBody>
+      </p:sp>
+      <p:sp>
+        <p:nvSpPr>
+          <p:cNvPr id="21" name="Rectangle 20">
+            <a:extLst>
+              <a:ext uri="{FF2B5EF4-FFF2-40B4-BE49-F238E27FC236}">
+                <a16:creationId xmlns:a16="http://schemas.microsoft.com/office/drawing/2014/main" id="{043BC068-2BDE-114D-B931-B5AEE2D1A23F}"/>
+              </a:ext>
+            </a:extLst>
+          </p:cNvPr>
+          <p:cNvSpPr/>
+          <p:nvPr/>
+        </p:nvSpPr>
+        <p:spPr>
+          <a:xfrm>
+            <a:off x="5705086" y="4255429"/>
+            <a:ext cx="657783" cy="307777"/>
+          </a:xfrm>
+          <a:prstGeom prst="rect">
+            <a:avLst/>
+          </a:prstGeom>
+        </p:spPr>
+        <p:txBody>
+          <a:bodyPr wrap="square">
+            <a:spAutoFit/>
+          </a:bodyPr>
+          <a:lstStyle/>
+          <a:p>
+            <a:r>
+              <a:rPr lang="en-US" sz="1400" dirty="0">
+                <a:solidFill>
+                  <a:srgbClr val="333333"/>
+                </a:solidFill>
+                <a:latin typeface="verdana" panose="020B0604030504040204" pitchFamily="34" charset="0"/>
+              </a:rPr>
+              <a:t>0..*</a:t>
+            </a:r>
+            <a:endParaRPr lang="en-US" sz="1400" dirty="0"/>
+          </a:p>
+        </p:txBody>
+      </p:sp>
+      <p:sp>
+        <p:nvSpPr>
+          <p:cNvPr id="22" name="TextBox 21">
+            <a:extLst>
+              <a:ext uri="{FF2B5EF4-FFF2-40B4-BE49-F238E27FC236}">
+                <a16:creationId xmlns:a16="http://schemas.microsoft.com/office/drawing/2014/main" id="{D7E4ABA6-C25B-F74A-834B-483F9824BF21}"/>
+              </a:ext>
+            </a:extLst>
+          </p:cNvPr>
+          <p:cNvSpPr txBox="1"/>
+          <p:nvPr/>
+        </p:nvSpPr>
+        <p:spPr>
+          <a:xfrm>
+            <a:off x="4458206" y="2695311"/>
+            <a:ext cx="1246880" cy="369332"/>
+          </a:xfrm>
+          <a:prstGeom prst="rect">
+            <a:avLst/>
+          </a:prstGeom>
+          <a:noFill/>
+        </p:spPr>
+        <p:txBody>
+          <a:bodyPr wrap="none" rtlCol="0">
+            <a:spAutoFit/>
+          </a:bodyPr>
+          <a:lstStyle/>
+          <a:p>
+            <a:r>
+              <a:rPr lang="en-US" dirty="0" err="1"/>
+              <a:t>providedBy</a:t>
+            </a:r>
+            <a:endParaRPr lang="en-US" dirty="0"/>
+          </a:p>
+        </p:txBody>
+      </p:sp>
+      <p:sp>
+        <p:nvSpPr>
+          <p:cNvPr id="23" name="Rounded Rectangle 22">
+            <a:extLst>
+              <a:ext uri="{FF2B5EF4-FFF2-40B4-BE49-F238E27FC236}">
+                <a16:creationId xmlns:a16="http://schemas.microsoft.com/office/drawing/2014/main" id="{B2048219-7056-8B46-89BE-9ABB33A6AEF0}"/>
+              </a:ext>
+            </a:extLst>
+          </p:cNvPr>
+          <p:cNvSpPr/>
+          <p:nvPr/>
+        </p:nvSpPr>
+        <p:spPr>
+          <a:xfrm>
+            <a:off x="6930787" y="3429000"/>
+            <a:ext cx="1700458" cy="646546"/>
+          </a:xfrm>
+          <a:prstGeom prst="roundRect">
+            <a:avLst/>
+          </a:prstGeom>
+          <a:solidFill>
+            <a:schemeClr val="accent1">
+              <a:lumMod val="20000"/>
+              <a:lumOff val="80000"/>
+            </a:schemeClr>
+          </a:solidFill>
+        </p:spPr>
+        <p:style>
+          <a:lnRef idx="1">
+            <a:schemeClr val="accent1"/>
+          </a:lnRef>
+          <a:fillRef idx="3">
+            <a:schemeClr val="accent1"/>
+          </a:fillRef>
+          <a:effectRef idx="2">
+            <a:schemeClr val="accent1"/>
+          </a:effectRef>
+          <a:fontRef idx="minor">
+            <a:schemeClr val="lt1"/>
+          </a:fontRef>
+        </p:style>
+        <p:txBody>
+          <a:bodyPr rtlCol="0" anchor="ctr"/>
+          <a:lstStyle/>
+          <a:p>
+            <a:pPr algn="ctr"/>
+            <a:r>
+              <a:rPr lang="en-US" sz="1600" dirty="0">
+                <a:solidFill>
+                  <a:sysClr val="windowText" lastClr="000000"/>
+                </a:solidFill>
+              </a:rPr>
+              <a:t>Endpoint</a:t>
+            </a:r>
+          </a:p>
+        </p:txBody>
+      </p:sp>
+      <p:cxnSp>
+        <p:nvCxnSpPr>
+          <p:cNvPr id="24" name="Straight Arrow Connector 23">
+            <a:extLst>
+              <a:ext uri="{FF2B5EF4-FFF2-40B4-BE49-F238E27FC236}">
+                <a16:creationId xmlns:a16="http://schemas.microsoft.com/office/drawing/2014/main" id="{E8409996-3336-7B4E-B6D9-4EDA398EB1B6}"/>
+              </a:ext>
+            </a:extLst>
+          </p:cNvPr>
+          <p:cNvCxnSpPr>
+            <a:cxnSpLocks/>
+            <a:endCxn id="23" idx="1"/>
+          </p:cNvCxnSpPr>
+          <p:nvPr/>
+        </p:nvCxnSpPr>
+        <p:spPr>
+          <a:xfrm>
+            <a:off x="6298084" y="3741774"/>
+            <a:ext cx="632703" cy="10499"/>
+          </a:xfrm>
+          <a:prstGeom prst="straightConnector1">
+            <a:avLst/>
+          </a:prstGeom>
+          <a:ln>
+            <a:headEnd type="none" w="lg" len="lg"/>
+            <a:tailEnd type="triangle" w="lg" len="lg"/>
+          </a:ln>
+        </p:spPr>
+        <p:style>
+          <a:lnRef idx="2">
+            <a:schemeClr val="accent1"/>
+          </a:lnRef>
+          <a:fillRef idx="0">
+            <a:schemeClr val="accent1"/>
+          </a:fillRef>
+          <a:effectRef idx="1">
+            <a:schemeClr val="accent1"/>
+          </a:effectRef>
+          <a:fontRef idx="minor">
+            <a:schemeClr val="tx1"/>
+          </a:fontRef>
+        </p:style>
+      </p:cxnSp>
+      <p:sp>
+        <p:nvSpPr>
+          <p:cNvPr id="25" name="Rectangle 24">
+            <a:extLst>
+              <a:ext uri="{FF2B5EF4-FFF2-40B4-BE49-F238E27FC236}">
+                <a16:creationId xmlns:a16="http://schemas.microsoft.com/office/drawing/2014/main" id="{F9639355-C090-984B-92DA-984AE1E0521C}"/>
+              </a:ext>
+            </a:extLst>
+          </p:cNvPr>
+          <p:cNvSpPr/>
+          <p:nvPr/>
+        </p:nvSpPr>
+        <p:spPr>
+          <a:xfrm>
+            <a:off x="6354755" y="3433997"/>
+            <a:ext cx="657783" cy="307777"/>
+          </a:xfrm>
+          <a:prstGeom prst="rect">
+            <a:avLst/>
+          </a:prstGeom>
+        </p:spPr>
+        <p:txBody>
+          <a:bodyPr wrap="square">
+            <a:spAutoFit/>
+          </a:bodyPr>
+          <a:lstStyle/>
+          <a:p>
+            <a:r>
+              <a:rPr lang="en-US" sz="1400" dirty="0">
+                <a:solidFill>
+                  <a:srgbClr val="333333"/>
+                </a:solidFill>
+                <a:latin typeface="verdana" panose="020B0604030504040204" pitchFamily="34" charset="0"/>
+              </a:rPr>
+              <a:t>0..*</a:t>
+            </a:r>
+            <a:endParaRPr lang="en-US" sz="1400" dirty="0"/>
+          </a:p>
+        </p:txBody>
+      </p:sp>
+    </p:spTree>
+    <p:extLst>
+      <p:ext uri="{BB962C8B-B14F-4D97-AF65-F5344CB8AC3E}">
+        <p14:creationId xmlns:p14="http://schemas.microsoft.com/office/powerpoint/2010/main" val="3716332705"/>
+      </p:ext>
+    </p:extLst>
+  </p:cSld>
+  <p:clrMapOvr>
+    <a:masterClrMapping/>
+  </p:clrMapOvr>
+</p:sld>
+</file>
+
+<file path=ppt/slides/slide4.xml><?xml version="1.0" encoding="utf-8"?>
+<p:sld xmlns:a="http://schemas.openxmlformats.org/drawingml/2006/main" xmlns:r="http://schemas.openxmlformats.org/officeDocument/2006/relationships" xmlns:p="http://schemas.openxmlformats.org/presentationml/2006/main">
+  <p:cSld>
+    <p:spTree>
+      <p:nvGrpSpPr>
+        <p:cNvPr id="1" name=""/>
+        <p:cNvGrpSpPr/>
+        <p:nvPr/>
+      </p:nvGrpSpPr>
+      <p:grpSpPr>
+        <a:xfrm>
+          <a:off x="0" y="0"/>
+          <a:ext cx="0" cy="0"/>
+          <a:chOff x="0" y="0"/>
+          <a:chExt cx="0" cy="0"/>
+        </a:xfrm>
+      </p:grpSpPr>
+      <p:sp>
+        <p:nvSpPr>
+          <p:cNvPr id="4" name="Rounded Rectangle 11">
+            <a:extLst>
+              <a:ext uri="{FF2B5EF4-FFF2-40B4-BE49-F238E27FC236}">
+                <a16:creationId xmlns:a16="http://schemas.microsoft.com/office/drawing/2014/main" id="{22697AF8-4916-334C-B71D-27F4C9E4ADEC}"/>
+              </a:ext>
+            </a:extLst>
+          </p:cNvPr>
+          <p:cNvSpPr/>
+          <p:nvPr/>
+        </p:nvSpPr>
+        <p:spPr>
+          <a:xfrm>
+            <a:off x="4950743" y="3429000"/>
+            <a:ext cx="1326335" cy="646546"/>
+          </a:xfrm>
+          <a:prstGeom prst="roundRect">
+            <a:avLst/>
+          </a:prstGeom>
+          <a:solidFill>
+            <a:schemeClr val="accent1">
+              <a:lumMod val="20000"/>
+              <a:lumOff val="80000"/>
+            </a:schemeClr>
+          </a:solidFill>
+          <a:ln w="38100">
+            <a:solidFill>
+              <a:schemeClr val="tx1"/>
+            </a:solidFill>
+          </a:ln>
+        </p:spPr>
+        <p:style>
+          <a:lnRef idx="1">
+            <a:schemeClr val="accent1"/>
+          </a:lnRef>
+          <a:fillRef idx="3">
+            <a:schemeClr val="accent1"/>
+          </a:fillRef>
+          <a:effectRef idx="2">
+            <a:schemeClr val="accent1"/>
+          </a:effectRef>
+          <a:fontRef idx="minor">
+            <a:schemeClr val="lt1"/>
+          </a:fontRef>
+        </p:style>
+        <p:txBody>
+          <a:bodyPr rtlCol="0" anchor="ctr"/>
+          <a:lstStyle/>
+          <a:p>
+            <a:pPr algn="ctr"/>
+            <a:r>
+              <a:rPr lang="en-US" sz="1400" dirty="0">
+                <a:solidFill>
+                  <a:srgbClr val="002060"/>
+                </a:solidFill>
+              </a:rPr>
+              <a:t>Network</a:t>
+            </a:r>
+          </a:p>
+        </p:txBody>
+      </p:sp>
+      <p:sp>
+        <p:nvSpPr>
+          <p:cNvPr id="6" name="Rounded Rectangle 5">
+            <a:extLst>
+              <a:ext uri="{FF2B5EF4-FFF2-40B4-BE49-F238E27FC236}">
+                <a16:creationId xmlns:a16="http://schemas.microsoft.com/office/drawing/2014/main" id="{FFF1B08E-B1B2-C845-827A-304368FA6234}"/>
+              </a:ext>
+            </a:extLst>
+          </p:cNvPr>
+          <p:cNvSpPr/>
+          <p:nvPr/>
+        </p:nvSpPr>
+        <p:spPr>
+          <a:xfrm>
+            <a:off x="4763681" y="1921664"/>
+            <a:ext cx="1700458" cy="646546"/>
+          </a:xfrm>
+          <a:prstGeom prst="roundRect">
+            <a:avLst/>
+          </a:prstGeom>
+          <a:solidFill>
+            <a:schemeClr val="accent1">
+              <a:lumMod val="20000"/>
+              <a:lumOff val="80000"/>
+            </a:schemeClr>
+          </a:solidFill>
+        </p:spPr>
+        <p:style>
+          <a:lnRef idx="1">
+            <a:schemeClr val="accent1"/>
+          </a:lnRef>
+          <a:fillRef idx="3">
+            <a:schemeClr val="accent1"/>
+          </a:fillRef>
+          <a:effectRef idx="2">
+            <a:schemeClr val="accent1"/>
+          </a:effectRef>
+          <a:fontRef idx="minor">
+            <a:schemeClr val="lt1"/>
+          </a:fontRef>
+        </p:style>
+        <p:txBody>
+          <a:bodyPr rtlCol="0" anchor="ctr"/>
+          <a:lstStyle/>
+          <a:p>
+            <a:pPr algn="ctr"/>
+            <a:r>
+              <a:rPr lang="en-US" sz="1600" dirty="0">
+                <a:solidFill>
+                  <a:sysClr val="windowText" lastClr="000000"/>
+                </a:solidFill>
+              </a:rPr>
+              <a:t>Organization</a:t>
+            </a:r>
+          </a:p>
+          <a:p>
+            <a:pPr algn="ctr"/>
+            <a:r>
+              <a:rPr lang="en-US" sz="1600" dirty="0">
+                <a:solidFill>
+                  <a:sysClr val="windowText" lastClr="000000"/>
+                </a:solidFill>
+              </a:rPr>
+              <a:t>(payer)</a:t>
+            </a:r>
+          </a:p>
+        </p:txBody>
+      </p:sp>
+      <p:sp>
+        <p:nvSpPr>
+          <p:cNvPr id="7" name="Rounded Rectangle 6">
+            <a:extLst>
+              <a:ext uri="{FF2B5EF4-FFF2-40B4-BE49-F238E27FC236}">
+                <a16:creationId xmlns:a16="http://schemas.microsoft.com/office/drawing/2014/main" id="{46BB1499-E115-D64C-8233-ACD72BFB8C1B}"/>
+              </a:ext>
+            </a:extLst>
+          </p:cNvPr>
+          <p:cNvSpPr/>
+          <p:nvPr/>
+        </p:nvSpPr>
+        <p:spPr>
+          <a:xfrm>
+            <a:off x="4754223" y="4743089"/>
+            <a:ext cx="1700458" cy="646546"/>
+          </a:xfrm>
+          <a:prstGeom prst="roundRect">
+            <a:avLst/>
+          </a:prstGeom>
+          <a:solidFill>
+            <a:schemeClr val="accent1">
+              <a:lumMod val="20000"/>
+              <a:lumOff val="80000"/>
+            </a:schemeClr>
+          </a:solidFill>
+        </p:spPr>
+        <p:style>
+          <a:lnRef idx="1">
+            <a:schemeClr val="accent1"/>
+          </a:lnRef>
+          <a:fillRef idx="3">
+            <a:schemeClr val="accent1"/>
+          </a:fillRef>
+          <a:effectRef idx="2">
+            <a:schemeClr val="accent1"/>
+          </a:effectRef>
+          <a:fontRef idx="minor">
+            <a:schemeClr val="lt1"/>
+          </a:fontRef>
+        </p:style>
+        <p:txBody>
+          <a:bodyPr rtlCol="0" anchor="ctr"/>
+          <a:lstStyle/>
+          <a:p>
+            <a:pPr algn="ctr"/>
+            <a:r>
+              <a:rPr lang="en-US" sz="1600" dirty="0">
+                <a:solidFill>
+                  <a:sysClr val="windowText" lastClr="000000"/>
+                </a:solidFill>
+              </a:rPr>
+              <a:t>Location</a:t>
+            </a:r>
+          </a:p>
+        </p:txBody>
+      </p:sp>
+      <p:cxnSp>
+        <p:nvCxnSpPr>
+          <p:cNvPr id="8" name="Straight Arrow Connector 7">
+            <a:extLst>
+              <a:ext uri="{FF2B5EF4-FFF2-40B4-BE49-F238E27FC236}">
+                <a16:creationId xmlns:a16="http://schemas.microsoft.com/office/drawing/2014/main" id="{33B09187-F25B-5446-B0AB-FD1CAFA85D32}"/>
+              </a:ext>
+            </a:extLst>
+          </p:cNvPr>
+          <p:cNvCxnSpPr>
+            <a:cxnSpLocks/>
+            <a:stCxn id="4" idx="2"/>
+            <a:endCxn id="7" idx="0"/>
+          </p:cNvCxnSpPr>
+          <p:nvPr/>
+        </p:nvCxnSpPr>
+        <p:spPr>
+          <a:xfrm flipH="1">
+            <a:off x="5604452" y="4075546"/>
+            <a:ext cx="9459" cy="667543"/>
+          </a:xfrm>
+          <a:prstGeom prst="straightConnector1">
+            <a:avLst/>
+          </a:prstGeom>
+          <a:ln>
+            <a:headEnd type="none" w="lg" len="lg"/>
+            <a:tailEnd type="triangle" w="lg" len="lg"/>
+          </a:ln>
+        </p:spPr>
+        <p:style>
+          <a:lnRef idx="2">
+            <a:schemeClr val="accent1"/>
+          </a:lnRef>
+          <a:fillRef idx="0">
+            <a:schemeClr val="accent1"/>
+          </a:fillRef>
+          <a:effectRef idx="1">
+            <a:schemeClr val="accent1"/>
+          </a:effectRef>
+          <a:fontRef idx="minor">
+            <a:schemeClr val="tx1"/>
+          </a:fontRef>
+        </p:style>
+      </p:cxnSp>
+      <p:cxnSp>
+        <p:nvCxnSpPr>
+          <p:cNvPr id="10" name="Straight Arrow Connector 9">
+            <a:extLst>
+              <a:ext uri="{FF2B5EF4-FFF2-40B4-BE49-F238E27FC236}">
+                <a16:creationId xmlns:a16="http://schemas.microsoft.com/office/drawing/2014/main" id="{F8C9D8F0-3F0A-B14C-907E-46F9168F64DE}"/>
+              </a:ext>
+            </a:extLst>
+          </p:cNvPr>
+          <p:cNvCxnSpPr>
+            <a:cxnSpLocks/>
+            <a:endCxn id="6" idx="2"/>
+          </p:cNvCxnSpPr>
+          <p:nvPr/>
+        </p:nvCxnSpPr>
+        <p:spPr>
+          <a:xfrm flipV="1">
+            <a:off x="5604452" y="2568210"/>
+            <a:ext cx="9458" cy="905892"/>
+          </a:xfrm>
+          <a:prstGeom prst="straightConnector1">
+            <a:avLst/>
+          </a:prstGeom>
+          <a:ln>
+            <a:headEnd type="none" w="lg" len="lg"/>
+            <a:tailEnd type="triangle" w="lg" len="lg"/>
+          </a:ln>
+        </p:spPr>
+        <p:style>
+          <a:lnRef idx="2">
+            <a:schemeClr val="accent1"/>
+          </a:lnRef>
+          <a:fillRef idx="0">
+            <a:schemeClr val="accent1"/>
+          </a:fillRef>
+          <a:effectRef idx="1">
+            <a:schemeClr val="accent1"/>
+          </a:effectRef>
+          <a:fontRef idx="minor">
+            <a:schemeClr val="tx1"/>
+          </a:fontRef>
+        </p:style>
+      </p:cxnSp>
+      <p:sp>
+        <p:nvSpPr>
+          <p:cNvPr id="18" name="Rectangle 17">
+            <a:extLst>
+              <a:ext uri="{FF2B5EF4-FFF2-40B4-BE49-F238E27FC236}">
+                <a16:creationId xmlns:a16="http://schemas.microsoft.com/office/drawing/2014/main" id="{E2BABC6B-A1DD-DE48-904E-6972B8298B1B}"/>
+              </a:ext>
+            </a:extLst>
+          </p:cNvPr>
+          <p:cNvSpPr/>
+          <p:nvPr/>
+        </p:nvSpPr>
+        <p:spPr>
+          <a:xfrm>
+            <a:off x="5705085" y="2740627"/>
+            <a:ext cx="657783" cy="307777"/>
+          </a:xfrm>
+          <a:prstGeom prst="rect">
+            <a:avLst/>
+          </a:prstGeom>
+        </p:spPr>
+        <p:txBody>
+          <a:bodyPr wrap="square">
+            <a:spAutoFit/>
+          </a:bodyPr>
+          <a:lstStyle/>
+          <a:p>
+            <a:r>
+              <a:rPr lang="en-US" sz="1400" dirty="0">
+                <a:solidFill>
+                  <a:srgbClr val="333333"/>
+                </a:solidFill>
+                <a:latin typeface="verdana" panose="020B0604030504040204" pitchFamily="34" charset="0"/>
+              </a:rPr>
+              <a:t>1..1</a:t>
+            </a:r>
+            <a:endParaRPr lang="en-US" sz="1400" dirty="0"/>
+          </a:p>
+        </p:txBody>
+      </p:sp>
+      <p:sp>
+        <p:nvSpPr>
+          <p:cNvPr id="21" name="Rectangle 20">
+            <a:extLst>
+              <a:ext uri="{FF2B5EF4-FFF2-40B4-BE49-F238E27FC236}">
+                <a16:creationId xmlns:a16="http://schemas.microsoft.com/office/drawing/2014/main" id="{043BC068-2BDE-114D-B931-B5AEE2D1A23F}"/>
+              </a:ext>
+            </a:extLst>
+          </p:cNvPr>
+          <p:cNvSpPr/>
+          <p:nvPr/>
+        </p:nvSpPr>
+        <p:spPr>
+          <a:xfrm>
+            <a:off x="5705086" y="4255429"/>
+            <a:ext cx="657783" cy="307777"/>
+          </a:xfrm>
+          <a:prstGeom prst="rect">
+            <a:avLst/>
+          </a:prstGeom>
+        </p:spPr>
+        <p:txBody>
+          <a:bodyPr wrap="square">
+            <a:spAutoFit/>
+          </a:bodyPr>
+          <a:lstStyle/>
+          <a:p>
+            <a:r>
+              <a:rPr lang="en-US" sz="1400" dirty="0">
+                <a:solidFill>
+                  <a:srgbClr val="333333"/>
+                </a:solidFill>
+                <a:latin typeface="verdana" panose="020B0604030504040204" pitchFamily="34" charset="0"/>
+              </a:rPr>
+              <a:t>0..*</a:t>
+            </a:r>
+            <a:endParaRPr lang="en-US" sz="1400" dirty="0"/>
+          </a:p>
+        </p:txBody>
+      </p:sp>
+      <p:sp>
+        <p:nvSpPr>
+          <p:cNvPr id="22" name="TextBox 21">
+            <a:extLst>
+              <a:ext uri="{FF2B5EF4-FFF2-40B4-BE49-F238E27FC236}">
+                <a16:creationId xmlns:a16="http://schemas.microsoft.com/office/drawing/2014/main" id="{D7E4ABA6-C25B-F74A-834B-483F9824BF21}"/>
+              </a:ext>
+            </a:extLst>
+          </p:cNvPr>
+          <p:cNvSpPr txBox="1"/>
+          <p:nvPr/>
+        </p:nvSpPr>
+        <p:spPr>
+          <a:xfrm>
+            <a:off x="4749975" y="2697387"/>
+            <a:ext cx="797013" cy="369332"/>
+          </a:xfrm>
+          <a:prstGeom prst="rect">
+            <a:avLst/>
+          </a:prstGeom>
+          <a:noFill/>
+        </p:spPr>
+        <p:txBody>
+          <a:bodyPr wrap="none" rtlCol="0">
+            <a:spAutoFit/>
+          </a:bodyPr>
+          <a:lstStyle/>
+          <a:p>
+            <a:r>
+              <a:rPr lang="en-US" dirty="0" err="1"/>
+              <a:t>partOf</a:t>
+            </a:r>
+            <a:endParaRPr lang="en-US" dirty="0"/>
+          </a:p>
+        </p:txBody>
+      </p:sp>
+      <p:sp>
+        <p:nvSpPr>
+          <p:cNvPr id="23" name="Rounded Rectangle 22">
+            <a:extLst>
+              <a:ext uri="{FF2B5EF4-FFF2-40B4-BE49-F238E27FC236}">
+                <a16:creationId xmlns:a16="http://schemas.microsoft.com/office/drawing/2014/main" id="{B2048219-7056-8B46-89BE-9ABB33A6AEF0}"/>
+              </a:ext>
+            </a:extLst>
+          </p:cNvPr>
+          <p:cNvSpPr/>
+          <p:nvPr/>
+        </p:nvSpPr>
+        <p:spPr>
+          <a:xfrm>
+            <a:off x="6930787" y="3429000"/>
+            <a:ext cx="1700458" cy="646546"/>
+          </a:xfrm>
+          <a:prstGeom prst="roundRect">
+            <a:avLst/>
+          </a:prstGeom>
+          <a:solidFill>
+            <a:schemeClr val="accent1">
+              <a:lumMod val="20000"/>
+              <a:lumOff val="80000"/>
+            </a:schemeClr>
+          </a:solidFill>
+        </p:spPr>
+        <p:style>
+          <a:lnRef idx="1">
+            <a:schemeClr val="accent1"/>
+          </a:lnRef>
+          <a:fillRef idx="3">
+            <a:schemeClr val="accent1"/>
+          </a:fillRef>
+          <a:effectRef idx="2">
+            <a:schemeClr val="accent1"/>
+          </a:effectRef>
+          <a:fontRef idx="minor">
+            <a:schemeClr val="lt1"/>
+          </a:fontRef>
+        </p:style>
+        <p:txBody>
+          <a:bodyPr rtlCol="0" anchor="ctr"/>
+          <a:lstStyle/>
+          <a:p>
+            <a:pPr algn="ctr"/>
+            <a:r>
+              <a:rPr lang="en-US" sz="1600" dirty="0">
+                <a:solidFill>
+                  <a:sysClr val="windowText" lastClr="000000"/>
+                </a:solidFill>
+              </a:rPr>
+              <a:t>Endpoint</a:t>
+            </a:r>
+          </a:p>
+        </p:txBody>
+      </p:sp>
+      <p:cxnSp>
+        <p:nvCxnSpPr>
+          <p:cNvPr id="24" name="Straight Arrow Connector 23">
+            <a:extLst>
+              <a:ext uri="{FF2B5EF4-FFF2-40B4-BE49-F238E27FC236}">
+                <a16:creationId xmlns:a16="http://schemas.microsoft.com/office/drawing/2014/main" id="{E8409996-3336-7B4E-B6D9-4EDA398EB1B6}"/>
+              </a:ext>
+            </a:extLst>
+          </p:cNvPr>
+          <p:cNvCxnSpPr>
+            <a:cxnSpLocks/>
+            <a:endCxn id="23" idx="1"/>
+          </p:cNvCxnSpPr>
+          <p:nvPr/>
+        </p:nvCxnSpPr>
+        <p:spPr>
+          <a:xfrm>
+            <a:off x="6298084" y="3741774"/>
+            <a:ext cx="632703" cy="10499"/>
+          </a:xfrm>
+          <a:prstGeom prst="straightConnector1">
+            <a:avLst/>
+          </a:prstGeom>
+          <a:ln>
+            <a:headEnd type="none" w="lg" len="lg"/>
+            <a:tailEnd type="triangle" w="lg" len="lg"/>
+          </a:ln>
+        </p:spPr>
+        <p:style>
+          <a:lnRef idx="2">
+            <a:schemeClr val="accent1"/>
+          </a:lnRef>
+          <a:fillRef idx="0">
+            <a:schemeClr val="accent1"/>
+          </a:fillRef>
+          <a:effectRef idx="1">
+            <a:schemeClr val="accent1"/>
+          </a:effectRef>
+          <a:fontRef idx="minor">
+            <a:schemeClr val="tx1"/>
+          </a:fontRef>
+        </p:style>
+      </p:cxnSp>
+      <p:sp>
+        <p:nvSpPr>
+          <p:cNvPr id="25" name="Rectangle 24">
+            <a:extLst>
+              <a:ext uri="{FF2B5EF4-FFF2-40B4-BE49-F238E27FC236}">
+                <a16:creationId xmlns:a16="http://schemas.microsoft.com/office/drawing/2014/main" id="{F9639355-C090-984B-92DA-984AE1E0521C}"/>
+              </a:ext>
+            </a:extLst>
+          </p:cNvPr>
+          <p:cNvSpPr/>
+          <p:nvPr/>
+        </p:nvSpPr>
+        <p:spPr>
+          <a:xfrm>
+            <a:off x="6354755" y="3433997"/>
+            <a:ext cx="657783" cy="307777"/>
+          </a:xfrm>
+          <a:prstGeom prst="rect">
+            <a:avLst/>
+          </a:prstGeom>
+        </p:spPr>
+        <p:txBody>
+          <a:bodyPr wrap="square">
+            <a:spAutoFit/>
+          </a:bodyPr>
+          <a:lstStyle/>
+          <a:p>
+            <a:r>
+              <a:rPr lang="en-US" sz="1400" dirty="0">
+                <a:solidFill>
+                  <a:srgbClr val="333333"/>
+                </a:solidFill>
+                <a:latin typeface="verdana" panose="020B0604030504040204" pitchFamily="34" charset="0"/>
+              </a:rPr>
+              <a:t>0..*</a:t>
+            </a:r>
+            <a:endParaRPr lang="en-US" sz="1400" dirty="0"/>
+          </a:p>
+        </p:txBody>
+      </p:sp>
+    </p:spTree>
+    <p:extLst>
+      <p:ext uri="{BB962C8B-B14F-4D97-AF65-F5344CB8AC3E}">
+        <p14:creationId xmlns:p14="http://schemas.microsoft.com/office/powerpoint/2010/main" val="2509259395"/>
+      </p:ext>
+    </p:extLst>
+  </p:cSld>
+  <p:clrMapOvr>
+    <a:masterClrMapping/>
+  </p:clrMapOvr>
+</p:sld>
+</file>
+
+<file path=ppt/slides/slide5.xml><?xml version="1.0" encoding="utf-8"?>
+<p:sld xmlns:a="http://schemas.openxmlformats.org/drawingml/2006/main" xmlns:r="http://schemas.openxmlformats.org/officeDocument/2006/relationships" xmlns:p="http://schemas.openxmlformats.org/presentationml/2006/main">
+  <p:cSld>
+    <p:spTree>
+      <p:nvGrpSpPr>
+        <p:cNvPr id="1" name=""/>
+        <p:cNvGrpSpPr/>
+        <p:nvPr/>
+      </p:nvGrpSpPr>
+      <p:grpSpPr>
+        <a:xfrm>
+          <a:off x="0" y="0"/>
+          <a:ext cx="0" cy="0"/>
+          <a:chOff x="0" y="0"/>
+          <a:chExt cx="0" cy="0"/>
+        </a:xfrm>
+      </p:grpSpPr>
       <p:sp>
         <p:nvSpPr>
           <p:cNvPr id="4" name="Slide Number Placeholder 3"/>
@@ -4299,7 +6169,12 @@
             <p:ph type="sldNum" sz="quarter" idx="12"/>
           </p:nvPr>
         </p:nvSpPr>
-        <p:spPr/>
+        <p:spPr>
+          <a:xfrm>
+            <a:off x="8610600" y="6356350"/>
+            <a:ext cx="2743200" cy="365125"/>
+          </a:xfrm>
+        </p:spPr>
         <p:txBody>
           <a:bodyPr/>
           <a:lstStyle/>
@@ -4314,7 +6189,7 @@
                 </a:solidFill>
               </a:rPr>
               <a:pPr/>
-              <a:t>2</a:t>
+              <a:t>5</a:t>
             </a:fld>
             <a:endParaRPr lang="en-US" dirty="0">
               <a:solidFill>
@@ -4329,75 +6204,13 @@
       </p:sp>
       <p:sp>
         <p:nvSpPr>
-          <p:cNvPr id="5" name="Rounded Rectangle 4"/>
-          <p:cNvSpPr/>
-          <p:nvPr/>
-        </p:nvSpPr>
-        <p:spPr>
-          <a:xfrm>
-            <a:off x="5050408" y="1530045"/>
-            <a:ext cx="1700458" cy="646546"/>
-          </a:xfrm>
-          <a:prstGeom prst="roundRect">
-            <a:avLst/>
-          </a:prstGeom>
-          <a:solidFill>
-            <a:schemeClr val="accent1">
-              <a:lumMod val="20000"/>
-              <a:lumOff val="80000"/>
-            </a:schemeClr>
-          </a:solidFill>
-        </p:spPr>
-        <p:style>
-          <a:lnRef idx="1">
-            <a:schemeClr val="accent1"/>
-          </a:lnRef>
-          <a:fillRef idx="3">
-            <a:schemeClr val="accent1"/>
-          </a:fillRef>
-          <a:effectRef idx="2">
-            <a:schemeClr val="accent1"/>
-          </a:effectRef>
-          <a:fontRef idx="minor">
-            <a:schemeClr val="lt1"/>
-          </a:fontRef>
-        </p:style>
-        <p:txBody>
-          <a:bodyPr rtlCol="0" anchor="ctr"/>
-          <a:lstStyle/>
-          <a:p>
-            <a:pPr algn="ctr"/>
-            <a:r>
-              <a:rPr lang="en-US" sz="1600" dirty="0">
-                <a:solidFill>
-                  <a:sysClr val="windowText" lastClr="000000"/>
-                </a:solidFill>
-              </a:rPr>
-              <a:t>Organization</a:t>
-            </a:r>
-          </a:p>
-          <a:p>
-            <a:pPr algn="ctr"/>
-            <a:r>
-              <a:rPr lang="en-US" sz="1600" dirty="0">
-                <a:solidFill>
-                  <a:sysClr val="windowText" lastClr="000000"/>
-                </a:solidFill>
-              </a:rPr>
-              <a:t>(payer)</a:t>
-            </a:r>
-          </a:p>
-        </p:txBody>
-      </p:sp>
-      <p:sp>
-        <p:nvSpPr>
           <p:cNvPr id="6" name="Rounded Rectangle 5"/>
           <p:cNvSpPr/>
           <p:nvPr/>
         </p:nvSpPr>
         <p:spPr>
           <a:xfrm>
-            <a:off x="2027725" y="3711781"/>
+            <a:off x="1396030" y="3429000"/>
             <a:ext cx="1326335" cy="646546"/>
           </a:xfrm>
           <a:prstGeom prst="roundRect">
@@ -4411,7 +6224,7 @@
           </a:solidFill>
           <a:ln>
             <a:solidFill>
-              <a:srgbClr val="FF0000"/>
+              <a:schemeClr val="tx1"/>
             </a:solidFill>
           </a:ln>
         </p:spPr>
@@ -4437,7 +6250,7 @@
             <a:r>
               <a:rPr lang="en-US" sz="1400" dirty="0">
                 <a:solidFill>
-                  <a:srgbClr val="FF0000"/>
+                  <a:srgbClr val="002060"/>
                 </a:solidFill>
               </a:rPr>
               <a:t>Organization Affiliation</a:t>
@@ -4447,13 +6260,13 @@
       </p:sp>
       <p:sp>
         <p:nvSpPr>
-          <p:cNvPr id="7" name="Rounded Rectangle 6"/>
+          <p:cNvPr id="8" name="Rounded Rectangle 7"/>
           <p:cNvSpPr/>
           <p:nvPr/>
         </p:nvSpPr>
         <p:spPr>
           <a:xfrm>
-            <a:off x="8838653" y="2004028"/>
+            <a:off x="5323928" y="3415151"/>
             <a:ext cx="1344349" cy="646546"/>
           </a:xfrm>
           <a:prstGeom prst="roundRect">
@@ -4465,6 +6278,7 @@
               <a:lumOff val="80000"/>
             </a:schemeClr>
           </a:solidFill>
+          <a:ln w="38100"/>
         </p:spPr>
         <p:style>
           <a:lnRef idx="1">
@@ -4486,68 +6300,6 @@
           <a:p>
             <a:pPr algn="ctr"/>
             <a:r>
-              <a:rPr lang="en-US" sz="1400" dirty="0">
-                <a:solidFill>
-                  <a:sysClr val="windowText" lastClr="000000"/>
-                </a:solidFill>
-              </a:rPr>
-              <a:t>Organization</a:t>
-            </a:r>
-          </a:p>
-          <a:p>
-            <a:pPr algn="ctr"/>
-            <a:r>
-              <a:rPr lang="en-US" sz="1400" dirty="0">
-                <a:solidFill>
-                  <a:sysClr val="windowText" lastClr="000000"/>
-                </a:solidFill>
-              </a:rPr>
-              <a:t>(employer)</a:t>
-            </a:r>
-          </a:p>
-        </p:txBody>
-      </p:sp>
-      <p:sp>
-        <p:nvSpPr>
-          <p:cNvPr id="8" name="Rounded Rectangle 7"/>
-          <p:cNvSpPr/>
-          <p:nvPr/>
-        </p:nvSpPr>
-        <p:spPr>
-          <a:xfrm>
-            <a:off x="5177776" y="3718675"/>
-            <a:ext cx="1344349" cy="646546"/>
-          </a:xfrm>
-          <a:prstGeom prst="roundRect">
-            <a:avLst/>
-          </a:prstGeom>
-          <a:solidFill>
-            <a:schemeClr val="accent1">
-              <a:lumMod val="20000"/>
-              <a:lumOff val="80000"/>
-            </a:schemeClr>
-          </a:solidFill>
-        </p:spPr>
-        <p:style>
-          <a:lnRef idx="1">
-            <a:schemeClr val="accent1"/>
-          </a:lnRef>
-          <a:fillRef idx="3">
-            <a:schemeClr val="accent1"/>
-          </a:fillRef>
-          <a:effectRef idx="2">
-            <a:schemeClr val="accent1"/>
-          </a:effectRef>
-          <a:fontRef idx="minor">
-            <a:schemeClr val="lt1"/>
-          </a:fontRef>
-        </p:style>
-        <p:txBody>
-          <a:bodyPr rtlCol="0" anchor="ctr"/>
-          <a:lstStyle/>
-          <a:p>
-            <a:pPr algn="ctr"/>
-            <a:r>
               <a:rPr lang="en-US" sz="1600" dirty="0">
                 <a:solidFill>
                   <a:sysClr val="windowText" lastClr="000000"/>
@@ -4569,96 +6321,20 @@
           </a:p>
         </p:txBody>
       </p:sp>
-      <p:cxnSp>
-        <p:nvCxnSpPr>
-          <p:cNvPr id="9" name="Curved Connector 8"/>
-          <p:cNvCxnSpPr>
-            <a:stCxn id="5" idx="0"/>
-            <a:endCxn id="5" idx="3"/>
-          </p:cNvCxnSpPr>
-          <p:nvPr/>
-        </p:nvCxnSpPr>
-        <p:spPr>
-          <a:xfrm rot="16200000" flipH="1">
-            <a:off x="6164115" y="1266568"/>
-            <a:ext cx="323273" cy="850229"/>
-          </a:xfrm>
-          <a:prstGeom prst="curvedConnector4">
-            <a:avLst>
-              <a:gd name="adj1" fmla="val -70714"/>
-              <a:gd name="adj2" fmla="val 126887"/>
-            </a:avLst>
-          </a:prstGeom>
-          <a:ln>
-            <a:headEnd type="none" w="lg" len="lg"/>
-            <a:tailEnd type="triangle" w="lg" len="lg"/>
-          </a:ln>
-        </p:spPr>
-        <p:style>
-          <a:lnRef idx="2">
-            <a:schemeClr val="accent1"/>
-          </a:lnRef>
-          <a:fillRef idx="0">
-            <a:schemeClr val="accent1"/>
-          </a:fillRef>
-          <a:effectRef idx="1">
-            <a:schemeClr val="accent1"/>
-          </a:effectRef>
-          <a:fontRef idx="minor">
-            <a:schemeClr val="tx1"/>
-          </a:fontRef>
-        </p:style>
-      </p:cxnSp>
       <p:cxnSp>
         <p:nvCxnSpPr>
           <p:cNvPr id="10" name="Straight Arrow Connector 9"/>
           <p:cNvCxnSpPr>
+            <a:cxnSpLocks/>
             <a:stCxn id="8" idx="0"/>
-            <a:endCxn id="25" idx="3"/>
+            <a:endCxn id="25" idx="2"/>
           </p:cNvCxnSpPr>
           <p:nvPr/>
         </p:nvCxnSpPr>
         <p:spPr>
           <a:xfrm flipH="1" flipV="1">
-            <a:off x="4866728" y="3136891"/>
-            <a:ext cx="983223" cy="581784"/>
-          </a:xfrm>
-          <a:prstGeom prst="straightConnector1">
-            <a:avLst/>
-          </a:prstGeom>
-          <a:ln>
-            <a:headEnd type="none" w="lg" len="lg"/>
-            <a:tailEnd type="triangle" w="lg" len="lg"/>
-          </a:ln>
-        </p:spPr>
-        <p:style>
-          <a:lnRef idx="2">
-            <a:schemeClr val="accent1"/>
-          </a:lnRef>
-          <a:fillRef idx="0">
-            <a:schemeClr val="accent1"/>
-          </a:fillRef>
-          <a:effectRef idx="1">
-            <a:schemeClr val="accent1"/>
-          </a:effectRef>
-          <a:fontRef idx="minor">
-            <a:schemeClr val="tx1"/>
-          </a:fontRef>
-        </p:style>
-      </p:cxnSp>
-      <p:cxnSp>
-        <p:nvCxnSpPr>
-          <p:cNvPr id="11" name="Straight Arrow Connector 10"/>
-          <p:cNvCxnSpPr>
-            <a:stCxn id="6" idx="2"/>
-            <a:endCxn id="30" idx="0"/>
-          </p:cNvCxnSpPr>
-          <p:nvPr/>
-        </p:nvCxnSpPr>
-        <p:spPr>
-          <a:xfrm>
-            <a:off x="2690893" y="4358327"/>
-            <a:ext cx="10643" cy="646400"/>
+            <a:off x="5971049" y="2144161"/>
+            <a:ext cx="25054" cy="1270990"/>
           </a:xfrm>
           <a:prstGeom prst="straightConnector1">
             <a:avLst/>
@@ -4694,8 +6370,375 @@
         </p:nvCxnSpPr>
         <p:spPr>
           <a:xfrm>
-            <a:off x="5849950" y="4365221"/>
-            <a:ext cx="9458" cy="639506"/>
+            <a:off x="5996103" y="4061697"/>
+            <a:ext cx="0" cy="975415"/>
+          </a:xfrm>
+          <a:prstGeom prst="straightConnector1">
+            <a:avLst/>
+          </a:prstGeom>
+          <a:ln>
+            <a:headEnd type="none" w="lg" len="lg"/>
+            <a:tailEnd type="triangle" w="lg" len="lg"/>
+          </a:ln>
+        </p:spPr>
+        <p:style>
+          <a:lnRef idx="2">
+            <a:schemeClr val="accent1"/>
+          </a:lnRef>
+          <a:fillRef idx="0">
+            <a:schemeClr val="accent1"/>
+          </a:fillRef>
+          <a:effectRef idx="1">
+            <a:schemeClr val="accent1"/>
+          </a:effectRef>
+          <a:fontRef idx="minor">
+            <a:schemeClr val="tx1"/>
+          </a:fontRef>
+        </p:style>
+      </p:cxnSp>
+      <p:sp>
+        <p:nvSpPr>
+          <p:cNvPr id="25" name="Rounded Rectangle 11"/>
+          <p:cNvSpPr/>
+          <p:nvPr/>
+        </p:nvSpPr>
+        <p:spPr>
+          <a:xfrm>
+            <a:off x="5307881" y="1497615"/>
+            <a:ext cx="1326335" cy="646546"/>
+          </a:xfrm>
+          <a:prstGeom prst="roundRect">
+            <a:avLst/>
+          </a:prstGeom>
+          <a:solidFill>
+            <a:schemeClr val="accent1">
+              <a:lumMod val="20000"/>
+              <a:lumOff val="80000"/>
+            </a:schemeClr>
+          </a:solidFill>
+          <a:ln>
+            <a:solidFill>
+              <a:schemeClr val="tx1"/>
+            </a:solidFill>
+          </a:ln>
+        </p:spPr>
+        <p:style>
+          <a:lnRef idx="1">
+            <a:schemeClr val="accent1"/>
+          </a:lnRef>
+          <a:fillRef idx="3">
+            <a:schemeClr val="accent1"/>
+          </a:fillRef>
+          <a:effectRef idx="2">
+            <a:schemeClr val="accent1"/>
+          </a:effectRef>
+          <a:fontRef idx="minor">
+            <a:schemeClr val="lt1"/>
+          </a:fontRef>
+        </p:style>
+        <p:txBody>
+          <a:bodyPr rtlCol="0" anchor="ctr"/>
+          <a:lstStyle/>
+          <a:p>
+            <a:pPr algn="ctr"/>
+            <a:r>
+              <a:rPr lang="en-US" sz="1600" dirty="0">
+                <a:solidFill>
+                  <a:srgbClr val="002060"/>
+                </a:solidFill>
+              </a:rPr>
+              <a:t>Network</a:t>
+            </a:r>
+          </a:p>
+        </p:txBody>
+      </p:sp>
+      <p:sp>
+        <p:nvSpPr>
+          <p:cNvPr id="30" name="Rounded Rectangle 11"/>
+          <p:cNvSpPr/>
+          <p:nvPr/>
+        </p:nvSpPr>
+        <p:spPr>
+          <a:xfrm>
+            <a:off x="1433878" y="4518898"/>
+            <a:ext cx="1326335" cy="646546"/>
+          </a:xfrm>
+          <a:prstGeom prst="roundRect">
+            <a:avLst/>
+          </a:prstGeom>
+          <a:solidFill>
+            <a:schemeClr val="accent1">
+              <a:lumMod val="20000"/>
+              <a:lumOff val="80000"/>
+            </a:schemeClr>
+          </a:solidFill>
+        </p:spPr>
+        <p:style>
+          <a:lnRef idx="1">
+            <a:schemeClr val="accent1"/>
+          </a:lnRef>
+          <a:fillRef idx="3">
+            <a:schemeClr val="accent1"/>
+          </a:fillRef>
+          <a:effectRef idx="2">
+            <a:schemeClr val="accent1"/>
+          </a:effectRef>
+          <a:fontRef idx="minor">
+            <a:schemeClr val="lt1"/>
+          </a:fontRef>
+        </p:style>
+        <p:txBody>
+          <a:bodyPr rtlCol="0" anchor="ctr"/>
+          <a:lstStyle/>
+          <a:p>
+            <a:pPr algn="ctr"/>
+            <a:r>
+              <a:rPr lang="en-US" sz="1400" dirty="0">
+                <a:solidFill>
+                  <a:sysClr val="windowText" lastClr="000000"/>
+                </a:solidFill>
+              </a:rPr>
+              <a:t>Organization</a:t>
+            </a:r>
+          </a:p>
+        </p:txBody>
+      </p:sp>
+      <p:sp>
+        <p:nvSpPr>
+          <p:cNvPr id="31" name="Rounded Rectangle 26"/>
+          <p:cNvSpPr/>
+          <p:nvPr/>
+        </p:nvSpPr>
+        <p:spPr>
+          <a:xfrm>
+            <a:off x="5323928" y="5037112"/>
+            <a:ext cx="1344349" cy="646546"/>
+          </a:xfrm>
+          <a:prstGeom prst="roundRect">
+            <a:avLst/>
+          </a:prstGeom>
+          <a:solidFill>
+            <a:schemeClr val="accent1">
+              <a:lumMod val="20000"/>
+              <a:lumOff val="80000"/>
+            </a:schemeClr>
+          </a:solidFill>
+        </p:spPr>
+        <p:style>
+          <a:lnRef idx="1">
+            <a:schemeClr val="accent1"/>
+          </a:lnRef>
+          <a:fillRef idx="3">
+            <a:schemeClr val="accent1"/>
+          </a:fillRef>
+          <a:effectRef idx="2">
+            <a:schemeClr val="accent1"/>
+          </a:effectRef>
+          <a:fontRef idx="minor">
+            <a:schemeClr val="lt1"/>
+          </a:fontRef>
+        </p:style>
+        <p:txBody>
+          <a:bodyPr rtlCol="0" anchor="ctr"/>
+          <a:lstStyle/>
+          <a:p>
+            <a:pPr algn="ctr"/>
+            <a:r>
+              <a:rPr lang="en-US" sz="1600" dirty="0">
+                <a:solidFill>
+                  <a:sysClr val="windowText" lastClr="000000"/>
+                </a:solidFill>
+              </a:rPr>
+              <a:t>Practitioner</a:t>
+            </a:r>
+          </a:p>
+        </p:txBody>
+      </p:sp>
+      <p:sp>
+        <p:nvSpPr>
+          <p:cNvPr id="3" name="TextBox 2">
+            <a:extLst>
+              <a:ext uri="{FF2B5EF4-FFF2-40B4-BE49-F238E27FC236}">
+                <a16:creationId xmlns:a16="http://schemas.microsoft.com/office/drawing/2014/main" id="{CE908A8D-D795-4860-A869-06C7549C3943}"/>
+              </a:ext>
+            </a:extLst>
+          </p:cNvPr>
+          <p:cNvSpPr txBox="1"/>
+          <p:nvPr/>
+        </p:nvSpPr>
+        <p:spPr>
+          <a:xfrm>
+            <a:off x="7494122" y="5615582"/>
+            <a:ext cx="3859678" cy="923330"/>
+          </a:xfrm>
+          <a:prstGeom prst="rect">
+            <a:avLst/>
+          </a:prstGeom>
+          <a:noFill/>
+        </p:spPr>
+        <p:txBody>
+          <a:bodyPr wrap="square" rtlCol="0">
+            <a:spAutoFit/>
+          </a:bodyPr>
+          <a:lstStyle/>
+          <a:p>
+            <a:pPr marL="285750" indent="-285750">
+              <a:buFont typeface="Arial" panose="020B0604020202020204" pitchFamily="34" charset="0"/>
+              <a:buChar char="•"/>
+            </a:pPr>
+            <a:r>
+              <a:rPr lang="en-US" dirty="0" err="1"/>
+              <a:t>ViaIntermediary</a:t>
+            </a:r>
+            <a:r>
+              <a:rPr lang="en-US" dirty="0"/>
+              <a:t> is a reference to an alternative point of contact for this organization</a:t>
+            </a:r>
+          </a:p>
+        </p:txBody>
+      </p:sp>
+      <p:sp>
+        <p:nvSpPr>
+          <p:cNvPr id="37" name="Rounded Rectangle 36">
+            <a:extLst>
+              <a:ext uri="{FF2B5EF4-FFF2-40B4-BE49-F238E27FC236}">
+                <a16:creationId xmlns:a16="http://schemas.microsoft.com/office/drawing/2014/main" id="{59DD3E8D-D33F-A044-8422-69D61181DD16}"/>
+              </a:ext>
+            </a:extLst>
+          </p:cNvPr>
+          <p:cNvSpPr/>
+          <p:nvPr/>
+        </p:nvSpPr>
+        <p:spPr>
+          <a:xfrm>
+            <a:off x="1292088" y="2372634"/>
+            <a:ext cx="1418454" cy="646546"/>
+          </a:xfrm>
+          <a:prstGeom prst="roundRect">
+            <a:avLst/>
+          </a:prstGeom>
+          <a:solidFill>
+            <a:schemeClr val="accent1">
+              <a:lumMod val="20000"/>
+              <a:lumOff val="80000"/>
+            </a:schemeClr>
+          </a:solidFill>
+        </p:spPr>
+        <p:style>
+          <a:lnRef idx="1">
+            <a:schemeClr val="accent1"/>
+          </a:lnRef>
+          <a:fillRef idx="3">
+            <a:schemeClr val="accent1"/>
+          </a:fillRef>
+          <a:effectRef idx="2">
+            <a:schemeClr val="accent1"/>
+          </a:effectRef>
+          <a:fontRef idx="minor">
+            <a:schemeClr val="lt1"/>
+          </a:fontRef>
+        </p:style>
+        <p:txBody>
+          <a:bodyPr rtlCol="0" anchor="ctr"/>
+          <a:lstStyle/>
+          <a:p>
+            <a:pPr algn="ctr"/>
+            <a:r>
+              <a:rPr lang="en-US" sz="1400" dirty="0" err="1">
+                <a:solidFill>
+                  <a:sysClr val="windowText" lastClr="000000"/>
+                </a:solidFill>
+              </a:rPr>
+              <a:t>PractitionerRole</a:t>
+            </a:r>
+            <a:endParaRPr lang="en-US" sz="1400" dirty="0">
+              <a:solidFill>
+                <a:sysClr val="windowText" lastClr="000000"/>
+              </a:solidFill>
+            </a:endParaRPr>
+          </a:p>
+        </p:txBody>
+      </p:sp>
+      <p:sp>
+        <p:nvSpPr>
+          <p:cNvPr id="38" name="Rounded Rectangle 37">
+            <a:extLst>
+              <a:ext uri="{FF2B5EF4-FFF2-40B4-BE49-F238E27FC236}">
+                <a16:creationId xmlns:a16="http://schemas.microsoft.com/office/drawing/2014/main" id="{B1CA7BEE-DA2A-8A4C-A5D0-5D8379380127}"/>
+              </a:ext>
+            </a:extLst>
+          </p:cNvPr>
+          <p:cNvSpPr/>
+          <p:nvPr/>
+        </p:nvSpPr>
+        <p:spPr>
+          <a:xfrm>
+            <a:off x="3319690" y="3429000"/>
+            <a:ext cx="1419200" cy="646546"/>
+          </a:xfrm>
+          <a:prstGeom prst="roundRect">
+            <a:avLst/>
+          </a:prstGeom>
+          <a:solidFill>
+            <a:schemeClr val="accent1">
+              <a:lumMod val="20000"/>
+              <a:lumOff val="80000"/>
+            </a:schemeClr>
+          </a:solidFill>
+        </p:spPr>
+        <p:style>
+          <a:lnRef idx="1">
+            <a:schemeClr val="accent1"/>
+          </a:lnRef>
+          <a:fillRef idx="3">
+            <a:schemeClr val="accent1"/>
+          </a:fillRef>
+          <a:effectRef idx="2">
+            <a:schemeClr val="accent1"/>
+          </a:effectRef>
+          <a:fontRef idx="minor">
+            <a:schemeClr val="lt1"/>
+          </a:fontRef>
+        </p:style>
+        <p:txBody>
+          <a:bodyPr rtlCol="0" anchor="ctr"/>
+          <a:lstStyle/>
+          <a:p>
+            <a:pPr algn="ctr"/>
+            <a:r>
+              <a:rPr lang="en-US" sz="1400" dirty="0" err="1">
+                <a:solidFill>
+                  <a:sysClr val="windowText" lastClr="000000"/>
+                </a:solidFill>
+              </a:rPr>
+              <a:t>ViaIntermediary</a:t>
+            </a:r>
+            <a:endParaRPr lang="en-US" sz="1400" dirty="0">
+              <a:solidFill>
+                <a:sysClr val="windowText" lastClr="000000"/>
+              </a:solidFill>
+            </a:endParaRPr>
+          </a:p>
+        </p:txBody>
+      </p:sp>
+      <p:cxnSp>
+        <p:nvCxnSpPr>
+          <p:cNvPr id="39" name="Straight Arrow Connector 38">
+            <a:extLst>
+              <a:ext uri="{FF2B5EF4-FFF2-40B4-BE49-F238E27FC236}">
+                <a16:creationId xmlns:a16="http://schemas.microsoft.com/office/drawing/2014/main" id="{3CE509F3-A3DC-5E4F-A4FB-C0B3BD24B6E8}"/>
+              </a:ext>
+            </a:extLst>
+          </p:cNvPr>
+          <p:cNvCxnSpPr>
+            <a:cxnSpLocks/>
+          </p:cNvCxnSpPr>
+          <p:nvPr/>
+        </p:nvCxnSpPr>
+        <p:spPr>
+          <a:xfrm flipH="1">
+            <a:off x="2647517" y="3752273"/>
+            <a:ext cx="656619" cy="766625"/>
           </a:xfrm>
           <a:prstGeom prst="straightConnector1">
             <a:avLst/>
@@ -4722,17 +6765,24 @@
       </p:cxnSp>
       <p:cxnSp>
         <p:nvCxnSpPr>
-          <p:cNvPr id="13" name="Straight Arrow Connector 12"/>
+          <p:cNvPr id="41" name="Straight Arrow Connector 40">
+            <a:extLst>
+              <a:ext uri="{FF2B5EF4-FFF2-40B4-BE49-F238E27FC236}">
+                <a16:creationId xmlns:a16="http://schemas.microsoft.com/office/drawing/2014/main" id="{E6C509DB-6D92-6544-A396-45D034B39DD3}"/>
+              </a:ext>
+            </a:extLst>
+          </p:cNvPr>
           <p:cNvCxnSpPr>
-            <a:stCxn id="25" idx="0"/>
-            <a:endCxn id="5" idx="2"/>
+            <a:cxnSpLocks/>
+            <a:stCxn id="38" idx="1"/>
+            <a:endCxn id="6" idx="3"/>
           </p:cNvCxnSpPr>
           <p:nvPr/>
         </p:nvCxnSpPr>
         <p:spPr>
-          <a:xfrm flipV="1">
-            <a:off x="4203561" y="2176592"/>
-            <a:ext cx="1697077" cy="637027"/>
+          <a:xfrm flipH="1">
+            <a:off x="2722365" y="3752273"/>
+            <a:ext cx="597325" cy="0"/>
           </a:xfrm>
           <a:prstGeom prst="straightConnector1">
             <a:avLst/>
@@ -4757,15 +6807,208 @@
           </a:fontRef>
         </p:style>
       </p:cxnSp>
-      <p:sp>
-        <p:nvSpPr>
-          <p:cNvPr id="19" name="Rounded Rectangle 11"/>
+      <p:cxnSp>
+        <p:nvCxnSpPr>
+          <p:cNvPr id="44" name="Straight Arrow Connector 43">
+            <a:extLst>
+              <a:ext uri="{FF2B5EF4-FFF2-40B4-BE49-F238E27FC236}">
+                <a16:creationId xmlns:a16="http://schemas.microsoft.com/office/drawing/2014/main" id="{9E0AE849-ABF3-6249-8AAD-CAD39177EF69}"/>
+              </a:ext>
+            </a:extLst>
+          </p:cNvPr>
+          <p:cNvCxnSpPr>
+            <a:cxnSpLocks/>
+            <a:endCxn id="37" idx="3"/>
+          </p:cNvCxnSpPr>
+          <p:nvPr/>
+        </p:nvCxnSpPr>
+        <p:spPr>
+          <a:xfrm flipH="1" flipV="1">
+            <a:off x="2710542" y="2695907"/>
+            <a:ext cx="588866" cy="1015874"/>
+          </a:xfrm>
+          <a:prstGeom prst="straightConnector1">
+            <a:avLst/>
+          </a:prstGeom>
+          <a:ln>
+            <a:headEnd type="none" w="lg" len="lg"/>
+            <a:tailEnd type="triangle" w="lg" len="lg"/>
+          </a:ln>
+        </p:spPr>
+        <p:style>
+          <a:lnRef idx="2">
+            <a:schemeClr val="accent1"/>
+          </a:lnRef>
+          <a:fillRef idx="0">
+            <a:schemeClr val="accent1"/>
+          </a:fillRef>
+          <a:effectRef idx="1">
+            <a:schemeClr val="accent1"/>
+          </a:effectRef>
+          <a:fontRef idx="minor">
+            <a:schemeClr val="tx1"/>
+          </a:fontRef>
+        </p:style>
+      </p:cxnSp>
+      <p:sp>
+        <p:nvSpPr>
+          <p:cNvPr id="47" name="Rounded Rectangle 46">
+            <a:extLst>
+              <a:ext uri="{FF2B5EF4-FFF2-40B4-BE49-F238E27FC236}">
+                <a16:creationId xmlns:a16="http://schemas.microsoft.com/office/drawing/2014/main" id="{25B18A7A-3A32-054A-BE7A-226FB2CAA339}"/>
+              </a:ext>
+            </a:extLst>
+          </p:cNvPr>
           <p:cNvSpPr/>
           <p:nvPr/>
         </p:nvSpPr>
         <p:spPr>
           <a:xfrm>
-            <a:off x="6610578" y="2791540"/>
+            <a:off x="1366192" y="1402815"/>
+            <a:ext cx="1344349" cy="646546"/>
+          </a:xfrm>
+          <a:prstGeom prst="roundRect">
+            <a:avLst/>
+          </a:prstGeom>
+          <a:solidFill>
+            <a:schemeClr val="accent1">
+              <a:lumMod val="20000"/>
+              <a:lumOff val="80000"/>
+            </a:schemeClr>
+          </a:solidFill>
+        </p:spPr>
+        <p:style>
+          <a:lnRef idx="1">
+            <a:schemeClr val="accent1"/>
+          </a:lnRef>
+          <a:fillRef idx="3">
+            <a:schemeClr val="accent1"/>
+          </a:fillRef>
+          <a:effectRef idx="2">
+            <a:schemeClr val="accent1"/>
+          </a:effectRef>
+          <a:fontRef idx="minor">
+            <a:schemeClr val="lt1"/>
+          </a:fontRef>
+        </p:style>
+        <p:txBody>
+          <a:bodyPr rtlCol="0" anchor="ctr"/>
+          <a:lstStyle/>
+          <a:p>
+            <a:pPr algn="ctr"/>
+            <a:r>
+              <a:rPr lang="en-US" sz="1400" dirty="0">
+                <a:solidFill>
+                  <a:sysClr val="windowText" lastClr="000000"/>
+                </a:solidFill>
+              </a:rPr>
+              <a:t>Location</a:t>
+            </a:r>
+          </a:p>
+        </p:txBody>
+      </p:sp>
+      <p:cxnSp>
+        <p:nvCxnSpPr>
+          <p:cNvPr id="48" name="Straight Arrow Connector 47">
+            <a:extLst>
+              <a:ext uri="{FF2B5EF4-FFF2-40B4-BE49-F238E27FC236}">
+                <a16:creationId xmlns:a16="http://schemas.microsoft.com/office/drawing/2014/main" id="{D35FD5BE-0DCF-1B4B-963D-ECA313618C0E}"/>
+              </a:ext>
+            </a:extLst>
+          </p:cNvPr>
+          <p:cNvCxnSpPr>
+            <a:cxnSpLocks/>
+            <a:endCxn id="47" idx="3"/>
+          </p:cNvCxnSpPr>
+          <p:nvPr/>
+        </p:nvCxnSpPr>
+        <p:spPr>
+          <a:xfrm flipH="1" flipV="1">
+            <a:off x="2710541" y="1726088"/>
+            <a:ext cx="592756" cy="2012336"/>
+          </a:xfrm>
+          <a:prstGeom prst="straightConnector1">
+            <a:avLst/>
+          </a:prstGeom>
+          <a:ln>
+            <a:headEnd type="none" w="lg" len="lg"/>
+            <a:tailEnd type="triangle" w="lg" len="lg"/>
+          </a:ln>
+        </p:spPr>
+        <p:style>
+          <a:lnRef idx="2">
+            <a:schemeClr val="accent1"/>
+          </a:lnRef>
+          <a:fillRef idx="0">
+            <a:schemeClr val="accent1"/>
+          </a:fillRef>
+          <a:effectRef idx="1">
+            <a:schemeClr val="accent1"/>
+          </a:effectRef>
+          <a:fontRef idx="minor">
+            <a:schemeClr val="tx1"/>
+          </a:fontRef>
+        </p:style>
+      </p:cxnSp>
+      <p:cxnSp>
+        <p:nvCxnSpPr>
+          <p:cNvPr id="53" name="Straight Arrow Connector 52">
+            <a:extLst>
+              <a:ext uri="{FF2B5EF4-FFF2-40B4-BE49-F238E27FC236}">
+                <a16:creationId xmlns:a16="http://schemas.microsoft.com/office/drawing/2014/main" id="{24FA3948-4B7F-D344-90E6-2718D65D1AB6}"/>
+              </a:ext>
+            </a:extLst>
+          </p:cNvPr>
+          <p:cNvCxnSpPr>
+            <a:cxnSpLocks/>
+            <a:stCxn id="8" idx="1"/>
+            <a:endCxn id="38" idx="3"/>
+          </p:cNvCxnSpPr>
+          <p:nvPr/>
+        </p:nvCxnSpPr>
+        <p:spPr>
+          <a:xfrm flipH="1">
+            <a:off x="4738890" y="3738424"/>
+            <a:ext cx="585038" cy="13849"/>
+          </a:xfrm>
+          <a:prstGeom prst="straightConnector1">
+            <a:avLst/>
+          </a:prstGeom>
+          <a:ln>
+            <a:headEnd type="none" w="lg" len="lg"/>
+            <a:tailEnd type="triangle" w="lg" len="lg"/>
+          </a:ln>
+        </p:spPr>
+        <p:style>
+          <a:lnRef idx="2">
+            <a:schemeClr val="accent1"/>
+          </a:lnRef>
+          <a:fillRef idx="0">
+            <a:schemeClr val="accent1"/>
+          </a:fillRef>
+          <a:effectRef idx="1">
+            <a:schemeClr val="accent1"/>
+          </a:effectRef>
+          <a:fontRef idx="minor">
+            <a:schemeClr val="tx1"/>
+          </a:fontRef>
+        </p:style>
+      </p:cxnSp>
+      <p:sp>
+        <p:nvSpPr>
+          <p:cNvPr id="59" name="Rounded Rectangle 58">
+            <a:extLst>
+              <a:ext uri="{FF2B5EF4-FFF2-40B4-BE49-F238E27FC236}">
+                <a16:creationId xmlns:a16="http://schemas.microsoft.com/office/drawing/2014/main" id="{D571E497-0526-6946-90D1-E4510005DA6E}"/>
+              </a:ext>
+            </a:extLst>
+          </p:cNvPr>
+          <p:cNvSpPr/>
+          <p:nvPr/>
+        </p:nvSpPr>
+        <p:spPr>
+          <a:xfrm>
+            <a:off x="7340336" y="3523800"/>
             <a:ext cx="1326335" cy="646546"/>
           </a:xfrm>
           <a:prstGeom prst="roundRect">
@@ -4779,7 +7022,7 @@
           </a:solidFill>
           <a:ln>
             <a:solidFill>
-              <a:srgbClr val="FF0000"/>
+              <a:schemeClr val="tx1"/>
             </a:solidFill>
           </a:ln>
         </p:spPr>
@@ -4803,33 +7046,191 @@
           <a:p>
             <a:pPr algn="ctr"/>
             <a:r>
-              <a:rPr lang="en-US" sz="1400" dirty="0" err="1">
-                <a:solidFill>
-                  <a:srgbClr val="FF0000"/>
+              <a:rPr lang="en-US" sz="1400" dirty="0">
+                <a:solidFill>
+                  <a:srgbClr val="002060"/>
                 </a:solidFill>
               </a:rPr>
-              <a:t>InsurancePlan</a:t>
-            </a:r>
-            <a:endParaRPr lang="en-US" sz="1400" dirty="0">
-              <a:solidFill>
-                <a:srgbClr val="FF0000"/>
-              </a:solidFill>
-            </a:endParaRPr>
+              <a:t>Healthcare Service</a:t>
+            </a:r>
+          </a:p>
+        </p:txBody>
+      </p:sp>
+      <p:sp>
+        <p:nvSpPr>
+          <p:cNvPr id="60" name="Rounded Rectangle 11">
+            <a:extLst>
+              <a:ext uri="{FF2B5EF4-FFF2-40B4-BE49-F238E27FC236}">
+                <a16:creationId xmlns:a16="http://schemas.microsoft.com/office/drawing/2014/main" id="{9654DD22-FFBC-564D-A37D-D8A5DFC0E037}"/>
+              </a:ext>
+            </a:extLst>
+          </p:cNvPr>
+          <p:cNvSpPr/>
+          <p:nvPr/>
+        </p:nvSpPr>
+        <p:spPr>
+          <a:xfrm>
+            <a:off x="7378184" y="4613698"/>
+            <a:ext cx="1326335" cy="646546"/>
+          </a:xfrm>
+          <a:prstGeom prst="roundRect">
+            <a:avLst/>
+          </a:prstGeom>
+          <a:solidFill>
+            <a:schemeClr val="accent1">
+              <a:lumMod val="20000"/>
+              <a:lumOff val="80000"/>
+            </a:schemeClr>
+          </a:solidFill>
+        </p:spPr>
+        <p:style>
+          <a:lnRef idx="1">
+            <a:schemeClr val="accent1"/>
+          </a:lnRef>
+          <a:fillRef idx="3">
+            <a:schemeClr val="accent1"/>
+          </a:fillRef>
+          <a:effectRef idx="2">
+            <a:schemeClr val="accent1"/>
+          </a:effectRef>
+          <a:fontRef idx="minor">
+            <a:schemeClr val="lt1"/>
+          </a:fontRef>
+        </p:style>
+        <p:txBody>
+          <a:bodyPr rtlCol="0" anchor="ctr"/>
+          <a:lstStyle/>
+          <a:p>
+            <a:pPr algn="ctr"/>
+            <a:r>
+              <a:rPr lang="en-US" sz="1400" dirty="0">
+                <a:solidFill>
+                  <a:sysClr val="windowText" lastClr="000000"/>
+                </a:solidFill>
+              </a:rPr>
+              <a:t>Organization</a:t>
+            </a:r>
           </a:p>
         </p:txBody>
       </p:sp>
       <p:cxnSp>
         <p:nvCxnSpPr>
-          <p:cNvPr id="20" name="Straight Arrow Connector 19"/>
+          <p:cNvPr id="62" name="Straight Arrow Connector 61">
+            <a:extLst>
+              <a:ext uri="{FF2B5EF4-FFF2-40B4-BE49-F238E27FC236}">
+                <a16:creationId xmlns:a16="http://schemas.microsoft.com/office/drawing/2014/main" id="{01E207A5-C242-564A-8AA1-171B35E3B7DD}"/>
+              </a:ext>
+            </a:extLst>
+          </p:cNvPr>
           <p:cNvCxnSpPr>
-            <a:endCxn id="19" idx="0"/>
+            <a:cxnSpLocks/>
           </p:cNvCxnSpPr>
           <p:nvPr/>
         </p:nvCxnSpPr>
         <p:spPr>
-          <a:xfrm flipH="1">
-            <a:off x="7273745" y="2347594"/>
-            <a:ext cx="1551440" cy="443947"/>
+          <a:xfrm>
+            <a:off x="6692396" y="3809659"/>
+            <a:ext cx="597325" cy="0"/>
+          </a:xfrm>
+          <a:prstGeom prst="straightConnector1">
+            <a:avLst/>
+          </a:prstGeom>
+          <a:ln>
+            <a:headEnd type="none" w="lg" len="lg"/>
+            <a:tailEnd type="triangle" w="lg" len="lg"/>
+          </a:ln>
+        </p:spPr>
+        <p:style>
+          <a:lnRef idx="2">
+            <a:schemeClr val="accent1"/>
+          </a:lnRef>
+          <a:fillRef idx="0">
+            <a:schemeClr val="accent1"/>
+          </a:fillRef>
+          <a:effectRef idx="1">
+            <a:schemeClr val="accent1"/>
+          </a:effectRef>
+          <a:fontRef idx="minor">
+            <a:schemeClr val="tx1"/>
+          </a:fontRef>
+        </p:style>
+      </p:cxnSp>
+      <p:sp>
+        <p:nvSpPr>
+          <p:cNvPr id="64" name="Rounded Rectangle 63">
+            <a:extLst>
+              <a:ext uri="{FF2B5EF4-FFF2-40B4-BE49-F238E27FC236}">
+                <a16:creationId xmlns:a16="http://schemas.microsoft.com/office/drawing/2014/main" id="{E8D8DE7D-18FF-4640-9499-8859C85E3CD3}"/>
+              </a:ext>
+            </a:extLst>
+          </p:cNvPr>
+          <p:cNvSpPr/>
+          <p:nvPr/>
+        </p:nvSpPr>
+        <p:spPr>
+          <a:xfrm>
+            <a:off x="7319506" y="2294464"/>
+            <a:ext cx="1344349" cy="646546"/>
+          </a:xfrm>
+          <a:prstGeom prst="roundRect">
+            <a:avLst/>
+          </a:prstGeom>
+          <a:solidFill>
+            <a:schemeClr val="accent1">
+              <a:lumMod val="20000"/>
+              <a:lumOff val="80000"/>
+            </a:schemeClr>
+          </a:solidFill>
+        </p:spPr>
+        <p:style>
+          <a:lnRef idx="1">
+            <a:schemeClr val="accent1"/>
+          </a:lnRef>
+          <a:fillRef idx="3">
+            <a:schemeClr val="accent1"/>
+          </a:fillRef>
+          <a:effectRef idx="2">
+            <a:schemeClr val="accent1"/>
+          </a:effectRef>
+          <a:fontRef idx="minor">
+            <a:schemeClr val="lt1"/>
+          </a:fontRef>
+        </p:style>
+        <p:txBody>
+          <a:bodyPr rtlCol="0" anchor="ctr"/>
+          <a:lstStyle/>
+          <a:p>
+            <a:pPr algn="ctr"/>
+            <a:r>
+              <a:rPr lang="en-US" sz="1400" dirty="0">
+                <a:solidFill>
+                  <a:sysClr val="windowText" lastClr="000000"/>
+                </a:solidFill>
+              </a:rPr>
+              <a:t>Location</a:t>
+            </a:r>
+          </a:p>
+        </p:txBody>
+      </p:sp>
+      <p:cxnSp>
+        <p:nvCxnSpPr>
+          <p:cNvPr id="65" name="Straight Arrow Connector 64">
+            <a:extLst>
+              <a:ext uri="{FF2B5EF4-FFF2-40B4-BE49-F238E27FC236}">
+                <a16:creationId xmlns:a16="http://schemas.microsoft.com/office/drawing/2014/main" id="{A5F06B92-4AA0-B844-B672-E0CA26542881}"/>
+              </a:ext>
+            </a:extLst>
+          </p:cNvPr>
+          <p:cNvCxnSpPr>
+            <a:cxnSpLocks/>
+            <a:endCxn id="64" idx="1"/>
+          </p:cNvCxnSpPr>
+          <p:nvPr/>
+        </p:nvCxnSpPr>
+        <p:spPr>
+          <a:xfrm flipV="1">
+            <a:off x="6680572" y="2617737"/>
+            <a:ext cx="638934" cy="1178074"/>
           </a:xfrm>
           <a:prstGeom prst="straightConnector1">
             <a:avLst/>
@@ -4856,17 +7257,684 @@
       </p:cxnSp>
       <p:cxnSp>
         <p:nvCxnSpPr>
-          <p:cNvPr id="21" name="Straight Arrow Connector 20"/>
+          <p:cNvPr id="66" name="Straight Arrow Connector 65">
+            <a:extLst>
+              <a:ext uri="{FF2B5EF4-FFF2-40B4-BE49-F238E27FC236}">
+                <a16:creationId xmlns:a16="http://schemas.microsoft.com/office/drawing/2014/main" id="{821C0E9C-F2F1-F742-8DCA-32C1609E9D8C}"/>
+              </a:ext>
+            </a:extLst>
+          </p:cNvPr>
           <p:cNvCxnSpPr>
-            <a:stCxn id="19" idx="1"/>
-            <a:endCxn id="25" idx="3"/>
+            <a:cxnSpLocks/>
+            <a:endCxn id="60" idx="1"/>
           </p:cNvCxnSpPr>
           <p:nvPr/>
         </p:nvCxnSpPr>
         <p:spPr>
-          <a:xfrm flipH="1">
-            <a:off x="4866727" y="3114813"/>
-            <a:ext cx="1743850" cy="22078"/>
+          <a:xfrm>
+            <a:off x="6680573" y="3850152"/>
+            <a:ext cx="697611" cy="1086819"/>
+          </a:xfrm>
+          <a:prstGeom prst="straightConnector1">
+            <a:avLst/>
+          </a:prstGeom>
+          <a:ln>
+            <a:headEnd type="none" w="lg" len="lg"/>
+            <a:tailEnd type="triangle" w="lg" len="lg"/>
+          </a:ln>
+        </p:spPr>
+        <p:style>
+          <a:lnRef idx="2">
+            <a:schemeClr val="accent1"/>
+          </a:lnRef>
+          <a:fillRef idx="0">
+            <a:schemeClr val="accent1"/>
+          </a:fillRef>
+          <a:effectRef idx="1">
+            <a:schemeClr val="accent1"/>
+          </a:effectRef>
+          <a:fontRef idx="minor">
+            <a:schemeClr val="tx1"/>
+          </a:fontRef>
+        </p:style>
+      </p:cxnSp>
+      <p:sp>
+        <p:nvSpPr>
+          <p:cNvPr id="74" name="Rectangle 73">
+            <a:extLst>
+              <a:ext uri="{FF2B5EF4-FFF2-40B4-BE49-F238E27FC236}">
+                <a16:creationId xmlns:a16="http://schemas.microsoft.com/office/drawing/2014/main" id="{3C996D97-6FD7-5B4C-B924-FC186C99E5D8}"/>
+              </a:ext>
+            </a:extLst>
+          </p:cNvPr>
+          <p:cNvSpPr/>
+          <p:nvPr/>
+        </p:nvSpPr>
+        <p:spPr>
+          <a:xfrm>
+            <a:off x="6540026" y="4399427"/>
+            <a:ext cx="657783" cy="307777"/>
+          </a:xfrm>
+          <a:prstGeom prst="rect">
+            <a:avLst/>
+          </a:prstGeom>
+        </p:spPr>
+        <p:txBody>
+          <a:bodyPr wrap="square">
+            <a:spAutoFit/>
+          </a:bodyPr>
+          <a:lstStyle/>
+          <a:p>
+            <a:r>
+              <a:rPr lang="en-US" sz="1400" dirty="0">
+                <a:solidFill>
+                  <a:srgbClr val="333333"/>
+                </a:solidFill>
+                <a:latin typeface="verdana" panose="020B0604030504040204" pitchFamily="34" charset="0"/>
+              </a:rPr>
+              <a:t>1..1</a:t>
+            </a:r>
+            <a:endParaRPr lang="en-US" sz="1400" dirty="0"/>
+          </a:p>
+        </p:txBody>
+      </p:sp>
+      <p:sp>
+        <p:nvSpPr>
+          <p:cNvPr id="75" name="Rectangle 74">
+            <a:extLst>
+              <a:ext uri="{FF2B5EF4-FFF2-40B4-BE49-F238E27FC236}">
+                <a16:creationId xmlns:a16="http://schemas.microsoft.com/office/drawing/2014/main" id="{7E58C105-CDA1-3849-9614-8736057A543B}"/>
+              </a:ext>
+            </a:extLst>
+          </p:cNvPr>
+          <p:cNvSpPr/>
+          <p:nvPr/>
+        </p:nvSpPr>
+        <p:spPr>
+          <a:xfrm>
+            <a:off x="5463164" y="4378364"/>
+            <a:ext cx="657783" cy="307777"/>
+          </a:xfrm>
+          <a:prstGeom prst="rect">
+            <a:avLst/>
+          </a:prstGeom>
+        </p:spPr>
+        <p:txBody>
+          <a:bodyPr wrap="square">
+            <a:spAutoFit/>
+          </a:bodyPr>
+          <a:lstStyle/>
+          <a:p>
+            <a:r>
+              <a:rPr lang="en-US" sz="1400" dirty="0">
+                <a:solidFill>
+                  <a:srgbClr val="333333"/>
+                </a:solidFill>
+                <a:latin typeface="verdana" panose="020B0604030504040204" pitchFamily="34" charset="0"/>
+              </a:rPr>
+              <a:t>1..1</a:t>
+            </a:r>
+            <a:endParaRPr lang="en-US" sz="1400" dirty="0"/>
+          </a:p>
+        </p:txBody>
+      </p:sp>
+      <p:sp>
+        <p:nvSpPr>
+          <p:cNvPr id="76" name="Rectangle 75">
+            <a:extLst>
+              <a:ext uri="{FF2B5EF4-FFF2-40B4-BE49-F238E27FC236}">
+                <a16:creationId xmlns:a16="http://schemas.microsoft.com/office/drawing/2014/main" id="{1034387E-CB48-7844-AA6A-1B3C43174758}"/>
+              </a:ext>
+            </a:extLst>
+          </p:cNvPr>
+          <p:cNvSpPr/>
+          <p:nvPr/>
+        </p:nvSpPr>
+        <p:spPr>
+          <a:xfrm>
+            <a:off x="4805898" y="3461390"/>
+            <a:ext cx="657783" cy="307777"/>
+          </a:xfrm>
+          <a:prstGeom prst="rect">
+            <a:avLst/>
+          </a:prstGeom>
+        </p:spPr>
+        <p:txBody>
+          <a:bodyPr wrap="square">
+            <a:spAutoFit/>
+          </a:bodyPr>
+          <a:lstStyle/>
+          <a:p>
+            <a:r>
+              <a:rPr lang="en-US" sz="1400" dirty="0">
+                <a:solidFill>
+                  <a:srgbClr val="333333"/>
+                </a:solidFill>
+                <a:latin typeface="verdana" panose="020B0604030504040204" pitchFamily="34" charset="0"/>
+              </a:rPr>
+              <a:t>0..1</a:t>
+            </a:r>
+            <a:endParaRPr lang="en-US" sz="1400" dirty="0"/>
+          </a:p>
+        </p:txBody>
+      </p:sp>
+      <p:sp>
+        <p:nvSpPr>
+          <p:cNvPr id="77" name="Rectangle 76">
+            <a:extLst>
+              <a:ext uri="{FF2B5EF4-FFF2-40B4-BE49-F238E27FC236}">
+                <a16:creationId xmlns:a16="http://schemas.microsoft.com/office/drawing/2014/main" id="{EDA12DAE-F992-1C4A-B492-B85FF9585E6A}"/>
+              </a:ext>
+            </a:extLst>
+          </p:cNvPr>
+          <p:cNvSpPr/>
+          <p:nvPr/>
+        </p:nvSpPr>
+        <p:spPr>
+          <a:xfrm>
+            <a:off x="6682553" y="2563396"/>
+            <a:ext cx="657783" cy="307777"/>
+          </a:xfrm>
+          <a:prstGeom prst="rect">
+            <a:avLst/>
+          </a:prstGeom>
+        </p:spPr>
+        <p:txBody>
+          <a:bodyPr wrap="square">
+            <a:spAutoFit/>
+          </a:bodyPr>
+          <a:lstStyle/>
+          <a:p>
+            <a:r>
+              <a:rPr lang="en-US" sz="1400" dirty="0">
+                <a:solidFill>
+                  <a:srgbClr val="333333"/>
+                </a:solidFill>
+                <a:latin typeface="verdana" panose="020B0604030504040204" pitchFamily="34" charset="0"/>
+              </a:rPr>
+              <a:t>0..*</a:t>
+            </a:r>
+            <a:endParaRPr lang="en-US" sz="1400" dirty="0"/>
+          </a:p>
+        </p:txBody>
+      </p:sp>
+      <p:sp>
+        <p:nvSpPr>
+          <p:cNvPr id="79" name="Rectangle 78">
+            <a:extLst>
+              <a:ext uri="{FF2B5EF4-FFF2-40B4-BE49-F238E27FC236}">
+                <a16:creationId xmlns:a16="http://schemas.microsoft.com/office/drawing/2014/main" id="{1497E439-21CC-9746-A850-89432DFBA061}"/>
+              </a:ext>
+            </a:extLst>
+          </p:cNvPr>
+          <p:cNvSpPr/>
+          <p:nvPr/>
+        </p:nvSpPr>
+        <p:spPr>
+          <a:xfrm>
+            <a:off x="6759521" y="3522129"/>
+            <a:ext cx="657783" cy="307777"/>
+          </a:xfrm>
+          <a:prstGeom prst="rect">
+            <a:avLst/>
+          </a:prstGeom>
+        </p:spPr>
+        <p:txBody>
+          <a:bodyPr wrap="square">
+            <a:spAutoFit/>
+          </a:bodyPr>
+          <a:lstStyle/>
+          <a:p>
+            <a:r>
+              <a:rPr lang="en-US" sz="1400" dirty="0">
+                <a:solidFill>
+                  <a:srgbClr val="333333"/>
+                </a:solidFill>
+                <a:latin typeface="verdana" panose="020B0604030504040204" pitchFamily="34" charset="0"/>
+              </a:rPr>
+              <a:t>0..*</a:t>
+            </a:r>
+            <a:endParaRPr lang="en-US" sz="1400" dirty="0"/>
+          </a:p>
+        </p:txBody>
+      </p:sp>
+      <p:sp>
+        <p:nvSpPr>
+          <p:cNvPr id="80" name="Rectangle 79">
+            <a:extLst>
+              <a:ext uri="{FF2B5EF4-FFF2-40B4-BE49-F238E27FC236}">
+                <a16:creationId xmlns:a16="http://schemas.microsoft.com/office/drawing/2014/main" id="{32B12770-00CF-5448-9AA5-B5797A43DB0A}"/>
+              </a:ext>
+            </a:extLst>
+          </p:cNvPr>
+          <p:cNvSpPr/>
+          <p:nvPr/>
+        </p:nvSpPr>
+        <p:spPr>
+          <a:xfrm>
+            <a:off x="5514039" y="2731251"/>
+            <a:ext cx="657783" cy="307777"/>
+          </a:xfrm>
+          <a:prstGeom prst="rect">
+            <a:avLst/>
+          </a:prstGeom>
+        </p:spPr>
+        <p:txBody>
+          <a:bodyPr wrap="square">
+            <a:spAutoFit/>
+          </a:bodyPr>
+          <a:lstStyle/>
+          <a:p>
+            <a:r>
+              <a:rPr lang="en-US" sz="1400" dirty="0">
+                <a:solidFill>
+                  <a:srgbClr val="333333"/>
+                </a:solidFill>
+                <a:latin typeface="verdana" panose="020B0604030504040204" pitchFamily="34" charset="0"/>
+              </a:rPr>
+              <a:t>0..*</a:t>
+            </a:r>
+            <a:endParaRPr lang="en-US" sz="1400" dirty="0"/>
+          </a:p>
+        </p:txBody>
+      </p:sp>
+      <p:sp>
+        <p:nvSpPr>
+          <p:cNvPr id="81" name="Rectangle 80">
+            <a:extLst>
+              <a:ext uri="{FF2B5EF4-FFF2-40B4-BE49-F238E27FC236}">
+                <a16:creationId xmlns:a16="http://schemas.microsoft.com/office/drawing/2014/main" id="{2FF346B2-F66B-E543-8EC7-866DBC01F949}"/>
+              </a:ext>
+            </a:extLst>
+          </p:cNvPr>
+          <p:cNvSpPr/>
+          <p:nvPr/>
+        </p:nvSpPr>
+        <p:spPr>
+          <a:xfrm>
+            <a:off x="2838660" y="2244630"/>
+            <a:ext cx="657783" cy="307777"/>
+          </a:xfrm>
+          <a:prstGeom prst="rect">
+            <a:avLst/>
+          </a:prstGeom>
+        </p:spPr>
+        <p:txBody>
+          <a:bodyPr wrap="square">
+            <a:spAutoFit/>
+          </a:bodyPr>
+          <a:lstStyle/>
+          <a:p>
+            <a:r>
+              <a:rPr lang="en-US" sz="1400" dirty="0">
+                <a:solidFill>
+                  <a:srgbClr val="333333"/>
+                </a:solidFill>
+                <a:latin typeface="verdana" panose="020B0604030504040204" pitchFamily="34" charset="0"/>
+              </a:rPr>
+              <a:t>0..1</a:t>
+            </a:r>
+            <a:endParaRPr lang="en-US" sz="1400" dirty="0"/>
+          </a:p>
+        </p:txBody>
+      </p:sp>
+      <p:sp>
+        <p:nvSpPr>
+          <p:cNvPr id="82" name="Rectangle 81">
+            <a:extLst>
+              <a:ext uri="{FF2B5EF4-FFF2-40B4-BE49-F238E27FC236}">
+                <a16:creationId xmlns:a16="http://schemas.microsoft.com/office/drawing/2014/main" id="{597FD607-FF0D-5F49-8B94-7A748D2BFC13}"/>
+              </a:ext>
+            </a:extLst>
+          </p:cNvPr>
+          <p:cNvSpPr/>
+          <p:nvPr/>
+        </p:nvSpPr>
+        <p:spPr>
+          <a:xfrm>
+            <a:off x="2512620" y="3018628"/>
+            <a:ext cx="657783" cy="307777"/>
+          </a:xfrm>
+          <a:prstGeom prst="rect">
+            <a:avLst/>
+          </a:prstGeom>
+        </p:spPr>
+        <p:txBody>
+          <a:bodyPr wrap="square">
+            <a:spAutoFit/>
+          </a:bodyPr>
+          <a:lstStyle/>
+          <a:p>
+            <a:r>
+              <a:rPr lang="en-US" sz="1400" dirty="0">
+                <a:solidFill>
+                  <a:srgbClr val="333333"/>
+                </a:solidFill>
+                <a:latin typeface="verdana" panose="020B0604030504040204" pitchFamily="34" charset="0"/>
+              </a:rPr>
+              <a:t>0..1</a:t>
+            </a:r>
+            <a:endParaRPr lang="en-US" sz="1400" dirty="0"/>
+          </a:p>
+        </p:txBody>
+      </p:sp>
+      <p:sp>
+        <p:nvSpPr>
+          <p:cNvPr id="83" name="Rectangle 82">
+            <a:extLst>
+              <a:ext uri="{FF2B5EF4-FFF2-40B4-BE49-F238E27FC236}">
+                <a16:creationId xmlns:a16="http://schemas.microsoft.com/office/drawing/2014/main" id="{ACB1C79E-FFF7-FC4C-9529-45573CCDF1E6}"/>
+              </a:ext>
+            </a:extLst>
+          </p:cNvPr>
+          <p:cNvSpPr/>
+          <p:nvPr/>
+        </p:nvSpPr>
+        <p:spPr>
+          <a:xfrm>
+            <a:off x="2731783" y="3461808"/>
+            <a:ext cx="657783" cy="307777"/>
+          </a:xfrm>
+          <a:prstGeom prst="rect">
+            <a:avLst/>
+          </a:prstGeom>
+        </p:spPr>
+        <p:txBody>
+          <a:bodyPr wrap="square">
+            <a:spAutoFit/>
+          </a:bodyPr>
+          <a:lstStyle/>
+          <a:p>
+            <a:r>
+              <a:rPr lang="en-US" sz="1400" dirty="0">
+                <a:solidFill>
+                  <a:srgbClr val="333333"/>
+                </a:solidFill>
+                <a:latin typeface="verdana" panose="020B0604030504040204" pitchFamily="34" charset="0"/>
+              </a:rPr>
+              <a:t>0..1</a:t>
+            </a:r>
+            <a:endParaRPr lang="en-US" sz="1400" dirty="0"/>
+          </a:p>
+        </p:txBody>
+      </p:sp>
+      <p:sp>
+        <p:nvSpPr>
+          <p:cNvPr id="84" name="Rectangle 83">
+            <a:extLst>
+              <a:ext uri="{FF2B5EF4-FFF2-40B4-BE49-F238E27FC236}">
+                <a16:creationId xmlns:a16="http://schemas.microsoft.com/office/drawing/2014/main" id="{46838F56-876D-9A4D-8E59-DD43F7857E9E}"/>
+              </a:ext>
+            </a:extLst>
+          </p:cNvPr>
+          <p:cNvSpPr/>
+          <p:nvPr/>
+        </p:nvSpPr>
+        <p:spPr>
+          <a:xfrm>
+            <a:off x="2834919" y="4201333"/>
+            <a:ext cx="657783" cy="307777"/>
+          </a:xfrm>
+          <a:prstGeom prst="rect">
+            <a:avLst/>
+          </a:prstGeom>
+        </p:spPr>
+        <p:txBody>
+          <a:bodyPr wrap="square">
+            <a:spAutoFit/>
+          </a:bodyPr>
+          <a:lstStyle/>
+          <a:p>
+            <a:r>
+              <a:rPr lang="en-US" sz="1400" dirty="0">
+                <a:solidFill>
+                  <a:srgbClr val="333333"/>
+                </a:solidFill>
+                <a:latin typeface="verdana" panose="020B0604030504040204" pitchFamily="34" charset="0"/>
+              </a:rPr>
+              <a:t>0..1</a:t>
+            </a:r>
+            <a:endParaRPr lang="en-US" sz="1400" dirty="0"/>
+          </a:p>
+        </p:txBody>
+      </p:sp>
+      <p:cxnSp>
+        <p:nvCxnSpPr>
+          <p:cNvPr id="85" name="Straight Arrow Connector 84">
+            <a:extLst>
+              <a:ext uri="{FF2B5EF4-FFF2-40B4-BE49-F238E27FC236}">
+                <a16:creationId xmlns:a16="http://schemas.microsoft.com/office/drawing/2014/main" id="{D73DFDE8-32A9-074A-90DD-53BF996E0A7C}"/>
+              </a:ext>
+            </a:extLst>
+          </p:cNvPr>
+          <p:cNvCxnSpPr>
+            <a:cxnSpLocks/>
+          </p:cNvCxnSpPr>
+          <p:nvPr/>
+        </p:nvCxnSpPr>
+        <p:spPr>
+          <a:xfrm>
+            <a:off x="7938100" y="4170346"/>
+            <a:ext cx="0" cy="443352"/>
+          </a:xfrm>
+          <a:prstGeom prst="straightConnector1">
+            <a:avLst/>
+          </a:prstGeom>
+          <a:ln>
+            <a:headEnd type="none" w="lg" len="lg"/>
+            <a:tailEnd type="triangle" w="lg" len="lg"/>
+          </a:ln>
+        </p:spPr>
+        <p:style>
+          <a:lnRef idx="2">
+            <a:schemeClr val="accent1"/>
+          </a:lnRef>
+          <a:fillRef idx="0">
+            <a:schemeClr val="accent1"/>
+          </a:fillRef>
+          <a:effectRef idx="1">
+            <a:schemeClr val="accent1"/>
+          </a:effectRef>
+          <a:fontRef idx="minor">
+            <a:schemeClr val="tx1"/>
+          </a:fontRef>
+        </p:style>
+      </p:cxnSp>
+    </p:spTree>
+    <p:extLst>
+      <p:ext uri="{BB962C8B-B14F-4D97-AF65-F5344CB8AC3E}">
+        <p14:creationId xmlns:p14="http://schemas.microsoft.com/office/powerpoint/2010/main" val="2419692309"/>
+      </p:ext>
+    </p:extLst>
+  </p:cSld>
+  <p:clrMapOvr>
+    <a:masterClrMapping/>
+  </p:clrMapOvr>
+</p:sld>
+</file>
+
+<file path=ppt/slides/slide6.xml><?xml version="1.0" encoding="utf-8"?>
+<p:sld xmlns:a="http://schemas.openxmlformats.org/drawingml/2006/main" xmlns:r="http://schemas.openxmlformats.org/officeDocument/2006/relationships" xmlns:p="http://schemas.openxmlformats.org/presentationml/2006/main">
+  <p:cSld>
+    <p:spTree>
+      <p:nvGrpSpPr>
+        <p:cNvPr id="1" name=""/>
+        <p:cNvGrpSpPr/>
+        <p:nvPr/>
+      </p:nvGrpSpPr>
+      <p:grpSpPr>
+        <a:xfrm>
+          <a:off x="0" y="0"/>
+          <a:ext cx="0" cy="0"/>
+          <a:chOff x="0" y="0"/>
+          <a:chExt cx="0" cy="0"/>
+        </a:xfrm>
+      </p:grpSpPr>
+      <p:sp>
+        <p:nvSpPr>
+          <p:cNvPr id="4" name="Slide Number Placeholder 3"/>
+          <p:cNvSpPr>
+            <a:spLocks noGrp="1"/>
+          </p:cNvSpPr>
+          <p:nvPr>
+            <p:ph type="sldNum" sz="quarter" idx="12"/>
+          </p:nvPr>
+        </p:nvSpPr>
+        <p:spPr>
+          <a:xfrm>
+            <a:off x="8610600" y="6356350"/>
+            <a:ext cx="2743200" cy="365125"/>
+          </a:xfrm>
+        </p:spPr>
+        <p:txBody>
+          <a:bodyPr/>
+          <a:lstStyle/>
+          <a:p>
+            <a:fld id="{22FFB6AE-E1BF-994E-8E90-6BA7B36DE5DD}" type="slidenum">
+              <a:rPr lang="en-US" smtClean="0">
+                <a:solidFill>
+                  <a:srgbClr val="3C3C3B">
+                    <a:lumMod val="50000"/>
+                    <a:lumOff val="50000"/>
+                  </a:srgbClr>
+                </a:solidFill>
+              </a:rPr>
+              <a:pPr/>
+              <a:t>6</a:t>
+            </a:fld>
+            <a:endParaRPr lang="en-US" dirty="0">
+              <a:solidFill>
+                <a:srgbClr val="3C3C3B">
+                  <a:lumMod val="50000"/>
+                  <a:lumOff val="50000"/>
+                </a:srgbClr>
+              </a:solidFill>
+            </a:endParaRPr>
+          </a:p>
+        </p:txBody>
+      </p:sp>
+      <p:sp>
+        <p:nvSpPr>
+          <p:cNvPr id="6" name="Rounded Rectangle 5"/>
+          <p:cNvSpPr/>
+          <p:nvPr/>
+        </p:nvSpPr>
+        <p:spPr>
+          <a:xfrm>
+            <a:off x="1396030" y="3429000"/>
+            <a:ext cx="1326335" cy="646546"/>
+          </a:xfrm>
+          <a:prstGeom prst="roundRect">
+            <a:avLst/>
+          </a:prstGeom>
+          <a:solidFill>
+            <a:schemeClr val="accent1">
+              <a:lumMod val="20000"/>
+              <a:lumOff val="80000"/>
+            </a:schemeClr>
+          </a:solidFill>
+          <a:ln>
+            <a:solidFill>
+              <a:schemeClr val="tx1"/>
+            </a:solidFill>
+          </a:ln>
+        </p:spPr>
+        <p:style>
+          <a:lnRef idx="1">
+            <a:schemeClr val="accent1"/>
+          </a:lnRef>
+          <a:fillRef idx="3">
+            <a:schemeClr val="accent1"/>
+          </a:fillRef>
+          <a:effectRef idx="2">
+            <a:schemeClr val="accent1"/>
+          </a:effectRef>
+          <a:fontRef idx="minor">
+            <a:schemeClr val="lt1"/>
+          </a:fontRef>
+        </p:style>
+        <p:txBody>
+          <a:bodyPr rtlCol="0" anchor="ctr"/>
+          <a:lstStyle/>
+          <a:p>
+            <a:pPr algn="ctr"/>
+            <a:r>
+              <a:rPr lang="en-US" sz="1400" dirty="0">
+                <a:solidFill>
+                  <a:srgbClr val="002060"/>
+                </a:solidFill>
+              </a:rPr>
+              <a:t>Organization Affiliation</a:t>
+            </a:r>
+          </a:p>
+        </p:txBody>
+      </p:sp>
+      <p:sp>
+        <p:nvSpPr>
+          <p:cNvPr id="8" name="Rounded Rectangle 7"/>
+          <p:cNvSpPr/>
+          <p:nvPr/>
+        </p:nvSpPr>
+        <p:spPr>
+          <a:xfrm>
+            <a:off x="5323928" y="3415151"/>
+            <a:ext cx="1344349" cy="646546"/>
+          </a:xfrm>
+          <a:prstGeom prst="roundRect">
+            <a:avLst/>
+          </a:prstGeom>
+          <a:solidFill>
+            <a:schemeClr val="accent1">
+              <a:lumMod val="20000"/>
+              <a:lumOff val="80000"/>
+            </a:schemeClr>
+          </a:solidFill>
+          <a:ln w="38100"/>
+        </p:spPr>
+        <p:style>
+          <a:lnRef idx="1">
+            <a:schemeClr val="accent1"/>
+          </a:lnRef>
+          <a:fillRef idx="3">
+            <a:schemeClr val="accent1"/>
+          </a:fillRef>
+          <a:effectRef idx="2">
+            <a:schemeClr val="accent1"/>
+          </a:effectRef>
+          <a:fontRef idx="minor">
+            <a:schemeClr val="lt1"/>
+          </a:fontRef>
+        </p:style>
+        <p:txBody>
+          <a:bodyPr rtlCol="0" anchor="ctr"/>
+          <a:lstStyle/>
+          <a:p>
+            <a:pPr algn="ctr"/>
+            <a:r>
+              <a:rPr lang="en-US" sz="1600" dirty="0">
+                <a:solidFill>
+                  <a:sysClr val="windowText" lastClr="000000"/>
+                </a:solidFill>
+              </a:rPr>
+              <a:t>Organization</a:t>
+            </a:r>
+          </a:p>
+        </p:txBody>
+      </p:sp>
+      <p:cxnSp>
+        <p:nvCxnSpPr>
+          <p:cNvPr id="10" name="Straight Arrow Connector 9"/>
+          <p:cNvCxnSpPr>
+            <a:cxnSpLocks/>
+            <a:stCxn id="8" idx="0"/>
+            <a:endCxn id="25" idx="2"/>
+          </p:cNvCxnSpPr>
+          <p:nvPr/>
+        </p:nvCxnSpPr>
+        <p:spPr>
+          <a:xfrm flipH="1" flipV="1">
+            <a:off x="5971049" y="2144161"/>
+            <a:ext cx="25054" cy="1270990"/>
           </a:xfrm>
           <a:prstGeom prst="straightConnector1">
             <a:avLst/>
@@ -4893,17 +7961,17 @@
       </p:cxnSp>
       <p:cxnSp>
         <p:nvCxnSpPr>
-          <p:cNvPr id="22" name="Straight Arrow Connector 21"/>
+          <p:cNvPr id="12" name="Straight Arrow Connector 11"/>
           <p:cNvCxnSpPr>
-            <a:stCxn id="6" idx="0"/>
-            <a:endCxn id="25" idx="1"/>
+            <a:stCxn id="8" idx="2"/>
+            <a:endCxn id="31" idx="0"/>
           </p:cNvCxnSpPr>
           <p:nvPr/>
         </p:nvCxnSpPr>
         <p:spPr>
-          <a:xfrm flipV="1">
-            <a:off x="2690892" y="3136891"/>
-            <a:ext cx="849500" cy="574890"/>
+          <a:xfrm>
+            <a:off x="5996103" y="4061697"/>
+            <a:ext cx="0" cy="975415"/>
           </a:xfrm>
           <a:prstGeom prst="straightConnector1">
             <a:avLst/>
@@ -4936,7 +8004,7 @@
         </p:nvSpPr>
         <p:spPr>
           <a:xfrm>
-            <a:off x="3540393" y="2813618"/>
+            <a:off x="5307881" y="1497615"/>
             <a:ext cx="1326335" cy="646546"/>
           </a:xfrm>
           <a:prstGeom prst="roundRect">
@@ -4950,7 +8018,7 @@
           </a:solidFill>
           <a:ln>
             <a:solidFill>
-              <a:srgbClr val="FF0000"/>
+              <a:schemeClr val="tx1"/>
             </a:solidFill>
           </a:ln>
         </p:spPr>
@@ -4976,33 +8044,304 @@
             <a:r>
               <a:rPr lang="en-US" sz="1600" dirty="0">
                 <a:solidFill>
-                  <a:srgbClr val="FF0000"/>
+                  <a:srgbClr val="002060"/>
                 </a:solidFill>
               </a:rPr>
-              <a:t>Network</a:t>
-            </a:r>
+              <a:t>Organization</a:t>
+            </a:r>
+          </a:p>
+        </p:txBody>
+      </p:sp>
+      <p:sp>
+        <p:nvSpPr>
+          <p:cNvPr id="30" name="Rounded Rectangle 11"/>
+          <p:cNvSpPr/>
+          <p:nvPr/>
+        </p:nvSpPr>
+        <p:spPr>
+          <a:xfrm>
+            <a:off x="1433878" y="4518898"/>
+            <a:ext cx="1326335" cy="646546"/>
+          </a:xfrm>
+          <a:prstGeom prst="roundRect">
+            <a:avLst/>
+          </a:prstGeom>
+          <a:solidFill>
+            <a:schemeClr val="accent1">
+              <a:lumMod val="20000"/>
+              <a:lumOff val="80000"/>
+            </a:schemeClr>
+          </a:solidFill>
+        </p:spPr>
+        <p:style>
+          <a:lnRef idx="1">
+            <a:schemeClr val="accent1"/>
+          </a:lnRef>
+          <a:fillRef idx="3">
+            <a:schemeClr val="accent1"/>
+          </a:fillRef>
+          <a:effectRef idx="2">
+            <a:schemeClr val="accent1"/>
+          </a:effectRef>
+          <a:fontRef idx="minor">
+            <a:schemeClr val="lt1"/>
+          </a:fontRef>
+        </p:style>
+        <p:txBody>
+          <a:bodyPr rtlCol="0" anchor="ctr"/>
+          <a:lstStyle/>
+          <a:p>
+            <a:pPr algn="ctr"/>
+            <a:r>
+              <a:rPr lang="en-US" sz="1400" dirty="0">
+                <a:solidFill>
+                  <a:sysClr val="windowText" lastClr="000000"/>
+                </a:solidFill>
+              </a:rPr>
+              <a:t>Organization</a:t>
+            </a:r>
+          </a:p>
+        </p:txBody>
+      </p:sp>
+      <p:sp>
+        <p:nvSpPr>
+          <p:cNvPr id="31" name="Rounded Rectangle 26"/>
+          <p:cNvSpPr/>
+          <p:nvPr/>
+        </p:nvSpPr>
+        <p:spPr>
+          <a:xfrm>
+            <a:off x="5323928" y="5037112"/>
+            <a:ext cx="1344349" cy="646546"/>
+          </a:xfrm>
+          <a:prstGeom prst="roundRect">
+            <a:avLst/>
+          </a:prstGeom>
+          <a:solidFill>
+            <a:schemeClr val="accent1">
+              <a:lumMod val="20000"/>
+              <a:lumOff val="80000"/>
+            </a:schemeClr>
+          </a:solidFill>
+        </p:spPr>
+        <p:style>
+          <a:lnRef idx="1">
+            <a:schemeClr val="accent1"/>
+          </a:lnRef>
+          <a:fillRef idx="3">
+            <a:schemeClr val="accent1"/>
+          </a:fillRef>
+          <a:effectRef idx="2">
+            <a:schemeClr val="accent1"/>
+          </a:effectRef>
+          <a:fontRef idx="minor">
+            <a:schemeClr val="lt1"/>
+          </a:fontRef>
+        </p:style>
+        <p:txBody>
+          <a:bodyPr rtlCol="0" anchor="ctr"/>
+          <a:lstStyle/>
+          <a:p>
+            <a:pPr algn="ctr"/>
+            <a:r>
+              <a:rPr lang="en-US" sz="1600" dirty="0">
+                <a:solidFill>
+                  <a:sysClr val="windowText" lastClr="000000"/>
+                </a:solidFill>
+              </a:rPr>
+              <a:t>Endpoint</a:t>
+            </a:r>
+          </a:p>
+        </p:txBody>
+      </p:sp>
+      <p:sp>
+        <p:nvSpPr>
+          <p:cNvPr id="3" name="TextBox 2">
+            <a:extLst>
+              <a:ext uri="{FF2B5EF4-FFF2-40B4-BE49-F238E27FC236}">
+                <a16:creationId xmlns:a16="http://schemas.microsoft.com/office/drawing/2014/main" id="{CE908A8D-D795-4860-A869-06C7549C3943}"/>
+              </a:ext>
+            </a:extLst>
+          </p:cNvPr>
+          <p:cNvSpPr txBox="1"/>
+          <p:nvPr/>
+        </p:nvSpPr>
+        <p:spPr>
+          <a:xfrm>
+            <a:off x="1651562" y="5689272"/>
+            <a:ext cx="3859678" cy="923330"/>
+          </a:xfrm>
+          <a:prstGeom prst="rect">
+            <a:avLst/>
+          </a:prstGeom>
+          <a:noFill/>
+        </p:spPr>
+        <p:txBody>
+          <a:bodyPr wrap="square" rtlCol="0">
+            <a:spAutoFit/>
+          </a:bodyPr>
+          <a:lstStyle/>
+          <a:p>
+            <a:pPr marL="285750" indent="-285750">
+              <a:buFont typeface="Arial" panose="020B0604020202020204" pitchFamily="34" charset="0"/>
+              <a:buChar char="•"/>
+            </a:pPr>
+            <a:r>
+              <a:rPr lang="en-US" dirty="0" err="1"/>
+              <a:t>ViaIntermediary</a:t>
+            </a:r>
+            <a:r>
+              <a:rPr lang="en-US" dirty="0"/>
+              <a:t> is a reference to an alternative point of contact for this organization</a:t>
+            </a:r>
+          </a:p>
+        </p:txBody>
+      </p:sp>
+      <p:sp>
+        <p:nvSpPr>
+          <p:cNvPr id="37" name="Rounded Rectangle 36">
+            <a:extLst>
+              <a:ext uri="{FF2B5EF4-FFF2-40B4-BE49-F238E27FC236}">
+                <a16:creationId xmlns:a16="http://schemas.microsoft.com/office/drawing/2014/main" id="{59DD3E8D-D33F-A044-8422-69D61181DD16}"/>
+              </a:ext>
+            </a:extLst>
+          </p:cNvPr>
+          <p:cNvSpPr/>
+          <p:nvPr/>
+        </p:nvSpPr>
+        <p:spPr>
+          <a:xfrm>
+            <a:off x="1292088" y="2372634"/>
+            <a:ext cx="1418454" cy="646546"/>
+          </a:xfrm>
+          <a:prstGeom prst="roundRect">
+            <a:avLst/>
+          </a:prstGeom>
+          <a:solidFill>
+            <a:schemeClr val="accent1">
+              <a:lumMod val="20000"/>
+              <a:lumOff val="80000"/>
+            </a:schemeClr>
+          </a:solidFill>
+        </p:spPr>
+        <p:style>
+          <a:lnRef idx="1">
+            <a:schemeClr val="accent1"/>
+          </a:lnRef>
+          <a:fillRef idx="3">
+            <a:schemeClr val="accent1"/>
+          </a:fillRef>
+          <a:effectRef idx="2">
+            <a:schemeClr val="accent1"/>
+          </a:effectRef>
+          <a:fontRef idx="minor">
+            <a:schemeClr val="lt1"/>
+          </a:fontRef>
+        </p:style>
+        <p:txBody>
+          <a:bodyPr rtlCol="0" anchor="ctr"/>
+          <a:lstStyle/>
+          <a:p>
+            <a:pPr algn="ctr"/>
+            <a:r>
+              <a:rPr lang="en-US" sz="1400" dirty="0" err="1">
+                <a:solidFill>
+                  <a:sysClr val="windowText" lastClr="000000"/>
+                </a:solidFill>
+              </a:rPr>
+              <a:t>PractitionerRole</a:t>
+            </a:r>
+            <a:endParaRPr lang="en-US" sz="1400" dirty="0">
+              <a:solidFill>
+                <a:sysClr val="windowText" lastClr="000000"/>
+              </a:solidFill>
+            </a:endParaRPr>
+          </a:p>
+        </p:txBody>
+      </p:sp>
+      <p:sp>
+        <p:nvSpPr>
+          <p:cNvPr id="38" name="Rounded Rectangle 37">
+            <a:extLst>
+              <a:ext uri="{FF2B5EF4-FFF2-40B4-BE49-F238E27FC236}">
+                <a16:creationId xmlns:a16="http://schemas.microsoft.com/office/drawing/2014/main" id="{B1CA7BEE-DA2A-8A4C-A5D0-5D8379380127}"/>
+              </a:ext>
+            </a:extLst>
+          </p:cNvPr>
+          <p:cNvSpPr/>
+          <p:nvPr/>
+        </p:nvSpPr>
+        <p:spPr>
+          <a:xfrm>
+            <a:off x="3319690" y="3429000"/>
+            <a:ext cx="1419200" cy="646546"/>
+          </a:xfrm>
+          <a:prstGeom prst="roundRect">
+            <a:avLst/>
+          </a:prstGeom>
+          <a:solidFill>
+            <a:schemeClr val="accent1">
+              <a:lumMod val="20000"/>
+              <a:lumOff val="80000"/>
+            </a:schemeClr>
+          </a:solidFill>
+        </p:spPr>
+        <p:style>
+          <a:lnRef idx="1">
+            <a:schemeClr val="accent1"/>
+          </a:lnRef>
+          <a:fillRef idx="3">
+            <a:schemeClr val="accent1"/>
+          </a:fillRef>
+          <a:effectRef idx="2">
+            <a:schemeClr val="accent1"/>
+          </a:effectRef>
+          <a:fontRef idx="minor">
+            <a:schemeClr val="lt1"/>
+          </a:fontRef>
+        </p:style>
+        <p:txBody>
+          <a:bodyPr rtlCol="0" anchor="ctr"/>
+          <a:lstStyle/>
+          <a:p>
+            <a:pPr algn="ctr"/>
+            <a:r>
+              <a:rPr lang="en-US" sz="1400" dirty="0" err="1">
+                <a:solidFill>
+                  <a:sysClr val="windowText" lastClr="000000"/>
+                </a:solidFill>
+              </a:rPr>
+              <a:t>ViaIntermediary</a:t>
+            </a:r>
+            <a:endParaRPr lang="en-US" sz="1400" dirty="0">
+              <a:solidFill>
+                <a:sysClr val="windowText" lastClr="000000"/>
+              </a:solidFill>
+            </a:endParaRPr>
           </a:p>
         </p:txBody>
       </p:sp>
       <p:cxnSp>
         <p:nvCxnSpPr>
-          <p:cNvPr id="26" name="Curved Connector 32"/>
+          <p:cNvPr id="39" name="Straight Arrow Connector 38">
+            <a:extLst>
+              <a:ext uri="{FF2B5EF4-FFF2-40B4-BE49-F238E27FC236}">
+                <a16:creationId xmlns:a16="http://schemas.microsoft.com/office/drawing/2014/main" id="{3CE509F3-A3DC-5E4F-A4FB-C0B3BD24B6E8}"/>
+              </a:ext>
+            </a:extLst>
+          </p:cNvPr>
           <p:cNvCxnSpPr>
-            <a:stCxn id="7" idx="0"/>
-            <a:endCxn id="7" idx="3"/>
+            <a:cxnSpLocks/>
           </p:cNvCxnSpPr>
           <p:nvPr/>
         </p:nvCxnSpPr>
         <p:spPr>
-          <a:xfrm rot="16200000" flipH="1">
-            <a:off x="9685278" y="1829577"/>
-            <a:ext cx="323273" cy="672174"/>
-          </a:xfrm>
-          <a:prstGeom prst="curvedConnector4">
-            <a:avLst>
-              <a:gd name="adj1" fmla="val -70714"/>
-              <a:gd name="adj2" fmla="val 134009"/>
-            </a:avLst>
+          <a:xfrm flipH="1">
+            <a:off x="2647517" y="3752273"/>
+            <a:ext cx="656619" cy="766625"/>
+          </a:xfrm>
+          <a:prstGeom prst="straightConnector1">
+            <a:avLst/>
           </a:prstGeom>
           <a:ln>
             <a:headEnd type="none" w="lg" len="lg"/>
@@ -5026,17 +8365,24 @@
       </p:cxnSp>
       <p:cxnSp>
         <p:nvCxnSpPr>
-          <p:cNvPr id="27" name="Straight Arrow Connector 26"/>
+          <p:cNvPr id="41" name="Straight Arrow Connector 40">
+            <a:extLst>
+              <a:ext uri="{FF2B5EF4-FFF2-40B4-BE49-F238E27FC236}">
+                <a16:creationId xmlns:a16="http://schemas.microsoft.com/office/drawing/2014/main" id="{E6C509DB-6D92-6544-A396-45D034B39DD3}"/>
+              </a:ext>
+            </a:extLst>
+          </p:cNvPr>
           <p:cNvCxnSpPr>
-            <a:stCxn id="19" idx="0"/>
-            <a:endCxn id="5" idx="2"/>
+            <a:cxnSpLocks/>
+            <a:stCxn id="38" idx="1"/>
+            <a:endCxn id="6" idx="3"/>
           </p:cNvCxnSpPr>
           <p:nvPr/>
         </p:nvCxnSpPr>
         <p:spPr>
-          <a:xfrm flipH="1" flipV="1">
-            <a:off x="5900637" y="2176592"/>
-            <a:ext cx="1373108" cy="614949"/>
+          <a:xfrm flipH="1">
+            <a:off x="2722365" y="3752273"/>
+            <a:ext cx="597325" cy="0"/>
           </a:xfrm>
           <a:prstGeom prst="straightConnector1">
             <a:avLst/>
@@ -5061,16 +8407,65 @@
           </a:fontRef>
         </p:style>
       </p:cxnSp>
-      <p:sp>
-        <p:nvSpPr>
-          <p:cNvPr id="30" name="Rounded Rectangle 11"/>
+      <p:cxnSp>
+        <p:nvCxnSpPr>
+          <p:cNvPr id="44" name="Straight Arrow Connector 43">
+            <a:extLst>
+              <a:ext uri="{FF2B5EF4-FFF2-40B4-BE49-F238E27FC236}">
+                <a16:creationId xmlns:a16="http://schemas.microsoft.com/office/drawing/2014/main" id="{9E0AE849-ABF3-6249-8AAD-CAD39177EF69}"/>
+              </a:ext>
+            </a:extLst>
+          </p:cNvPr>
+          <p:cNvCxnSpPr>
+            <a:cxnSpLocks/>
+            <a:endCxn id="37" idx="3"/>
+          </p:cNvCxnSpPr>
+          <p:nvPr/>
+        </p:nvCxnSpPr>
+        <p:spPr>
+          <a:xfrm flipH="1" flipV="1">
+            <a:off x="2710542" y="2695907"/>
+            <a:ext cx="588866" cy="1015874"/>
+          </a:xfrm>
+          <a:prstGeom prst="straightConnector1">
+            <a:avLst/>
+          </a:prstGeom>
+          <a:ln>
+            <a:headEnd type="none" w="lg" len="lg"/>
+            <a:tailEnd type="triangle" w="lg" len="lg"/>
+          </a:ln>
+        </p:spPr>
+        <p:style>
+          <a:lnRef idx="2">
+            <a:schemeClr val="accent1"/>
+          </a:lnRef>
+          <a:fillRef idx="0">
+            <a:schemeClr val="accent1"/>
+          </a:fillRef>
+          <a:effectRef idx="1">
+            <a:schemeClr val="accent1"/>
+          </a:effectRef>
+          <a:fontRef idx="minor">
+            <a:schemeClr val="tx1"/>
+          </a:fontRef>
+        </p:style>
+      </p:cxnSp>
+      <p:sp>
+        <p:nvSpPr>
+          <p:cNvPr id="47" name="Rounded Rectangle 46">
+            <a:extLst>
+              <a:ext uri="{FF2B5EF4-FFF2-40B4-BE49-F238E27FC236}">
+                <a16:creationId xmlns:a16="http://schemas.microsoft.com/office/drawing/2014/main" id="{25B18A7A-3A32-054A-BE7A-226FB2CAA339}"/>
+              </a:ext>
+            </a:extLst>
+          </p:cNvPr>
           <p:cNvSpPr/>
           <p:nvPr/>
         </p:nvSpPr>
         <p:spPr>
           <a:xfrm>
-            <a:off x="2038368" y="5004727"/>
-            <a:ext cx="1326335" cy="646546"/>
+            <a:off x="1366192" y="1402815"/>
+            <a:ext cx="1344349" cy="646546"/>
           </a:xfrm>
           <a:prstGeom prst="roundRect">
             <a:avLst/>
@@ -5107,21 +8502,501 @@
                   <a:sysClr val="windowText" lastClr="000000"/>
                 </a:solidFill>
               </a:rPr>
-              <a:t>Organization</a:t>
-            </a:r>
-          </a:p>
-        </p:txBody>
-      </p:sp>
-      <p:sp>
-        <p:nvSpPr>
-          <p:cNvPr id="31" name="Rounded Rectangle 26"/>
+              <a:t>Location</a:t>
+            </a:r>
+          </a:p>
+        </p:txBody>
+      </p:sp>
+      <p:cxnSp>
+        <p:nvCxnSpPr>
+          <p:cNvPr id="48" name="Straight Arrow Connector 47">
+            <a:extLst>
+              <a:ext uri="{FF2B5EF4-FFF2-40B4-BE49-F238E27FC236}">
+                <a16:creationId xmlns:a16="http://schemas.microsoft.com/office/drawing/2014/main" id="{D35FD5BE-0DCF-1B4B-963D-ECA313618C0E}"/>
+              </a:ext>
+            </a:extLst>
+          </p:cNvPr>
+          <p:cNvCxnSpPr>
+            <a:cxnSpLocks/>
+            <a:endCxn id="47" idx="3"/>
+          </p:cNvCxnSpPr>
+          <p:nvPr/>
+        </p:nvCxnSpPr>
+        <p:spPr>
+          <a:xfrm flipH="1" flipV="1">
+            <a:off x="2710541" y="1726088"/>
+            <a:ext cx="592756" cy="2012336"/>
+          </a:xfrm>
+          <a:prstGeom prst="straightConnector1">
+            <a:avLst/>
+          </a:prstGeom>
+          <a:ln>
+            <a:headEnd type="none" w="lg" len="lg"/>
+            <a:tailEnd type="triangle" w="lg" len="lg"/>
+          </a:ln>
+        </p:spPr>
+        <p:style>
+          <a:lnRef idx="2">
+            <a:schemeClr val="accent1"/>
+          </a:lnRef>
+          <a:fillRef idx="0">
+            <a:schemeClr val="accent1"/>
+          </a:fillRef>
+          <a:effectRef idx="1">
+            <a:schemeClr val="accent1"/>
+          </a:effectRef>
+          <a:fontRef idx="minor">
+            <a:schemeClr val="tx1"/>
+          </a:fontRef>
+        </p:style>
+      </p:cxnSp>
+      <p:cxnSp>
+        <p:nvCxnSpPr>
+          <p:cNvPr id="53" name="Straight Arrow Connector 52">
+            <a:extLst>
+              <a:ext uri="{FF2B5EF4-FFF2-40B4-BE49-F238E27FC236}">
+                <a16:creationId xmlns:a16="http://schemas.microsoft.com/office/drawing/2014/main" id="{24FA3948-4B7F-D344-90E6-2718D65D1AB6}"/>
+              </a:ext>
+            </a:extLst>
+          </p:cNvPr>
+          <p:cNvCxnSpPr>
+            <a:cxnSpLocks/>
+            <a:stCxn id="8" idx="1"/>
+            <a:endCxn id="38" idx="3"/>
+          </p:cNvCxnSpPr>
+          <p:nvPr/>
+        </p:nvCxnSpPr>
+        <p:spPr>
+          <a:xfrm flipH="1">
+            <a:off x="4738890" y="3738424"/>
+            <a:ext cx="585038" cy="13849"/>
+          </a:xfrm>
+          <a:prstGeom prst="straightConnector1">
+            <a:avLst/>
+          </a:prstGeom>
+          <a:ln>
+            <a:headEnd type="none" w="lg" len="lg"/>
+            <a:tailEnd type="triangle" w="lg" len="lg"/>
+          </a:ln>
+        </p:spPr>
+        <p:style>
+          <a:lnRef idx="2">
+            <a:schemeClr val="accent1"/>
+          </a:lnRef>
+          <a:fillRef idx="0">
+            <a:schemeClr val="accent1"/>
+          </a:fillRef>
+          <a:effectRef idx="1">
+            <a:schemeClr val="accent1"/>
+          </a:effectRef>
+          <a:fontRef idx="minor">
+            <a:schemeClr val="tx1"/>
+          </a:fontRef>
+        </p:style>
+      </p:cxnSp>
+      <p:sp>
+        <p:nvSpPr>
+          <p:cNvPr id="75" name="Rectangle 74">
+            <a:extLst>
+              <a:ext uri="{FF2B5EF4-FFF2-40B4-BE49-F238E27FC236}">
+                <a16:creationId xmlns:a16="http://schemas.microsoft.com/office/drawing/2014/main" id="{7E58C105-CDA1-3849-9614-8736057A543B}"/>
+              </a:ext>
+            </a:extLst>
+          </p:cNvPr>
           <p:cNvSpPr/>
           <p:nvPr/>
         </p:nvSpPr>
         <p:spPr>
           <a:xfrm>
-            <a:off x="5187234" y="5004727"/>
-            <a:ext cx="1344349" cy="646546"/>
+            <a:off x="5463164" y="4378364"/>
+            <a:ext cx="657783" cy="307777"/>
+          </a:xfrm>
+          <a:prstGeom prst="rect">
+            <a:avLst/>
+          </a:prstGeom>
+        </p:spPr>
+        <p:txBody>
+          <a:bodyPr wrap="square">
+            <a:spAutoFit/>
+          </a:bodyPr>
+          <a:lstStyle/>
+          <a:p>
+            <a:r>
+              <a:rPr lang="en-US" sz="1400" dirty="0">
+                <a:solidFill>
+                  <a:srgbClr val="333333"/>
+                </a:solidFill>
+                <a:latin typeface="verdana" panose="020B0604030504040204" pitchFamily="34" charset="0"/>
+              </a:rPr>
+              <a:t>0..*</a:t>
+            </a:r>
+            <a:endParaRPr lang="en-US" sz="1400" dirty="0"/>
+          </a:p>
+        </p:txBody>
+      </p:sp>
+      <p:sp>
+        <p:nvSpPr>
+          <p:cNvPr id="76" name="Rectangle 75">
+            <a:extLst>
+              <a:ext uri="{FF2B5EF4-FFF2-40B4-BE49-F238E27FC236}">
+                <a16:creationId xmlns:a16="http://schemas.microsoft.com/office/drawing/2014/main" id="{1034387E-CB48-7844-AA6A-1B3C43174758}"/>
+              </a:ext>
+            </a:extLst>
+          </p:cNvPr>
+          <p:cNvSpPr/>
+          <p:nvPr/>
+        </p:nvSpPr>
+        <p:spPr>
+          <a:xfrm>
+            <a:off x="4805898" y="3461390"/>
+            <a:ext cx="657783" cy="307777"/>
+          </a:xfrm>
+          <a:prstGeom prst="rect">
+            <a:avLst/>
+          </a:prstGeom>
+        </p:spPr>
+        <p:txBody>
+          <a:bodyPr wrap="square">
+            <a:spAutoFit/>
+          </a:bodyPr>
+          <a:lstStyle/>
+          <a:p>
+            <a:r>
+              <a:rPr lang="en-US" sz="1400" dirty="0">
+                <a:solidFill>
+                  <a:srgbClr val="333333"/>
+                </a:solidFill>
+                <a:latin typeface="verdana" panose="020B0604030504040204" pitchFamily="34" charset="0"/>
+              </a:rPr>
+              <a:t>0..1</a:t>
+            </a:r>
+            <a:endParaRPr lang="en-US" sz="1400" dirty="0"/>
+          </a:p>
+        </p:txBody>
+      </p:sp>
+      <p:sp>
+        <p:nvSpPr>
+          <p:cNvPr id="80" name="Rectangle 79">
+            <a:extLst>
+              <a:ext uri="{FF2B5EF4-FFF2-40B4-BE49-F238E27FC236}">
+                <a16:creationId xmlns:a16="http://schemas.microsoft.com/office/drawing/2014/main" id="{32B12770-00CF-5448-9AA5-B5797A43DB0A}"/>
+              </a:ext>
+            </a:extLst>
+          </p:cNvPr>
+          <p:cNvSpPr/>
+          <p:nvPr/>
+        </p:nvSpPr>
+        <p:spPr>
+          <a:xfrm>
+            <a:off x="5514039" y="2731251"/>
+            <a:ext cx="657783" cy="307777"/>
+          </a:xfrm>
+          <a:prstGeom prst="rect">
+            <a:avLst/>
+          </a:prstGeom>
+        </p:spPr>
+        <p:txBody>
+          <a:bodyPr wrap="square">
+            <a:spAutoFit/>
+          </a:bodyPr>
+          <a:lstStyle/>
+          <a:p>
+            <a:r>
+              <a:rPr lang="en-US" sz="1400" dirty="0">
+                <a:solidFill>
+                  <a:srgbClr val="333333"/>
+                </a:solidFill>
+                <a:latin typeface="verdana" panose="020B0604030504040204" pitchFamily="34" charset="0"/>
+              </a:rPr>
+              <a:t>0..1</a:t>
+            </a:r>
+            <a:endParaRPr lang="en-US" sz="1400" dirty="0"/>
+          </a:p>
+        </p:txBody>
+      </p:sp>
+      <p:sp>
+        <p:nvSpPr>
+          <p:cNvPr id="81" name="Rectangle 80">
+            <a:extLst>
+              <a:ext uri="{FF2B5EF4-FFF2-40B4-BE49-F238E27FC236}">
+                <a16:creationId xmlns:a16="http://schemas.microsoft.com/office/drawing/2014/main" id="{2FF346B2-F66B-E543-8EC7-866DBC01F949}"/>
+              </a:ext>
+            </a:extLst>
+          </p:cNvPr>
+          <p:cNvSpPr/>
+          <p:nvPr/>
+        </p:nvSpPr>
+        <p:spPr>
+          <a:xfrm>
+            <a:off x="2838660" y="2244630"/>
+            <a:ext cx="657783" cy="307777"/>
+          </a:xfrm>
+          <a:prstGeom prst="rect">
+            <a:avLst/>
+          </a:prstGeom>
+        </p:spPr>
+        <p:txBody>
+          <a:bodyPr wrap="square">
+            <a:spAutoFit/>
+          </a:bodyPr>
+          <a:lstStyle/>
+          <a:p>
+            <a:r>
+              <a:rPr lang="en-US" sz="1400" dirty="0">
+                <a:solidFill>
+                  <a:srgbClr val="333333"/>
+                </a:solidFill>
+                <a:latin typeface="verdana" panose="020B0604030504040204" pitchFamily="34" charset="0"/>
+              </a:rPr>
+              <a:t>0..1</a:t>
+            </a:r>
+            <a:endParaRPr lang="en-US" sz="1400" dirty="0"/>
+          </a:p>
+        </p:txBody>
+      </p:sp>
+      <p:sp>
+        <p:nvSpPr>
+          <p:cNvPr id="82" name="Rectangle 81">
+            <a:extLst>
+              <a:ext uri="{FF2B5EF4-FFF2-40B4-BE49-F238E27FC236}">
+                <a16:creationId xmlns:a16="http://schemas.microsoft.com/office/drawing/2014/main" id="{597FD607-FF0D-5F49-8B94-7A748D2BFC13}"/>
+              </a:ext>
+            </a:extLst>
+          </p:cNvPr>
+          <p:cNvSpPr/>
+          <p:nvPr/>
+        </p:nvSpPr>
+        <p:spPr>
+          <a:xfrm>
+            <a:off x="2512620" y="3018628"/>
+            <a:ext cx="657783" cy="307777"/>
+          </a:xfrm>
+          <a:prstGeom prst="rect">
+            <a:avLst/>
+          </a:prstGeom>
+        </p:spPr>
+        <p:txBody>
+          <a:bodyPr wrap="square">
+            <a:spAutoFit/>
+          </a:bodyPr>
+          <a:lstStyle/>
+          <a:p>
+            <a:r>
+              <a:rPr lang="en-US" sz="1400" dirty="0">
+                <a:solidFill>
+                  <a:srgbClr val="333333"/>
+                </a:solidFill>
+                <a:latin typeface="verdana" panose="020B0604030504040204" pitchFamily="34" charset="0"/>
+              </a:rPr>
+              <a:t>0..1</a:t>
+            </a:r>
+            <a:endParaRPr lang="en-US" sz="1400" dirty="0"/>
+          </a:p>
+        </p:txBody>
+      </p:sp>
+      <p:sp>
+        <p:nvSpPr>
+          <p:cNvPr id="84" name="Rectangle 83">
+            <a:extLst>
+              <a:ext uri="{FF2B5EF4-FFF2-40B4-BE49-F238E27FC236}">
+                <a16:creationId xmlns:a16="http://schemas.microsoft.com/office/drawing/2014/main" id="{46838F56-876D-9A4D-8E59-DD43F7857E9E}"/>
+              </a:ext>
+            </a:extLst>
+          </p:cNvPr>
+          <p:cNvSpPr/>
+          <p:nvPr/>
+        </p:nvSpPr>
+        <p:spPr>
+          <a:xfrm>
+            <a:off x="2834919" y="4201333"/>
+            <a:ext cx="657783" cy="307777"/>
+          </a:xfrm>
+          <a:prstGeom prst="rect">
+            <a:avLst/>
+          </a:prstGeom>
+        </p:spPr>
+        <p:txBody>
+          <a:bodyPr wrap="square">
+            <a:spAutoFit/>
+          </a:bodyPr>
+          <a:lstStyle/>
+          <a:p>
+            <a:r>
+              <a:rPr lang="en-US" sz="1400" dirty="0">
+                <a:solidFill>
+                  <a:srgbClr val="333333"/>
+                </a:solidFill>
+                <a:latin typeface="verdana" panose="020B0604030504040204" pitchFamily="34" charset="0"/>
+              </a:rPr>
+              <a:t>0..1</a:t>
+            </a:r>
+            <a:endParaRPr lang="en-US" sz="1400" dirty="0"/>
+          </a:p>
+        </p:txBody>
+      </p:sp>
+      <p:sp>
+        <p:nvSpPr>
+          <p:cNvPr id="87" name="Rectangle 86">
+            <a:extLst>
+              <a:ext uri="{FF2B5EF4-FFF2-40B4-BE49-F238E27FC236}">
+                <a16:creationId xmlns:a16="http://schemas.microsoft.com/office/drawing/2014/main" id="{8C49FB79-8AA5-C148-A61C-998177790CA5}"/>
+              </a:ext>
+            </a:extLst>
+          </p:cNvPr>
+          <p:cNvSpPr/>
+          <p:nvPr/>
+        </p:nvSpPr>
+        <p:spPr>
+          <a:xfrm>
+            <a:off x="2760213" y="3477754"/>
+            <a:ext cx="657783" cy="307777"/>
+          </a:xfrm>
+          <a:prstGeom prst="rect">
+            <a:avLst/>
+          </a:prstGeom>
+        </p:spPr>
+        <p:txBody>
+          <a:bodyPr wrap="square">
+            <a:spAutoFit/>
+          </a:bodyPr>
+          <a:lstStyle/>
+          <a:p>
+            <a:r>
+              <a:rPr lang="en-US" sz="1400" dirty="0">
+                <a:solidFill>
+                  <a:srgbClr val="333333"/>
+                </a:solidFill>
+                <a:latin typeface="verdana" panose="020B0604030504040204" pitchFamily="34" charset="0"/>
+              </a:rPr>
+              <a:t>0..1</a:t>
+            </a:r>
+            <a:endParaRPr lang="en-US" sz="1400" dirty="0"/>
+          </a:p>
+        </p:txBody>
+      </p:sp>
+      <p:sp>
+        <p:nvSpPr>
+          <p:cNvPr id="40" name="Rectangle 39">
+            <a:extLst>
+              <a:ext uri="{FF2B5EF4-FFF2-40B4-BE49-F238E27FC236}">
+                <a16:creationId xmlns:a16="http://schemas.microsoft.com/office/drawing/2014/main" id="{CFBCDD16-1D19-3743-9375-97B17AE2C062}"/>
+              </a:ext>
+            </a:extLst>
+          </p:cNvPr>
+          <p:cNvSpPr/>
+          <p:nvPr/>
+        </p:nvSpPr>
+        <p:spPr>
+          <a:xfrm>
+            <a:off x="6039517" y="2750808"/>
+            <a:ext cx="827192" cy="307777"/>
+          </a:xfrm>
+          <a:prstGeom prst="rect">
+            <a:avLst/>
+          </a:prstGeom>
+        </p:spPr>
+        <p:txBody>
+          <a:bodyPr wrap="square">
+            <a:spAutoFit/>
+          </a:bodyPr>
+          <a:lstStyle/>
+          <a:p>
+            <a:r>
+              <a:rPr lang="en-US" sz="1400" dirty="0" err="1">
+                <a:solidFill>
+                  <a:srgbClr val="333333"/>
+                </a:solidFill>
+                <a:latin typeface="verdana" panose="020B0604030504040204" pitchFamily="34" charset="0"/>
+              </a:rPr>
+              <a:t>partOf</a:t>
+            </a:r>
+            <a:endParaRPr lang="en-US" sz="1400" dirty="0"/>
+          </a:p>
+        </p:txBody>
+      </p:sp>
+    </p:spTree>
+    <p:extLst>
+      <p:ext uri="{BB962C8B-B14F-4D97-AF65-F5344CB8AC3E}">
+        <p14:creationId xmlns:p14="http://schemas.microsoft.com/office/powerpoint/2010/main" val="3955916935"/>
+      </p:ext>
+    </p:extLst>
+  </p:cSld>
+  <p:clrMapOvr>
+    <a:masterClrMapping/>
+  </p:clrMapOvr>
+</p:sld>
+</file>
+
+<file path=ppt/slides/slide7.xml><?xml version="1.0" encoding="utf-8"?>
+<p:sld xmlns:a="http://schemas.openxmlformats.org/drawingml/2006/main" xmlns:r="http://schemas.openxmlformats.org/officeDocument/2006/relationships" xmlns:p="http://schemas.openxmlformats.org/presentationml/2006/main">
+  <p:cSld>
+    <p:spTree>
+      <p:nvGrpSpPr>
+        <p:cNvPr id="1" name=""/>
+        <p:cNvGrpSpPr/>
+        <p:nvPr/>
+      </p:nvGrpSpPr>
+      <p:grpSpPr>
+        <a:xfrm>
+          <a:off x="0" y="0"/>
+          <a:ext cx="0" cy="0"/>
+          <a:chOff x="0" y="0"/>
+          <a:chExt cx="0" cy="0"/>
+        </a:xfrm>
+      </p:grpSpPr>
+      <p:sp>
+        <p:nvSpPr>
+          <p:cNvPr id="4" name="Slide Number Placeholder 3"/>
+          <p:cNvSpPr>
+            <a:spLocks noGrp="1"/>
+          </p:cNvSpPr>
+          <p:nvPr>
+            <p:ph type="sldNum" sz="quarter" idx="12"/>
+          </p:nvPr>
+        </p:nvSpPr>
+        <p:spPr>
+          <a:xfrm>
+            <a:off x="8610600" y="6356350"/>
+            <a:ext cx="2743200" cy="365125"/>
+          </a:xfrm>
+        </p:spPr>
+        <p:txBody>
+          <a:bodyPr/>
+          <a:lstStyle/>
+          <a:p>
+            <a:fld id="{22FFB6AE-E1BF-994E-8E90-6BA7B36DE5DD}" type="slidenum">
+              <a:rPr lang="en-US" smtClean="0">
+                <a:solidFill>
+                  <a:srgbClr val="3C3C3B">
+                    <a:lumMod val="50000"/>
+                    <a:lumOff val="50000"/>
+                  </a:srgbClr>
+                </a:solidFill>
+              </a:rPr>
+              <a:pPr/>
+              <a:t>7</a:t>
+            </a:fld>
+            <a:endParaRPr lang="en-US" dirty="0">
+              <a:solidFill>
+                <a:srgbClr val="3C3C3B">
+                  <a:lumMod val="50000"/>
+                  <a:lumOff val="50000"/>
+                </a:srgbClr>
+              </a:solidFill>
+            </a:endParaRPr>
+          </a:p>
+        </p:txBody>
+      </p:sp>
+      <p:sp>
+        <p:nvSpPr>
+          <p:cNvPr id="6" name="Rounded Rectangle 5"/>
+          <p:cNvSpPr/>
+          <p:nvPr/>
+        </p:nvSpPr>
+        <p:spPr>
+          <a:xfrm>
+            <a:off x="1396030" y="3429000"/>
+            <a:ext cx="1326335" cy="646546"/>
           </a:xfrm>
           <a:prstGeom prst="roundRect">
             <a:avLst/>
@@ -5132,6 +9007,11 @@
               <a:lumOff val="80000"/>
             </a:schemeClr>
           </a:solidFill>
+          <a:ln>
+            <a:solidFill>
+              <a:schemeClr val="tx1"/>
+            </a:solidFill>
+          </a:ln>
         </p:spPr>
         <p:style>
           <a:lnRef idx="1">
@@ -5153,6 +9033,58 @@
           <a:p>
             <a:pPr algn="ctr"/>
             <a:r>
+              <a:rPr lang="en-US" sz="1400" dirty="0">
+                <a:solidFill>
+                  <a:srgbClr val="002060"/>
+                </a:solidFill>
+              </a:rPr>
+              <a:t>Organization Affiliation</a:t>
+            </a:r>
+          </a:p>
+        </p:txBody>
+      </p:sp>
+      <p:sp>
+        <p:nvSpPr>
+          <p:cNvPr id="8" name="Rounded Rectangle 7"/>
+          <p:cNvSpPr/>
+          <p:nvPr/>
+        </p:nvSpPr>
+        <p:spPr>
+          <a:xfrm>
+            <a:off x="5323928" y="3415151"/>
+            <a:ext cx="1344349" cy="646546"/>
+          </a:xfrm>
+          <a:prstGeom prst="roundRect">
+            <a:avLst/>
+          </a:prstGeom>
+          <a:solidFill>
+            <a:schemeClr val="accent1">
+              <a:lumMod val="20000"/>
+              <a:lumOff val="80000"/>
+            </a:schemeClr>
+          </a:solidFill>
+          <a:ln w="38100"/>
+        </p:spPr>
+        <p:style>
+          <a:lnRef idx="1">
+            <a:schemeClr val="accent1"/>
+          </a:lnRef>
+          <a:fillRef idx="3">
+            <a:schemeClr val="accent1"/>
+          </a:fillRef>
+          <a:effectRef idx="2">
+            <a:schemeClr val="accent1"/>
+          </a:effectRef>
+          <a:fontRef idx="minor">
+            <a:schemeClr val="lt1"/>
+          </a:fontRef>
+        </p:style>
+        <p:txBody>
+          <a:bodyPr rtlCol="0" anchor="ctr"/>
+          <a:lstStyle/>
+          <a:p>
+            <a:pPr algn="ctr"/>
+            <a:r>
               <a:rPr lang="en-US" sz="1600" dirty="0">
                 <a:solidFill>
                   <a:sysClr val="windowText" lastClr="000000"/>
@@ -5165,6 +9097,57 @@
       </p:sp>
       <p:sp>
         <p:nvSpPr>
+          <p:cNvPr id="30" name="Rounded Rectangle 11"/>
+          <p:cNvSpPr/>
+          <p:nvPr/>
+        </p:nvSpPr>
+        <p:spPr>
+          <a:xfrm>
+            <a:off x="1433878" y="4518898"/>
+            <a:ext cx="1326335" cy="646546"/>
+          </a:xfrm>
+          <a:prstGeom prst="roundRect">
+            <a:avLst/>
+          </a:prstGeom>
+          <a:solidFill>
+            <a:schemeClr val="accent1">
+              <a:lumMod val="20000"/>
+              <a:lumOff val="80000"/>
+            </a:schemeClr>
+          </a:solidFill>
+        </p:spPr>
+        <p:style>
+          <a:lnRef idx="1">
+            <a:schemeClr val="accent1"/>
+          </a:lnRef>
+          <a:fillRef idx="3">
+            <a:schemeClr val="accent1"/>
+          </a:fillRef>
+          <a:effectRef idx="2">
+            <a:schemeClr val="accent1"/>
+          </a:effectRef>
+          <a:fontRef idx="minor">
+            <a:schemeClr val="lt1"/>
+          </a:fontRef>
+        </p:style>
+        <p:txBody>
+          <a:bodyPr rtlCol="0" anchor="ctr"/>
+          <a:lstStyle/>
+          <a:p>
+            <a:pPr algn="ctr"/>
+            <a:r>
+              <a:rPr lang="en-US" sz="1400" dirty="0">
+                <a:solidFill>
+                  <a:sysClr val="windowText" lastClr="000000"/>
+                </a:solidFill>
+              </a:rPr>
+              <a:t>Organization</a:t>
+            </a:r>
+          </a:p>
+        </p:txBody>
+      </p:sp>
+      <p:sp>
+        <p:nvSpPr>
           <p:cNvPr id="3" name="TextBox 2">
             <a:extLst>
               <a:ext uri="{FF2B5EF4-FFF2-40B4-BE49-F238E27FC236}">
@@ -5177,8 +9160,8 @@
         </p:nvSpPr>
         <p:spPr>
           <a:xfrm>
-            <a:off x="6772007" y="4016289"/>
-            <a:ext cx="3859678" cy="1200329"/>
+            <a:off x="1873984" y="5470403"/>
+            <a:ext cx="3859678" cy="923330"/>
           </a:xfrm>
           <a:prstGeom prst="rect">
             <a:avLst/>
@@ -5191,35 +9174,622 @@
           </a:bodyPr>
           <a:lstStyle/>
           <a:p>
-            <a:pPr marL="342900" indent="-342900">
+            <a:pPr marL="285750" indent="-285750">
               <a:buFont typeface="Arial" panose="020B0604020202020204" pitchFamily="34" charset="0"/>
               <a:buChar char="•"/>
             </a:pPr>
             <a:r>
+              <a:rPr lang="en-US" dirty="0" err="1"/>
+              <a:t>ViaIntermediary</a:t>
+            </a:r>
+            <a:r>
               <a:rPr lang="en-US" dirty="0"/>
-              <a:t>Network – describes a health insurance network</a:t>
-            </a:r>
-          </a:p>
-          <a:p>
-            <a:pPr marL="342900" indent="-342900">
-              <a:buFont typeface="Arial" panose="020B0604020202020204" pitchFamily="34" charset="0"/>
-              <a:buChar char="•"/>
-            </a:pPr>
-            <a:r>
-              <a:rPr lang="en-US" dirty="0" err="1"/>
-              <a:t>InsurancePlan</a:t>
-            </a:r>
-            <a:r>
-              <a:rPr lang="en-US" dirty="0"/>
-              <a:t> – describes a health insurance product/plan</a:t>
-            </a:r>
+              <a:t> is a reference to an alternative point of contact for this practitioner</a:t>
+            </a:r>
+          </a:p>
+        </p:txBody>
+      </p:sp>
+      <p:sp>
+        <p:nvSpPr>
+          <p:cNvPr id="37" name="Rounded Rectangle 36">
+            <a:extLst>
+              <a:ext uri="{FF2B5EF4-FFF2-40B4-BE49-F238E27FC236}">
+                <a16:creationId xmlns:a16="http://schemas.microsoft.com/office/drawing/2014/main" id="{59DD3E8D-D33F-A044-8422-69D61181DD16}"/>
+              </a:ext>
+            </a:extLst>
+          </p:cNvPr>
+          <p:cNvSpPr/>
+          <p:nvPr/>
+        </p:nvSpPr>
+        <p:spPr>
+          <a:xfrm>
+            <a:off x="1292088" y="2372634"/>
+            <a:ext cx="1418454" cy="646546"/>
+          </a:xfrm>
+          <a:prstGeom prst="roundRect">
+            <a:avLst/>
+          </a:prstGeom>
+          <a:solidFill>
+            <a:schemeClr val="accent1">
+              <a:lumMod val="20000"/>
+              <a:lumOff val="80000"/>
+            </a:schemeClr>
+          </a:solidFill>
+        </p:spPr>
+        <p:style>
+          <a:lnRef idx="1">
+            <a:schemeClr val="accent1"/>
+          </a:lnRef>
+          <a:fillRef idx="3">
+            <a:schemeClr val="accent1"/>
+          </a:fillRef>
+          <a:effectRef idx="2">
+            <a:schemeClr val="accent1"/>
+          </a:effectRef>
+          <a:fontRef idx="minor">
+            <a:schemeClr val="lt1"/>
+          </a:fontRef>
+        </p:style>
+        <p:txBody>
+          <a:bodyPr rtlCol="0" anchor="ctr"/>
+          <a:lstStyle/>
+          <a:p>
+            <a:pPr algn="ctr"/>
+            <a:r>
+              <a:rPr lang="en-US" sz="1400" dirty="0" err="1">
+                <a:solidFill>
+                  <a:sysClr val="windowText" lastClr="000000"/>
+                </a:solidFill>
+              </a:rPr>
+              <a:t>PractitionerRole</a:t>
+            </a:r>
+            <a:endParaRPr lang="en-US" sz="1400" dirty="0">
+              <a:solidFill>
+                <a:sysClr val="windowText" lastClr="000000"/>
+              </a:solidFill>
+            </a:endParaRPr>
+          </a:p>
+        </p:txBody>
+      </p:sp>
+      <p:sp>
+        <p:nvSpPr>
+          <p:cNvPr id="38" name="Rounded Rectangle 37">
+            <a:extLst>
+              <a:ext uri="{FF2B5EF4-FFF2-40B4-BE49-F238E27FC236}">
+                <a16:creationId xmlns:a16="http://schemas.microsoft.com/office/drawing/2014/main" id="{B1CA7BEE-DA2A-8A4C-A5D0-5D8379380127}"/>
+              </a:ext>
+            </a:extLst>
+          </p:cNvPr>
+          <p:cNvSpPr/>
+          <p:nvPr/>
+        </p:nvSpPr>
+        <p:spPr>
+          <a:xfrm>
+            <a:off x="3319690" y="3429000"/>
+            <a:ext cx="1419200" cy="646546"/>
+          </a:xfrm>
+          <a:prstGeom prst="roundRect">
+            <a:avLst/>
+          </a:prstGeom>
+          <a:solidFill>
+            <a:schemeClr val="accent1">
+              <a:lumMod val="20000"/>
+              <a:lumOff val="80000"/>
+            </a:schemeClr>
+          </a:solidFill>
+        </p:spPr>
+        <p:style>
+          <a:lnRef idx="1">
+            <a:schemeClr val="accent1"/>
+          </a:lnRef>
+          <a:fillRef idx="3">
+            <a:schemeClr val="accent1"/>
+          </a:fillRef>
+          <a:effectRef idx="2">
+            <a:schemeClr val="accent1"/>
+          </a:effectRef>
+          <a:fontRef idx="minor">
+            <a:schemeClr val="lt1"/>
+          </a:fontRef>
+        </p:style>
+        <p:txBody>
+          <a:bodyPr rtlCol="0" anchor="ctr"/>
+          <a:lstStyle/>
+          <a:p>
+            <a:pPr algn="ctr"/>
+            <a:r>
+              <a:rPr lang="en-US" sz="1400" dirty="0" err="1">
+                <a:solidFill>
+                  <a:sysClr val="windowText" lastClr="000000"/>
+                </a:solidFill>
+              </a:rPr>
+              <a:t>ViaIntermediary</a:t>
+            </a:r>
+            <a:endParaRPr lang="en-US" sz="1400" dirty="0">
+              <a:solidFill>
+                <a:sysClr val="windowText" lastClr="000000"/>
+              </a:solidFill>
+            </a:endParaRPr>
+          </a:p>
+        </p:txBody>
+      </p:sp>
+      <p:cxnSp>
+        <p:nvCxnSpPr>
+          <p:cNvPr id="39" name="Straight Arrow Connector 38">
+            <a:extLst>
+              <a:ext uri="{FF2B5EF4-FFF2-40B4-BE49-F238E27FC236}">
+                <a16:creationId xmlns:a16="http://schemas.microsoft.com/office/drawing/2014/main" id="{3CE509F3-A3DC-5E4F-A4FB-C0B3BD24B6E8}"/>
+              </a:ext>
+            </a:extLst>
+          </p:cNvPr>
+          <p:cNvCxnSpPr>
+            <a:cxnSpLocks/>
+          </p:cNvCxnSpPr>
+          <p:nvPr/>
+        </p:nvCxnSpPr>
+        <p:spPr>
+          <a:xfrm flipH="1">
+            <a:off x="2647517" y="3752273"/>
+            <a:ext cx="656619" cy="766625"/>
+          </a:xfrm>
+          <a:prstGeom prst="straightConnector1">
+            <a:avLst/>
+          </a:prstGeom>
+          <a:ln>
+            <a:headEnd type="none" w="lg" len="lg"/>
+            <a:tailEnd type="triangle" w="lg" len="lg"/>
+          </a:ln>
+        </p:spPr>
+        <p:style>
+          <a:lnRef idx="2">
+            <a:schemeClr val="accent1"/>
+          </a:lnRef>
+          <a:fillRef idx="0">
+            <a:schemeClr val="accent1"/>
+          </a:fillRef>
+          <a:effectRef idx="1">
+            <a:schemeClr val="accent1"/>
+          </a:effectRef>
+          <a:fontRef idx="minor">
+            <a:schemeClr val="tx1"/>
+          </a:fontRef>
+        </p:style>
+      </p:cxnSp>
+      <p:cxnSp>
+        <p:nvCxnSpPr>
+          <p:cNvPr id="41" name="Straight Arrow Connector 40">
+            <a:extLst>
+              <a:ext uri="{FF2B5EF4-FFF2-40B4-BE49-F238E27FC236}">
+                <a16:creationId xmlns:a16="http://schemas.microsoft.com/office/drawing/2014/main" id="{E6C509DB-6D92-6544-A396-45D034B39DD3}"/>
+              </a:ext>
+            </a:extLst>
+          </p:cNvPr>
+          <p:cNvCxnSpPr>
+            <a:cxnSpLocks/>
+            <a:stCxn id="38" idx="1"/>
+            <a:endCxn id="6" idx="3"/>
+          </p:cNvCxnSpPr>
+          <p:nvPr/>
+        </p:nvCxnSpPr>
+        <p:spPr>
+          <a:xfrm flipH="1">
+            <a:off x="2722365" y="3752273"/>
+            <a:ext cx="597325" cy="0"/>
+          </a:xfrm>
+          <a:prstGeom prst="straightConnector1">
+            <a:avLst/>
+          </a:prstGeom>
+          <a:ln>
+            <a:headEnd type="none" w="lg" len="lg"/>
+            <a:tailEnd type="triangle" w="lg" len="lg"/>
+          </a:ln>
+        </p:spPr>
+        <p:style>
+          <a:lnRef idx="2">
+            <a:schemeClr val="accent1"/>
+          </a:lnRef>
+          <a:fillRef idx="0">
+            <a:schemeClr val="accent1"/>
+          </a:fillRef>
+          <a:effectRef idx="1">
+            <a:schemeClr val="accent1"/>
+          </a:effectRef>
+          <a:fontRef idx="minor">
+            <a:schemeClr val="tx1"/>
+          </a:fontRef>
+        </p:style>
+      </p:cxnSp>
+      <p:cxnSp>
+        <p:nvCxnSpPr>
+          <p:cNvPr id="44" name="Straight Arrow Connector 43">
+            <a:extLst>
+              <a:ext uri="{FF2B5EF4-FFF2-40B4-BE49-F238E27FC236}">
+                <a16:creationId xmlns:a16="http://schemas.microsoft.com/office/drawing/2014/main" id="{9E0AE849-ABF3-6249-8AAD-CAD39177EF69}"/>
+              </a:ext>
+            </a:extLst>
+          </p:cNvPr>
+          <p:cNvCxnSpPr>
+            <a:cxnSpLocks/>
+            <a:endCxn id="37" idx="3"/>
+          </p:cNvCxnSpPr>
+          <p:nvPr/>
+        </p:nvCxnSpPr>
+        <p:spPr>
+          <a:xfrm flipH="1" flipV="1">
+            <a:off x="2710542" y="2695907"/>
+            <a:ext cx="588866" cy="1015874"/>
+          </a:xfrm>
+          <a:prstGeom prst="straightConnector1">
+            <a:avLst/>
+          </a:prstGeom>
+          <a:ln>
+            <a:headEnd type="none" w="lg" len="lg"/>
+            <a:tailEnd type="triangle" w="lg" len="lg"/>
+          </a:ln>
+        </p:spPr>
+        <p:style>
+          <a:lnRef idx="2">
+            <a:schemeClr val="accent1"/>
+          </a:lnRef>
+          <a:fillRef idx="0">
+            <a:schemeClr val="accent1"/>
+          </a:fillRef>
+          <a:effectRef idx="1">
+            <a:schemeClr val="accent1"/>
+          </a:effectRef>
+          <a:fontRef idx="minor">
+            <a:schemeClr val="tx1"/>
+          </a:fontRef>
+        </p:style>
+      </p:cxnSp>
+      <p:sp>
+        <p:nvSpPr>
+          <p:cNvPr id="47" name="Rounded Rectangle 46">
+            <a:extLst>
+              <a:ext uri="{FF2B5EF4-FFF2-40B4-BE49-F238E27FC236}">
+                <a16:creationId xmlns:a16="http://schemas.microsoft.com/office/drawing/2014/main" id="{25B18A7A-3A32-054A-BE7A-226FB2CAA339}"/>
+              </a:ext>
+            </a:extLst>
+          </p:cNvPr>
+          <p:cNvSpPr/>
+          <p:nvPr/>
+        </p:nvSpPr>
+        <p:spPr>
+          <a:xfrm>
+            <a:off x="1366192" y="1402815"/>
+            <a:ext cx="1344349" cy="646546"/>
+          </a:xfrm>
+          <a:prstGeom prst="roundRect">
+            <a:avLst/>
+          </a:prstGeom>
+          <a:solidFill>
+            <a:schemeClr val="accent1">
+              <a:lumMod val="20000"/>
+              <a:lumOff val="80000"/>
+            </a:schemeClr>
+          </a:solidFill>
+        </p:spPr>
+        <p:style>
+          <a:lnRef idx="1">
+            <a:schemeClr val="accent1"/>
+          </a:lnRef>
+          <a:fillRef idx="3">
+            <a:schemeClr val="accent1"/>
+          </a:fillRef>
+          <a:effectRef idx="2">
+            <a:schemeClr val="accent1"/>
+          </a:effectRef>
+          <a:fontRef idx="minor">
+            <a:schemeClr val="lt1"/>
+          </a:fontRef>
+        </p:style>
+        <p:txBody>
+          <a:bodyPr rtlCol="0" anchor="ctr"/>
+          <a:lstStyle/>
+          <a:p>
+            <a:pPr algn="ctr"/>
+            <a:r>
+              <a:rPr lang="en-US" sz="1400" dirty="0">
+                <a:solidFill>
+                  <a:sysClr val="windowText" lastClr="000000"/>
+                </a:solidFill>
+              </a:rPr>
+              <a:t>Location</a:t>
+            </a:r>
+          </a:p>
+        </p:txBody>
+      </p:sp>
+      <p:cxnSp>
+        <p:nvCxnSpPr>
+          <p:cNvPr id="48" name="Straight Arrow Connector 47">
+            <a:extLst>
+              <a:ext uri="{FF2B5EF4-FFF2-40B4-BE49-F238E27FC236}">
+                <a16:creationId xmlns:a16="http://schemas.microsoft.com/office/drawing/2014/main" id="{D35FD5BE-0DCF-1B4B-963D-ECA313618C0E}"/>
+              </a:ext>
+            </a:extLst>
+          </p:cNvPr>
+          <p:cNvCxnSpPr>
+            <a:cxnSpLocks/>
+            <a:endCxn id="47" idx="3"/>
+          </p:cNvCxnSpPr>
+          <p:nvPr/>
+        </p:nvCxnSpPr>
+        <p:spPr>
+          <a:xfrm flipH="1" flipV="1">
+            <a:off x="2710541" y="1726088"/>
+            <a:ext cx="592756" cy="2012336"/>
+          </a:xfrm>
+          <a:prstGeom prst="straightConnector1">
+            <a:avLst/>
+          </a:prstGeom>
+          <a:ln>
+            <a:headEnd type="none" w="lg" len="lg"/>
+            <a:tailEnd type="triangle" w="lg" len="lg"/>
+          </a:ln>
+        </p:spPr>
+        <p:style>
+          <a:lnRef idx="2">
+            <a:schemeClr val="accent1"/>
+          </a:lnRef>
+          <a:fillRef idx="0">
+            <a:schemeClr val="accent1"/>
+          </a:fillRef>
+          <a:effectRef idx="1">
+            <a:schemeClr val="accent1"/>
+          </a:effectRef>
+          <a:fontRef idx="minor">
+            <a:schemeClr val="tx1"/>
+          </a:fontRef>
+        </p:style>
+      </p:cxnSp>
+      <p:cxnSp>
+        <p:nvCxnSpPr>
+          <p:cNvPr id="53" name="Straight Arrow Connector 52">
+            <a:extLst>
+              <a:ext uri="{FF2B5EF4-FFF2-40B4-BE49-F238E27FC236}">
+                <a16:creationId xmlns:a16="http://schemas.microsoft.com/office/drawing/2014/main" id="{24FA3948-4B7F-D344-90E6-2718D65D1AB6}"/>
+              </a:ext>
+            </a:extLst>
+          </p:cNvPr>
+          <p:cNvCxnSpPr>
+            <a:cxnSpLocks/>
+            <a:stCxn id="8" idx="1"/>
+            <a:endCxn id="38" idx="3"/>
+          </p:cNvCxnSpPr>
+          <p:nvPr/>
+        </p:nvCxnSpPr>
+        <p:spPr>
+          <a:xfrm flipH="1">
+            <a:off x="4738890" y="3738424"/>
+            <a:ext cx="585038" cy="13849"/>
+          </a:xfrm>
+          <a:prstGeom prst="straightConnector1">
+            <a:avLst/>
+          </a:prstGeom>
+          <a:ln>
+            <a:headEnd type="none" w="lg" len="lg"/>
+            <a:tailEnd type="triangle" w="lg" len="lg"/>
+          </a:ln>
+        </p:spPr>
+        <p:style>
+          <a:lnRef idx="2">
+            <a:schemeClr val="accent1"/>
+          </a:lnRef>
+          <a:fillRef idx="0">
+            <a:schemeClr val="accent1"/>
+          </a:fillRef>
+          <a:effectRef idx="1">
+            <a:schemeClr val="accent1"/>
+          </a:effectRef>
+          <a:fontRef idx="minor">
+            <a:schemeClr val="tx1"/>
+          </a:fontRef>
+        </p:style>
+      </p:cxnSp>
+      <p:sp>
+        <p:nvSpPr>
+          <p:cNvPr id="76" name="Rectangle 75">
+            <a:extLst>
+              <a:ext uri="{FF2B5EF4-FFF2-40B4-BE49-F238E27FC236}">
+                <a16:creationId xmlns:a16="http://schemas.microsoft.com/office/drawing/2014/main" id="{1034387E-CB48-7844-AA6A-1B3C43174758}"/>
+              </a:ext>
+            </a:extLst>
+          </p:cNvPr>
+          <p:cNvSpPr/>
+          <p:nvPr/>
+        </p:nvSpPr>
+        <p:spPr>
+          <a:xfrm>
+            <a:off x="4805898" y="3461390"/>
+            <a:ext cx="657783" cy="307777"/>
+          </a:xfrm>
+          <a:prstGeom prst="rect">
+            <a:avLst/>
+          </a:prstGeom>
+        </p:spPr>
+        <p:txBody>
+          <a:bodyPr wrap="square">
+            <a:spAutoFit/>
+          </a:bodyPr>
+          <a:lstStyle/>
+          <a:p>
+            <a:r>
+              <a:rPr lang="en-US" sz="1400" dirty="0">
+                <a:solidFill>
+                  <a:srgbClr val="333333"/>
+                </a:solidFill>
+                <a:latin typeface="verdana" panose="020B0604030504040204" pitchFamily="34" charset="0"/>
+              </a:rPr>
+              <a:t>0..1</a:t>
+            </a:r>
+            <a:endParaRPr lang="en-US" sz="1400" dirty="0"/>
+          </a:p>
+        </p:txBody>
+      </p:sp>
+      <p:sp>
+        <p:nvSpPr>
+          <p:cNvPr id="81" name="Rectangle 80">
+            <a:extLst>
+              <a:ext uri="{FF2B5EF4-FFF2-40B4-BE49-F238E27FC236}">
+                <a16:creationId xmlns:a16="http://schemas.microsoft.com/office/drawing/2014/main" id="{2FF346B2-F66B-E543-8EC7-866DBC01F949}"/>
+              </a:ext>
+            </a:extLst>
+          </p:cNvPr>
+          <p:cNvSpPr/>
+          <p:nvPr/>
+        </p:nvSpPr>
+        <p:spPr>
+          <a:xfrm>
+            <a:off x="2838660" y="2244630"/>
+            <a:ext cx="657783" cy="307777"/>
+          </a:xfrm>
+          <a:prstGeom prst="rect">
+            <a:avLst/>
+          </a:prstGeom>
+        </p:spPr>
+        <p:txBody>
+          <a:bodyPr wrap="square">
+            <a:spAutoFit/>
+          </a:bodyPr>
+          <a:lstStyle/>
+          <a:p>
+            <a:r>
+              <a:rPr lang="en-US" sz="1400" dirty="0">
+                <a:solidFill>
+                  <a:srgbClr val="333333"/>
+                </a:solidFill>
+                <a:latin typeface="verdana" panose="020B0604030504040204" pitchFamily="34" charset="0"/>
+              </a:rPr>
+              <a:t>0..1</a:t>
+            </a:r>
+            <a:endParaRPr lang="en-US" sz="1400" dirty="0"/>
+          </a:p>
+        </p:txBody>
+      </p:sp>
+      <p:sp>
+        <p:nvSpPr>
+          <p:cNvPr id="82" name="Rectangle 81">
+            <a:extLst>
+              <a:ext uri="{FF2B5EF4-FFF2-40B4-BE49-F238E27FC236}">
+                <a16:creationId xmlns:a16="http://schemas.microsoft.com/office/drawing/2014/main" id="{597FD607-FF0D-5F49-8B94-7A748D2BFC13}"/>
+              </a:ext>
+            </a:extLst>
+          </p:cNvPr>
+          <p:cNvSpPr/>
+          <p:nvPr/>
+        </p:nvSpPr>
+        <p:spPr>
+          <a:xfrm>
+            <a:off x="2512620" y="3018628"/>
+            <a:ext cx="657783" cy="307777"/>
+          </a:xfrm>
+          <a:prstGeom prst="rect">
+            <a:avLst/>
+          </a:prstGeom>
+        </p:spPr>
+        <p:txBody>
+          <a:bodyPr wrap="square">
+            <a:spAutoFit/>
+          </a:bodyPr>
+          <a:lstStyle/>
+          <a:p>
+            <a:r>
+              <a:rPr lang="en-US" sz="1400" dirty="0">
+                <a:solidFill>
+                  <a:srgbClr val="333333"/>
+                </a:solidFill>
+                <a:latin typeface="verdana" panose="020B0604030504040204" pitchFamily="34" charset="0"/>
+              </a:rPr>
+              <a:t>0..1</a:t>
+            </a:r>
+            <a:endParaRPr lang="en-US" sz="1400" dirty="0"/>
+          </a:p>
+        </p:txBody>
+      </p:sp>
+      <p:sp>
+        <p:nvSpPr>
+          <p:cNvPr id="84" name="Rectangle 83">
+            <a:extLst>
+              <a:ext uri="{FF2B5EF4-FFF2-40B4-BE49-F238E27FC236}">
+                <a16:creationId xmlns:a16="http://schemas.microsoft.com/office/drawing/2014/main" id="{46838F56-876D-9A4D-8E59-DD43F7857E9E}"/>
+              </a:ext>
+            </a:extLst>
+          </p:cNvPr>
+          <p:cNvSpPr/>
+          <p:nvPr/>
+        </p:nvSpPr>
+        <p:spPr>
+          <a:xfrm>
+            <a:off x="2834919" y="4201333"/>
+            <a:ext cx="657783" cy="307777"/>
+          </a:xfrm>
+          <a:prstGeom prst="rect">
+            <a:avLst/>
+          </a:prstGeom>
+        </p:spPr>
+        <p:txBody>
+          <a:bodyPr wrap="square">
+            <a:spAutoFit/>
+          </a:bodyPr>
+          <a:lstStyle/>
+          <a:p>
+            <a:r>
+              <a:rPr lang="en-US" sz="1400" dirty="0">
+                <a:solidFill>
+                  <a:srgbClr val="333333"/>
+                </a:solidFill>
+                <a:latin typeface="verdana" panose="020B0604030504040204" pitchFamily="34" charset="0"/>
+              </a:rPr>
+              <a:t>0..1</a:t>
+            </a:r>
+            <a:endParaRPr lang="en-US" sz="1400" dirty="0"/>
+          </a:p>
+        </p:txBody>
+      </p:sp>
+      <p:sp>
+        <p:nvSpPr>
+          <p:cNvPr id="87" name="Rectangle 86">
+            <a:extLst>
+              <a:ext uri="{FF2B5EF4-FFF2-40B4-BE49-F238E27FC236}">
+                <a16:creationId xmlns:a16="http://schemas.microsoft.com/office/drawing/2014/main" id="{8C49FB79-8AA5-C148-A61C-998177790CA5}"/>
+              </a:ext>
+            </a:extLst>
+          </p:cNvPr>
+          <p:cNvSpPr/>
+          <p:nvPr/>
+        </p:nvSpPr>
+        <p:spPr>
+          <a:xfrm>
+            <a:off x="2760213" y="3477754"/>
+            <a:ext cx="657783" cy="307777"/>
+          </a:xfrm>
+          <a:prstGeom prst="rect">
+            <a:avLst/>
+          </a:prstGeom>
+        </p:spPr>
+        <p:txBody>
+          <a:bodyPr wrap="square">
+            <a:spAutoFit/>
+          </a:bodyPr>
+          <a:lstStyle/>
+          <a:p>
+            <a:r>
+              <a:rPr lang="en-US" sz="1400" dirty="0">
+                <a:solidFill>
+                  <a:srgbClr val="333333"/>
+                </a:solidFill>
+                <a:latin typeface="verdana" panose="020B0604030504040204" pitchFamily="34" charset="0"/>
+              </a:rPr>
+              <a:t>0..1</a:t>
+            </a:r>
+            <a:endParaRPr lang="en-US" sz="1400" dirty="0"/>
           </a:p>
         </p:txBody>
       </p:sp>
     </p:spTree>
     <p:extLst>
       <p:ext uri="{BB962C8B-B14F-4D97-AF65-F5344CB8AC3E}">
-        <p14:creationId xmlns:p14="http://schemas.microsoft.com/office/powerpoint/2010/main" val="529124408"/>
+        <p14:creationId xmlns:p14="http://schemas.microsoft.com/office/powerpoint/2010/main" val="4119426817"/>
       </p:ext>
     </p:extLst>
   </p:cSld>

--- a/pages/Figures.pptx
+++ b/pages/Figures.pptx
@@ -11,7 +11,6 @@
     <p:sldId id="1249" r:id="rId5"/>
     <p:sldId id="1244" r:id="rId6"/>
     <p:sldId id="1250" r:id="rId7"/>
-    <p:sldId id="1251" r:id="rId8"/>
   </p:sldIdLst>
   <p:sldSz cx="12192000" cy="6858000"/>
   <p:notesSz cx="6858000" cy="9144000"/>
@@ -265,7 +264,7 @@
           <a:p>
             <a:fld id="{6D5FDB8C-4C92-0C4C-BA60-9D07FDD2BD7F}" type="datetimeFigureOut">
               <a:rPr lang="en-US" smtClean="0"/>
-              <a:t>8/7/19</a:t>
+              <a:t>8/19/19</a:t>
             </a:fld>
             <a:endParaRPr lang="en-US"/>
           </a:p>
@@ -463,7 +462,7 @@
           <a:p>
             <a:fld id="{6D5FDB8C-4C92-0C4C-BA60-9D07FDD2BD7F}" type="datetimeFigureOut">
               <a:rPr lang="en-US" smtClean="0"/>
-              <a:t>8/7/19</a:t>
+              <a:t>8/19/19</a:t>
             </a:fld>
             <a:endParaRPr lang="en-US"/>
           </a:p>
@@ -671,7 +670,7 @@
           <a:p>
             <a:fld id="{6D5FDB8C-4C92-0C4C-BA60-9D07FDD2BD7F}" type="datetimeFigureOut">
               <a:rPr lang="en-US" smtClean="0"/>
-              <a:t>8/7/19</a:t>
+              <a:t>8/19/19</a:t>
             </a:fld>
             <a:endParaRPr lang="en-US"/>
           </a:p>
@@ -869,7 +868,7 @@
           <a:p>
             <a:fld id="{6D5FDB8C-4C92-0C4C-BA60-9D07FDD2BD7F}" type="datetimeFigureOut">
               <a:rPr lang="en-US" smtClean="0"/>
-              <a:t>8/7/19</a:t>
+              <a:t>8/19/19</a:t>
             </a:fld>
             <a:endParaRPr lang="en-US"/>
           </a:p>
@@ -1144,7 +1143,7 @@
           <a:p>
             <a:fld id="{6D5FDB8C-4C92-0C4C-BA60-9D07FDD2BD7F}" type="datetimeFigureOut">
               <a:rPr lang="en-US" smtClean="0"/>
-              <a:t>8/7/19</a:t>
+              <a:t>8/19/19</a:t>
             </a:fld>
             <a:endParaRPr lang="en-US"/>
           </a:p>
@@ -1409,7 +1408,7 @@
           <a:p>
             <a:fld id="{6D5FDB8C-4C92-0C4C-BA60-9D07FDD2BD7F}" type="datetimeFigureOut">
               <a:rPr lang="en-US" smtClean="0"/>
-              <a:t>8/7/19</a:t>
+              <a:t>8/19/19</a:t>
             </a:fld>
             <a:endParaRPr lang="en-US"/>
           </a:p>
@@ -1821,7 +1820,7 @@
           <a:p>
             <a:fld id="{6D5FDB8C-4C92-0C4C-BA60-9D07FDD2BD7F}" type="datetimeFigureOut">
               <a:rPr lang="en-US" smtClean="0"/>
-              <a:t>8/7/19</a:t>
+              <a:t>8/19/19</a:t>
             </a:fld>
             <a:endParaRPr lang="en-US"/>
           </a:p>
@@ -1962,7 +1961,7 @@
           <a:p>
             <a:fld id="{6D5FDB8C-4C92-0C4C-BA60-9D07FDD2BD7F}" type="datetimeFigureOut">
               <a:rPr lang="en-US" smtClean="0"/>
-              <a:t>8/7/19</a:t>
+              <a:t>8/19/19</a:t>
             </a:fld>
             <a:endParaRPr lang="en-US"/>
           </a:p>
@@ -2075,7 +2074,7 @@
           <a:p>
             <a:fld id="{6D5FDB8C-4C92-0C4C-BA60-9D07FDD2BD7F}" type="datetimeFigureOut">
               <a:rPr lang="en-US" smtClean="0"/>
-              <a:t>8/7/19</a:t>
+              <a:t>8/19/19</a:t>
             </a:fld>
             <a:endParaRPr lang="en-US"/>
           </a:p>
@@ -2386,7 +2385,7 @@
           <a:p>
             <a:fld id="{6D5FDB8C-4C92-0C4C-BA60-9D07FDD2BD7F}" type="datetimeFigureOut">
               <a:rPr lang="en-US" smtClean="0"/>
-              <a:t>8/7/19</a:t>
+              <a:t>8/19/19</a:t>
             </a:fld>
             <a:endParaRPr lang="en-US"/>
           </a:p>
@@ -2674,7 +2673,7 @@
           <a:p>
             <a:fld id="{6D5FDB8C-4C92-0C4C-BA60-9D07FDD2BD7F}" type="datetimeFigureOut">
               <a:rPr lang="en-US" smtClean="0"/>
-              <a:t>8/7/19</a:t>
+              <a:t>8/19/19</a:t>
             </a:fld>
             <a:endParaRPr lang="en-US"/>
           </a:p>
@@ -2915,7 +2914,7 @@
           <a:p>
             <a:fld id="{6D5FDB8C-4C92-0C4C-BA60-9D07FDD2BD7F}" type="datetimeFigureOut">
               <a:rPr lang="en-US" smtClean="0"/>
-              <a:t>8/7/19</a:t>
+              <a:t>8/19/19</a:t>
             </a:fld>
             <a:endParaRPr lang="en-US"/>
           </a:p>
@@ -3378,7 +3377,7 @@
         </p:nvSpPr>
         <p:spPr>
           <a:xfrm>
-            <a:off x="5009882" y="1538346"/>
+            <a:off x="2882908" y="206503"/>
             <a:ext cx="1700458" cy="646546"/>
           </a:xfrm>
           <a:prstGeom prst="roundRect">
@@ -3429,7 +3428,7 @@
         </p:nvSpPr>
         <p:spPr>
           <a:xfrm>
-            <a:off x="5200540" y="3157044"/>
+            <a:off x="3073566" y="1825201"/>
             <a:ext cx="1344349" cy="646546"/>
           </a:xfrm>
           <a:prstGeom prst="roundRect">
@@ -3480,7 +3479,7 @@
         </p:nvSpPr>
         <p:spPr>
           <a:xfrm>
-            <a:off x="2439252" y="4441591"/>
+            <a:off x="312278" y="3109748"/>
             <a:ext cx="1344349" cy="646546"/>
           </a:xfrm>
           <a:prstGeom prst="roundRect">
@@ -3533,7 +3532,7 @@
         </p:nvCxnSpPr>
         <p:spPr>
           <a:xfrm>
-            <a:off x="5860110" y="3825214"/>
+            <a:off x="3733136" y="2493371"/>
             <a:ext cx="0" cy="599493"/>
           </a:xfrm>
           <a:prstGeom prst="straightConnector1">
@@ -3571,7 +3570,7 @@
         </p:nvCxnSpPr>
         <p:spPr>
           <a:xfrm flipH="1">
-            <a:off x="3783601" y="3480317"/>
+            <a:off x="1656627" y="2148474"/>
             <a:ext cx="1416939" cy="1284547"/>
           </a:xfrm>
           <a:prstGeom prst="straightConnector1">
@@ -3608,7 +3607,7 @@
         </p:nvCxnSpPr>
         <p:spPr>
           <a:xfrm flipH="1" flipV="1">
-            <a:off x="5860112" y="2184892"/>
+            <a:off x="3733138" y="853049"/>
             <a:ext cx="12603" cy="972152"/>
           </a:xfrm>
           <a:prstGeom prst="straightConnector1">
@@ -3642,7 +3641,7 @@
         </p:nvSpPr>
         <p:spPr>
           <a:xfrm>
-            <a:off x="7697395" y="3178668"/>
+            <a:off x="5570421" y="1846825"/>
             <a:ext cx="1326335" cy="646546"/>
           </a:xfrm>
           <a:prstGeom prst="roundRect">
@@ -3702,7 +3701,7 @@
         </p:nvCxnSpPr>
         <p:spPr>
           <a:xfrm>
-            <a:off x="6544889" y="3480317"/>
+            <a:off x="4417915" y="2148474"/>
             <a:ext cx="1152506" cy="21624"/>
           </a:xfrm>
           <a:prstGeom prst="straightConnector1">
@@ -3736,7 +3735,7 @@
         </p:nvSpPr>
         <p:spPr>
           <a:xfrm>
-            <a:off x="5127675" y="4441591"/>
+            <a:off x="3000701" y="3109748"/>
             <a:ext cx="1700458" cy="646546"/>
           </a:xfrm>
           <a:prstGeom prst="roundRect">
@@ -3781,10 +3780,10 @@
       </p:sp>
       <p:sp>
         <p:nvSpPr>
-          <p:cNvPr id="7" name="TextBox 6">
-            <a:extLst>
-              <a:ext uri="{FF2B5EF4-FFF2-40B4-BE49-F238E27FC236}">
-                <a16:creationId xmlns:a16="http://schemas.microsoft.com/office/drawing/2014/main" id="{10E83AAA-9A3E-47F3-AE92-BFFF0EF38F6F}"/>
+          <p:cNvPr id="21" name="TextBox 20">
+            <a:extLst>
+              <a:ext uri="{FF2B5EF4-FFF2-40B4-BE49-F238E27FC236}">
+                <a16:creationId xmlns:a16="http://schemas.microsoft.com/office/drawing/2014/main" id="{6A56605E-8AC2-A44D-8BCF-F459E82C954D}"/>
               </a:ext>
             </a:extLst>
           </p:cNvPr>
@@ -3793,63 +3792,7 @@
         </p:nvSpPr>
         <p:spPr>
           <a:xfrm>
-            <a:off x="1519686" y="5270515"/>
-            <a:ext cx="9152628" cy="1200329"/>
-          </a:xfrm>
-          <a:prstGeom prst="rect">
-            <a:avLst/>
-          </a:prstGeom>
-          <a:noFill/>
-        </p:spPr>
-        <p:txBody>
-          <a:bodyPr wrap="square" rtlCol="0">
-            <a:spAutoFit/>
-          </a:bodyPr>
-          <a:lstStyle/>
-          <a:p>
-            <a:pPr marL="342900" indent="-342900">
-              <a:buFont typeface="Arial" panose="020B0604020202020204" pitchFamily="34" charset="0"/>
-              <a:buChar char="•"/>
-            </a:pPr>
-            <a:r>
-              <a:rPr lang="en-US" dirty="0" err="1"/>
-              <a:t>OrganizationAffiliation</a:t>
-            </a:r>
-            <a:r>
-              <a:rPr lang="en-US" dirty="0"/>
-              <a:t> -- represents non-hierarchical relationships between organizations</a:t>
-            </a:r>
-          </a:p>
-          <a:p>
-            <a:pPr marL="800100" lvl="1" indent="-342900">
-              <a:buFont typeface="Arial" panose="020B0604020202020204" pitchFamily="34" charset="0"/>
-              <a:buChar char="•"/>
-            </a:pPr>
-            <a:r>
-              <a:rPr lang="en-US" dirty="0"/>
-              <a:t>E.g. one organization providing services to another, membership in a national organization, joint venture between multiple organizations</a:t>
-            </a:r>
-          </a:p>
-          <a:p>
-            <a:endParaRPr lang="en-US" dirty="0"/>
-          </a:p>
-        </p:txBody>
-      </p:sp>
-      <p:sp>
-        <p:nvSpPr>
-          <p:cNvPr id="21" name="TextBox 20">
-            <a:extLst>
-              <a:ext uri="{FF2B5EF4-FFF2-40B4-BE49-F238E27FC236}">
-                <a16:creationId xmlns:a16="http://schemas.microsoft.com/office/drawing/2014/main" id="{6A56605E-8AC2-A44D-8BCF-F459E82C954D}"/>
-              </a:ext>
-            </a:extLst>
-          </p:cNvPr>
-          <p:cNvSpPr txBox="1"/>
-          <p:nvPr/>
-        </p:nvSpPr>
-        <p:spPr>
-          <a:xfrm>
-            <a:off x="5860111" y="2414006"/>
+            <a:off x="3733137" y="1082163"/>
             <a:ext cx="2108847" cy="369332"/>
           </a:xfrm>
           <a:prstGeom prst="rect">
@@ -3885,7 +3828,7 @@
         </p:nvSpPr>
         <p:spPr>
           <a:xfrm>
-            <a:off x="5202327" y="2473929"/>
+            <a:off x="3075353" y="1142086"/>
             <a:ext cx="657783" cy="307777"/>
           </a:xfrm>
           <a:prstGeom prst="rect">
@@ -3925,7 +3868,7 @@
         </p:nvSpPr>
         <p:spPr>
           <a:xfrm>
-            <a:off x="5872715" y="3886319"/>
+            <a:off x="3745741" y="2554476"/>
             <a:ext cx="2557623" cy="369332"/>
           </a:xfrm>
           <a:prstGeom prst="rect">
@@ -3961,7 +3904,7 @@
         </p:nvSpPr>
         <p:spPr>
           <a:xfrm>
-            <a:off x="5214931" y="3946242"/>
+            <a:off x="3087957" y="2614399"/>
             <a:ext cx="657783" cy="307777"/>
           </a:xfrm>
           <a:prstGeom prst="rect">
@@ -4001,7 +3944,7 @@
         </p:nvSpPr>
         <p:spPr>
           <a:xfrm>
-            <a:off x="6859857" y="3178034"/>
+            <a:off x="4732883" y="1846191"/>
             <a:ext cx="657783" cy="307777"/>
           </a:xfrm>
           <a:prstGeom prst="rect">
@@ -4041,7 +3984,7 @@
         </p:nvSpPr>
         <p:spPr>
           <a:xfrm>
-            <a:off x="2392170" y="3176298"/>
+            <a:off x="265196" y="1844455"/>
             <a:ext cx="1344349" cy="646546"/>
           </a:xfrm>
           <a:prstGeom prst="roundRect">
@@ -4079,7 +4022,7 @@
                   <a:sysClr val="windowText" lastClr="000000"/>
                 </a:solidFill>
               </a:rPr>
-              <a:t>Network</a:t>
+              <a:t>Endpoint</a:t>
             </a:r>
           </a:p>
         </p:txBody>
@@ -4102,7 +4045,7 @@
         </p:nvCxnSpPr>
         <p:spPr>
           <a:xfrm flipH="1">
-            <a:off x="3736519" y="3480317"/>
+            <a:off x="1609545" y="2148474"/>
             <a:ext cx="1464021" cy="19254"/>
           </a:xfrm>
           <a:prstGeom prst="straightConnector1">
@@ -4142,7 +4085,7 @@
         </p:nvSpPr>
         <p:spPr>
           <a:xfrm>
-            <a:off x="4139638" y="3206560"/>
+            <a:off x="2012664" y="1874717"/>
             <a:ext cx="657783" cy="307777"/>
           </a:xfrm>
           <a:prstGeom prst="rect">
@@ -4182,7 +4125,7 @@
         </p:nvSpPr>
         <p:spPr>
           <a:xfrm>
-            <a:off x="4027558" y="3932410"/>
+            <a:off x="1900584" y="2600567"/>
             <a:ext cx="657783" cy="307777"/>
           </a:xfrm>
           <a:prstGeom prst="rect">
@@ -4222,7 +4165,7 @@
         </p:nvSpPr>
         <p:spPr>
           <a:xfrm>
-            <a:off x="2444641" y="1660124"/>
+            <a:off x="317667" y="328281"/>
             <a:ext cx="1344349" cy="646546"/>
           </a:xfrm>
           <a:prstGeom prst="roundRect">
@@ -4279,7 +4222,7 @@
         </p:nvSpPr>
         <p:spPr>
           <a:xfrm>
-            <a:off x="3885867" y="2581717"/>
+            <a:off x="1758893" y="1249874"/>
             <a:ext cx="657783" cy="307777"/>
           </a:xfrm>
           <a:prstGeom prst="rect">
@@ -4322,7 +4265,7 @@
         </p:nvCxnSpPr>
         <p:spPr>
           <a:xfrm flipH="1" flipV="1">
-            <a:off x="3760060" y="1996385"/>
+            <a:off x="1633086" y="664542"/>
             <a:ext cx="1440480" cy="1483932"/>
           </a:xfrm>
           <a:prstGeom prst="straightConnector1">
@@ -4392,7 +4335,7 @@
         </p:nvSpPr>
         <p:spPr>
           <a:xfrm>
-            <a:off x="4950743" y="3429000"/>
+            <a:off x="2207543" y="1749287"/>
             <a:ext cx="1326335" cy="646546"/>
           </a:xfrm>
           <a:prstGeom prst="roundRect">
@@ -4454,7 +4397,7 @@
         </p:nvSpPr>
         <p:spPr>
           <a:xfrm>
-            <a:off x="3102339" y="1913298"/>
+            <a:off x="359139" y="233585"/>
             <a:ext cx="1700458" cy="646546"/>
           </a:xfrm>
           <a:prstGeom prst="roundRect">
@@ -4522,7 +4465,7 @@
         </p:nvSpPr>
         <p:spPr>
           <a:xfrm>
-            <a:off x="6277078" y="1997184"/>
+            <a:off x="3533878" y="317471"/>
             <a:ext cx="1700458" cy="646546"/>
           </a:xfrm>
           <a:prstGeom prst="roundRect">
@@ -4590,7 +4533,7 @@
         </p:nvSpPr>
         <p:spPr>
           <a:xfrm>
-            <a:off x="4754223" y="5423169"/>
+            <a:off x="2011023" y="3743456"/>
             <a:ext cx="1700458" cy="646546"/>
           </a:xfrm>
           <a:prstGeom prst="roundRect">
@@ -4651,7 +4594,7 @@
         </p:nvCxnSpPr>
         <p:spPr>
           <a:xfrm flipH="1">
-            <a:off x="5604452" y="4075546"/>
+            <a:off x="2861252" y="2395833"/>
             <a:ext cx="9459" cy="1347623"/>
           </a:xfrm>
           <a:prstGeom prst="straightConnector1">
@@ -4693,7 +4636,7 @@
         </p:nvCxnSpPr>
         <p:spPr>
           <a:xfrm flipV="1">
-            <a:off x="5604452" y="2643730"/>
+            <a:off x="2861252" y="964017"/>
             <a:ext cx="1243609" cy="830371"/>
           </a:xfrm>
           <a:prstGeom prst="straightConnector1">
@@ -4735,7 +4678,7 @@
         </p:nvCxnSpPr>
         <p:spPr>
           <a:xfrm flipH="1" flipV="1">
-            <a:off x="4134678" y="2621180"/>
+            <a:off x="1391478" y="941467"/>
             <a:ext cx="1469774" cy="807821"/>
           </a:xfrm>
           <a:prstGeom prst="straightConnector1">
@@ -4775,7 +4718,7 @@
         </p:nvSpPr>
         <p:spPr>
           <a:xfrm>
-            <a:off x="4754223" y="2717313"/>
+            <a:off x="2011023" y="1037600"/>
             <a:ext cx="657783" cy="307777"/>
           </a:xfrm>
           <a:prstGeom prst="rect">
@@ -4815,7 +4758,7 @@
         </p:nvSpPr>
         <p:spPr>
           <a:xfrm>
-            <a:off x="5895105" y="2717312"/>
+            <a:off x="3151905" y="1037599"/>
             <a:ext cx="657783" cy="307777"/>
           </a:xfrm>
           <a:prstGeom prst="rect">
@@ -4855,7 +4798,7 @@
         </p:nvSpPr>
         <p:spPr>
           <a:xfrm>
-            <a:off x="3601236" y="2897553"/>
+            <a:off x="858036" y="1217840"/>
             <a:ext cx="1056764" cy="369332"/>
           </a:xfrm>
           <a:prstGeom prst="rect">
@@ -4891,7 +4834,7 @@
         </p:nvSpPr>
         <p:spPr>
           <a:xfrm>
-            <a:off x="4095292" y="4643915"/>
+            <a:off x="1352092" y="2964202"/>
             <a:ext cx="1463414" cy="369332"/>
           </a:xfrm>
           <a:prstGeom prst="rect">
@@ -4927,7 +4870,7 @@
         </p:nvSpPr>
         <p:spPr>
           <a:xfrm>
-            <a:off x="5705404" y="4705470"/>
+            <a:off x="2962204" y="3025757"/>
             <a:ext cx="657783" cy="307777"/>
           </a:xfrm>
           <a:prstGeom prst="rect">
@@ -4967,7 +4910,7 @@
         </p:nvSpPr>
         <p:spPr>
           <a:xfrm>
-            <a:off x="6376396" y="3100609"/>
+            <a:off x="3633196" y="1420896"/>
             <a:ext cx="1647502" cy="369332"/>
           </a:xfrm>
           <a:prstGeom prst="rect">
@@ -5033,7 +4976,7 @@
         </p:nvSpPr>
         <p:spPr>
           <a:xfrm>
-            <a:off x="4950743" y="3429000"/>
+            <a:off x="617282" y="1689652"/>
             <a:ext cx="1326335" cy="646546"/>
           </a:xfrm>
           <a:prstGeom prst="roundRect">
@@ -5105,7 +5048,7 @@
         </p:nvSpPr>
         <p:spPr>
           <a:xfrm>
-            <a:off x="4763681" y="1921664"/>
+            <a:off x="430220" y="182316"/>
             <a:ext cx="1700458" cy="646546"/>
           </a:xfrm>
           <a:prstGeom prst="roundRect">
@@ -5173,7 +5116,7 @@
         </p:nvSpPr>
         <p:spPr>
           <a:xfrm>
-            <a:off x="4754223" y="4743089"/>
+            <a:off x="420762" y="3003741"/>
             <a:ext cx="1700458" cy="646546"/>
           </a:xfrm>
           <a:prstGeom prst="roundRect">
@@ -5234,7 +5177,7 @@
         </p:nvCxnSpPr>
         <p:spPr>
           <a:xfrm flipH="1">
-            <a:off x="5604452" y="4075546"/>
+            <a:off x="1270991" y="2336198"/>
             <a:ext cx="9459" cy="667543"/>
           </a:xfrm>
           <a:prstGeom prst="straightConnector1">
@@ -5277,7 +5220,7 @@
         </p:nvCxnSpPr>
         <p:spPr>
           <a:xfrm flipV="1">
-            <a:off x="5604452" y="2568210"/>
+            <a:off x="1270991" y="828862"/>
             <a:ext cx="9458" cy="905892"/>
           </a:xfrm>
           <a:prstGeom prst="straightConnector1">
@@ -5317,7 +5260,7 @@
         </p:nvSpPr>
         <p:spPr>
           <a:xfrm>
-            <a:off x="5705085" y="2740627"/>
+            <a:off x="1371624" y="1001279"/>
             <a:ext cx="657783" cy="307777"/>
           </a:xfrm>
           <a:prstGeom prst="rect">
@@ -5357,7 +5300,7 @@
         </p:nvSpPr>
         <p:spPr>
           <a:xfrm>
-            <a:off x="5705086" y="4255429"/>
+            <a:off x="1371625" y="2516081"/>
             <a:ext cx="657783" cy="307777"/>
           </a:xfrm>
           <a:prstGeom prst="rect">
@@ -5397,7 +5340,7 @@
         </p:nvSpPr>
         <p:spPr>
           <a:xfrm>
-            <a:off x="4458206" y="2695311"/>
+            <a:off x="124745" y="955963"/>
             <a:ext cx="1246880" cy="369332"/>
           </a:xfrm>
           <a:prstGeom prst="rect">
@@ -5433,7 +5376,7 @@
         </p:nvSpPr>
         <p:spPr>
           <a:xfrm>
-            <a:off x="6930787" y="3429000"/>
+            <a:off x="2597326" y="1689652"/>
             <a:ext cx="1700458" cy="646546"/>
           </a:xfrm>
           <a:prstGeom prst="roundRect">
@@ -5493,7 +5436,7 @@
         </p:nvCxnSpPr>
         <p:spPr>
           <a:xfrm>
-            <a:off x="6298084" y="3741774"/>
+            <a:off x="1964623" y="2002426"/>
             <a:ext cx="632703" cy="10499"/>
           </a:xfrm>
           <a:prstGeom prst="straightConnector1">
@@ -5533,7 +5476,7 @@
         </p:nvSpPr>
         <p:spPr>
           <a:xfrm>
-            <a:off x="6354755" y="3433997"/>
+            <a:off x="2021294" y="1694649"/>
             <a:ext cx="657783" cy="307777"/>
           </a:xfrm>
           <a:prstGeom prst="rect">
@@ -5603,7 +5546,7 @@
         </p:nvSpPr>
         <p:spPr>
           <a:xfrm>
-            <a:off x="4950743" y="3429000"/>
+            <a:off x="865761" y="1808922"/>
             <a:ext cx="1326335" cy="646546"/>
           </a:xfrm>
           <a:prstGeom prst="roundRect">
@@ -5660,7 +5603,7 @@
         </p:nvSpPr>
         <p:spPr>
           <a:xfrm>
-            <a:off x="4763681" y="1921664"/>
+            <a:off x="678699" y="301586"/>
             <a:ext cx="1700458" cy="646546"/>
           </a:xfrm>
           <a:prstGeom prst="roundRect">
@@ -5728,7 +5671,7 @@
         </p:nvSpPr>
         <p:spPr>
           <a:xfrm>
-            <a:off x="4754223" y="4743089"/>
+            <a:off x="669241" y="3123011"/>
             <a:ext cx="1700458" cy="646546"/>
           </a:xfrm>
           <a:prstGeom prst="roundRect">
@@ -5789,7 +5732,7 @@
         </p:nvCxnSpPr>
         <p:spPr>
           <a:xfrm flipH="1">
-            <a:off x="5604452" y="4075546"/>
+            <a:off x="1519470" y="2455468"/>
             <a:ext cx="9459" cy="667543"/>
           </a:xfrm>
           <a:prstGeom prst="straightConnector1">
@@ -5832,7 +5775,7 @@
         </p:nvCxnSpPr>
         <p:spPr>
           <a:xfrm flipV="1">
-            <a:off x="5604452" y="2568210"/>
+            <a:off x="1519470" y="948132"/>
             <a:ext cx="9458" cy="905892"/>
           </a:xfrm>
           <a:prstGeom prst="straightConnector1">
@@ -5872,7 +5815,7 @@
         </p:nvSpPr>
         <p:spPr>
           <a:xfrm>
-            <a:off x="5705085" y="2740627"/>
+            <a:off x="1620103" y="1120549"/>
             <a:ext cx="657783" cy="307777"/>
           </a:xfrm>
           <a:prstGeom prst="rect">
@@ -5912,7 +5855,7 @@
         </p:nvSpPr>
         <p:spPr>
           <a:xfrm>
-            <a:off x="5705086" y="4255429"/>
+            <a:off x="1620104" y="2635351"/>
             <a:ext cx="657783" cy="307777"/>
           </a:xfrm>
           <a:prstGeom prst="rect">
@@ -5952,7 +5895,7 @@
         </p:nvSpPr>
         <p:spPr>
           <a:xfrm>
-            <a:off x="4749975" y="2697387"/>
+            <a:off x="664993" y="1077309"/>
             <a:ext cx="797013" cy="369332"/>
           </a:xfrm>
           <a:prstGeom prst="rect">
@@ -5988,7 +5931,7 @@
         </p:nvSpPr>
         <p:spPr>
           <a:xfrm>
-            <a:off x="6930787" y="3429000"/>
+            <a:off x="2845805" y="1808922"/>
             <a:ext cx="1700458" cy="646546"/>
           </a:xfrm>
           <a:prstGeom prst="roundRect">
@@ -6048,7 +5991,7 @@
         </p:nvCxnSpPr>
         <p:spPr>
           <a:xfrm>
-            <a:off x="6298084" y="3741774"/>
+            <a:off x="2213102" y="2121696"/>
             <a:ext cx="632703" cy="10499"/>
           </a:xfrm>
           <a:prstGeom prst="straightConnector1">
@@ -6088,7 +6031,7 @@
         </p:nvSpPr>
         <p:spPr>
           <a:xfrm>
-            <a:off x="6354755" y="3433997"/>
+            <a:off x="2269773" y="1813919"/>
             <a:ext cx="657783" cy="307777"/>
           </a:xfrm>
           <a:prstGeom prst="rect">
@@ -6195,7 +6138,7 @@
         </p:nvSpPr>
         <p:spPr>
           <a:xfrm>
-            <a:off x="5323928" y="3415151"/>
+            <a:off x="533267" y="2133003"/>
             <a:ext cx="1344349" cy="646546"/>
           </a:xfrm>
           <a:prstGeom prst="roundRect">
@@ -6257,7 +6200,7 @@
         </p:nvCxnSpPr>
         <p:spPr>
           <a:xfrm flipH="1" flipV="1">
-            <a:off x="5971049" y="2144161"/>
+            <a:off x="1180388" y="862013"/>
             <a:ext cx="25054" cy="1270990"/>
           </a:xfrm>
           <a:prstGeom prst="straightConnector1">
@@ -6294,7 +6237,7 @@
         </p:nvCxnSpPr>
         <p:spPr>
           <a:xfrm>
-            <a:off x="5996103" y="4061697"/>
+            <a:off x="1205442" y="2779549"/>
             <a:ext cx="0" cy="975415"/>
           </a:xfrm>
           <a:prstGeom prst="straightConnector1">
@@ -6328,7 +6271,7 @@
         </p:nvSpPr>
         <p:spPr>
           <a:xfrm>
-            <a:off x="5307881" y="1497615"/>
+            <a:off x="517220" y="215467"/>
             <a:ext cx="1326335" cy="646546"/>
           </a:xfrm>
           <a:prstGeom prst="roundRect">
@@ -6384,7 +6327,7 @@
         </p:nvSpPr>
         <p:spPr>
           <a:xfrm>
-            <a:off x="5323928" y="5037112"/>
+            <a:off x="533267" y="3754964"/>
             <a:ext cx="1344349" cy="646546"/>
           </a:xfrm>
           <a:prstGeom prst="roundRect">
@@ -6441,7 +6384,7 @@
         </p:nvSpPr>
         <p:spPr>
           <a:xfrm>
-            <a:off x="7340336" y="3523800"/>
+            <a:off x="2549675" y="2241652"/>
             <a:ext cx="1326335" cy="646546"/>
           </a:xfrm>
           <a:prstGeom prst="roundRect">
@@ -6503,7 +6446,7 @@
         </p:nvSpPr>
         <p:spPr>
           <a:xfrm>
-            <a:off x="7378184" y="4613698"/>
+            <a:off x="2587523" y="3331550"/>
             <a:ext cx="1326335" cy="646546"/>
           </a:xfrm>
           <a:prstGeom prst="roundRect">
@@ -6562,7 +6505,7 @@
         </p:nvCxnSpPr>
         <p:spPr>
           <a:xfrm>
-            <a:off x="6692396" y="3809659"/>
+            <a:off x="1901735" y="2527511"/>
             <a:ext cx="597325" cy="0"/>
           </a:xfrm>
           <a:prstGeom prst="straightConnector1">
@@ -6602,7 +6545,7 @@
         </p:nvSpPr>
         <p:spPr>
           <a:xfrm>
-            <a:off x="7319506" y="2294464"/>
+            <a:off x="2528845" y="1012316"/>
             <a:ext cx="1344349" cy="646546"/>
           </a:xfrm>
           <a:prstGeom prst="roundRect">
@@ -6662,7 +6605,7 @@
         </p:nvCxnSpPr>
         <p:spPr>
           <a:xfrm flipV="1">
-            <a:off x="6680572" y="2617737"/>
+            <a:off x="1889911" y="1335589"/>
             <a:ext cx="638934" cy="1178074"/>
           </a:xfrm>
           <a:prstGeom prst="straightConnector1">
@@ -6705,7 +6648,7 @@
         </p:nvCxnSpPr>
         <p:spPr>
           <a:xfrm>
-            <a:off x="6680573" y="3850152"/>
+            <a:off x="1889912" y="2568004"/>
             <a:ext cx="697611" cy="1086819"/>
           </a:xfrm>
           <a:prstGeom prst="straightConnector1">
@@ -6745,7 +6688,7 @@
         </p:nvSpPr>
         <p:spPr>
           <a:xfrm>
-            <a:off x="6540026" y="4399427"/>
+            <a:off x="1749365" y="3117279"/>
             <a:ext cx="657783" cy="307777"/>
           </a:xfrm>
           <a:prstGeom prst="rect">
@@ -6785,7 +6728,7 @@
         </p:nvSpPr>
         <p:spPr>
           <a:xfrm>
-            <a:off x="5463164" y="4378364"/>
+            <a:off x="672503" y="3096216"/>
             <a:ext cx="657783" cy="307777"/>
           </a:xfrm>
           <a:prstGeom prst="rect">
@@ -6825,7 +6768,7 @@
         </p:nvSpPr>
         <p:spPr>
           <a:xfrm>
-            <a:off x="6682553" y="2563396"/>
+            <a:off x="1891892" y="1281248"/>
             <a:ext cx="657783" cy="307777"/>
           </a:xfrm>
           <a:prstGeom prst="rect">
@@ -6865,7 +6808,7 @@
         </p:nvSpPr>
         <p:spPr>
           <a:xfrm>
-            <a:off x="6759521" y="3522129"/>
+            <a:off x="1968860" y="2239981"/>
             <a:ext cx="657783" cy="307777"/>
           </a:xfrm>
           <a:prstGeom prst="rect">
@@ -6905,7 +6848,7 @@
         </p:nvSpPr>
         <p:spPr>
           <a:xfrm>
-            <a:off x="5514039" y="2731251"/>
+            <a:off x="723378" y="1449103"/>
             <a:ext cx="657783" cy="307777"/>
           </a:xfrm>
           <a:prstGeom prst="rect">
@@ -6947,7 +6890,7 @@
         </p:nvCxnSpPr>
         <p:spPr>
           <a:xfrm>
-            <a:off x="7938100" y="4170346"/>
+            <a:off x="3147439" y="2888198"/>
             <a:ext cx="0" cy="443352"/>
           </a:xfrm>
           <a:prstGeom prst="straightConnector1">
@@ -6973,6 +6916,46 @@
           </a:fontRef>
         </p:style>
       </p:cxnSp>
+      <p:sp>
+        <p:nvSpPr>
+          <p:cNvPr id="20" name="Rectangle 19">
+            <a:extLst>
+              <a:ext uri="{FF2B5EF4-FFF2-40B4-BE49-F238E27FC236}">
+                <a16:creationId xmlns:a16="http://schemas.microsoft.com/office/drawing/2014/main" id="{0A243EA5-BA9C-1F44-BF72-196411D94083}"/>
+              </a:ext>
+            </a:extLst>
+          </p:cNvPr>
+          <p:cNvSpPr/>
+          <p:nvPr/>
+        </p:nvSpPr>
+        <p:spPr>
+          <a:xfrm>
+            <a:off x="3182833" y="2942327"/>
+            <a:ext cx="657783" cy="307777"/>
+          </a:xfrm>
+          <a:prstGeom prst="rect">
+            <a:avLst/>
+          </a:prstGeom>
+        </p:spPr>
+        <p:txBody>
+          <a:bodyPr wrap="square">
+            <a:spAutoFit/>
+          </a:bodyPr>
+          <a:lstStyle/>
+          <a:p>
+            <a:r>
+              <a:rPr lang="en-US" sz="1400" dirty="0">
+                <a:solidFill>
+                  <a:srgbClr val="333333"/>
+                </a:solidFill>
+                <a:latin typeface="verdana" panose="020B0604030504040204" pitchFamily="34" charset="0"/>
+              </a:rPr>
+              <a:t>1..1</a:t>
+            </a:r>
+            <a:endParaRPr lang="en-US" sz="1400" dirty="0"/>
+          </a:p>
+        </p:txBody>
+      </p:sp>
     </p:spTree>
     <p:extLst>
       <p:ext uri="{BB962C8B-B14F-4D97-AF65-F5344CB8AC3E}">
@@ -7054,7 +7037,7 @@
         </p:nvSpPr>
         <p:spPr>
           <a:xfrm>
-            <a:off x="5323928" y="3415151"/>
+            <a:off x="692293" y="2103186"/>
             <a:ext cx="1344349" cy="646546"/>
           </a:xfrm>
           <a:prstGeom prst="roundRect">
@@ -7105,7 +7088,7 @@
         </p:nvCxnSpPr>
         <p:spPr>
           <a:xfrm flipH="1" flipV="1">
-            <a:off x="5971049" y="2144161"/>
+            <a:off x="1339414" y="832196"/>
             <a:ext cx="25054" cy="1270990"/>
           </a:xfrm>
           <a:prstGeom prst="straightConnector1">
@@ -7142,7 +7125,7 @@
         </p:nvCxnSpPr>
         <p:spPr>
           <a:xfrm>
-            <a:off x="5996103" y="4061697"/>
+            <a:off x="1364468" y="2749732"/>
             <a:ext cx="0" cy="975415"/>
           </a:xfrm>
           <a:prstGeom prst="straightConnector1">
@@ -7176,7 +7159,7 @@
         </p:nvSpPr>
         <p:spPr>
           <a:xfrm>
-            <a:off x="5307881" y="1497615"/>
+            <a:off x="676246" y="185650"/>
             <a:ext cx="1326335" cy="646546"/>
           </a:xfrm>
           <a:prstGeom prst="roundRect">
@@ -7232,7 +7215,7 @@
         </p:nvSpPr>
         <p:spPr>
           <a:xfrm>
-            <a:off x="5323928" y="5037112"/>
+            <a:off x="692293" y="3725147"/>
             <a:ext cx="1344349" cy="646546"/>
           </a:xfrm>
           <a:prstGeom prst="roundRect">
@@ -7289,7 +7272,7 @@
         </p:nvSpPr>
         <p:spPr>
           <a:xfrm>
-            <a:off x="5463164" y="4378364"/>
+            <a:off x="831529" y="3066399"/>
             <a:ext cx="657783" cy="307777"/>
           </a:xfrm>
           <a:prstGeom prst="rect">
@@ -7329,7 +7312,7 @@
         </p:nvSpPr>
         <p:spPr>
           <a:xfrm>
-            <a:off x="4805898" y="3461390"/>
+            <a:off x="174263" y="2149425"/>
             <a:ext cx="657783" cy="307777"/>
           </a:xfrm>
           <a:prstGeom prst="rect">
@@ -7369,7 +7352,7 @@
         </p:nvSpPr>
         <p:spPr>
           <a:xfrm>
-            <a:off x="5514039" y="2731251"/>
+            <a:off x="882404" y="1419286"/>
             <a:ext cx="657783" cy="307777"/>
           </a:xfrm>
           <a:prstGeom prst="rect">
@@ -7409,7 +7392,7 @@
         </p:nvSpPr>
         <p:spPr>
           <a:xfrm>
-            <a:off x="6039517" y="2750808"/>
+            <a:off x="1407882" y="1438843"/>
             <a:ext cx="827192" cy="307777"/>
           </a:xfrm>
           <a:prstGeom prst="rect">
@@ -7439,126 +7422,6 @@
     <p:extLst>
       <p:ext uri="{BB962C8B-B14F-4D97-AF65-F5344CB8AC3E}">
         <p14:creationId xmlns:p14="http://schemas.microsoft.com/office/powerpoint/2010/main" val="3955916935"/>
-      </p:ext>
-    </p:extLst>
-  </p:cSld>
-  <p:clrMapOvr>
-    <a:masterClrMapping/>
-  </p:clrMapOvr>
-</p:sld>
-</file>
-
-<file path=ppt/slides/slide7.xml><?xml version="1.0" encoding="utf-8"?>
-<p:sld xmlns:a="http://schemas.openxmlformats.org/drawingml/2006/main" xmlns:r="http://schemas.openxmlformats.org/officeDocument/2006/relationships" xmlns:p="http://schemas.openxmlformats.org/presentationml/2006/main">
-  <p:cSld>
-    <p:spTree>
-      <p:nvGrpSpPr>
-        <p:cNvPr id="1" name=""/>
-        <p:cNvGrpSpPr/>
-        <p:nvPr/>
-      </p:nvGrpSpPr>
-      <p:grpSpPr>
-        <a:xfrm>
-          <a:off x="0" y="0"/>
-          <a:ext cx="0" cy="0"/>
-          <a:chOff x="0" y="0"/>
-          <a:chExt cx="0" cy="0"/>
-        </a:xfrm>
-      </p:grpSpPr>
-      <p:sp>
-        <p:nvSpPr>
-          <p:cNvPr id="4" name="Slide Number Placeholder 3"/>
-          <p:cNvSpPr>
-            <a:spLocks noGrp="1"/>
-          </p:cNvSpPr>
-          <p:nvPr>
-            <p:ph type="sldNum" sz="quarter" idx="12"/>
-          </p:nvPr>
-        </p:nvSpPr>
-        <p:spPr>
-          <a:xfrm>
-            <a:off x="8610600" y="6356350"/>
-            <a:ext cx="2743200" cy="365125"/>
-          </a:xfrm>
-        </p:spPr>
-        <p:txBody>
-          <a:bodyPr/>
-          <a:lstStyle/>
-          <a:p>
-            <a:fld id="{22FFB6AE-E1BF-994E-8E90-6BA7B36DE5DD}" type="slidenum">
-              <a:rPr lang="en-US" smtClean="0">
-                <a:solidFill>
-                  <a:srgbClr val="3C3C3B">
-                    <a:lumMod val="50000"/>
-                    <a:lumOff val="50000"/>
-                  </a:srgbClr>
-                </a:solidFill>
-              </a:rPr>
-              <a:pPr/>
-              <a:t>7</a:t>
-            </a:fld>
-            <a:endParaRPr lang="en-US" dirty="0">
-              <a:solidFill>
-                <a:srgbClr val="3C3C3B">
-                  <a:lumMod val="50000"/>
-                  <a:lumOff val="50000"/>
-                </a:srgbClr>
-              </a:solidFill>
-            </a:endParaRPr>
-          </a:p>
-        </p:txBody>
-      </p:sp>
-      <p:sp>
-        <p:nvSpPr>
-          <p:cNvPr id="8" name="Rounded Rectangle 7"/>
-          <p:cNvSpPr/>
-          <p:nvPr/>
-        </p:nvSpPr>
-        <p:spPr>
-          <a:xfrm>
-            <a:off x="5323928" y="3415151"/>
-            <a:ext cx="1344349" cy="646546"/>
-          </a:xfrm>
-          <a:prstGeom prst="roundRect">
-            <a:avLst/>
-          </a:prstGeom>
-          <a:noFill/>
-          <a:ln w="38100"/>
-        </p:spPr>
-        <p:style>
-          <a:lnRef idx="1">
-            <a:schemeClr val="accent1"/>
-          </a:lnRef>
-          <a:fillRef idx="3">
-            <a:schemeClr val="accent1"/>
-          </a:fillRef>
-          <a:effectRef idx="2">
-            <a:schemeClr val="accent1"/>
-          </a:effectRef>
-          <a:fontRef idx="minor">
-            <a:schemeClr val="lt1"/>
-          </a:fontRef>
-        </p:style>
-        <p:txBody>
-          <a:bodyPr rtlCol="0" anchor="ctr"/>
-          <a:lstStyle/>
-          <a:p>
-            <a:pPr algn="ctr"/>
-            <a:r>
-              <a:rPr lang="en-US" sz="1600" dirty="0">
-                <a:solidFill>
-                  <a:sysClr val="windowText" lastClr="000000"/>
-                </a:solidFill>
-              </a:rPr>
-              <a:t>Practitioner</a:t>
-            </a:r>
-          </a:p>
-        </p:txBody>
-      </p:sp>
-    </p:spTree>
-    <p:extLst>
-      <p:ext uri="{BB962C8B-B14F-4D97-AF65-F5344CB8AC3E}">
-        <p14:creationId xmlns:p14="http://schemas.microsoft.com/office/powerpoint/2010/main" val="4119426817"/>
       </p:ext>
     </p:extLst>
   </p:cSld>

--- a/pages/Figures.pptx
+++ b/pages/Figures.pptx
@@ -11,6 +11,7 @@
     <p:sldId id="1249" r:id="rId5"/>
     <p:sldId id="1244" r:id="rId6"/>
     <p:sldId id="1250" r:id="rId7"/>
+    <p:sldId id="1251" r:id="rId8"/>
   </p:sldIdLst>
   <p:sldSz cx="12192000" cy="6858000"/>
   <p:notesSz cx="6858000" cy="9144000"/>
@@ -7431,6 +7432,318 @@
 </p:sld>
 </file>
 
+<file path=ppt/slides/slide7.xml><?xml version="1.0" encoding="utf-8"?>
+<p:sld xmlns:a="http://schemas.openxmlformats.org/drawingml/2006/main" xmlns:r="http://schemas.openxmlformats.org/officeDocument/2006/relationships" xmlns:p="http://schemas.openxmlformats.org/presentationml/2006/main">
+  <p:cSld>
+    <p:spTree>
+      <p:nvGrpSpPr>
+        <p:cNvPr id="1" name=""/>
+        <p:cNvGrpSpPr/>
+        <p:nvPr/>
+      </p:nvGrpSpPr>
+      <p:grpSpPr>
+        <a:xfrm>
+          <a:off x="0" y="0"/>
+          <a:ext cx="0" cy="0"/>
+          <a:chOff x="0" y="0"/>
+          <a:chExt cx="0" cy="0"/>
+        </a:xfrm>
+      </p:grpSpPr>
+      <p:sp>
+        <p:nvSpPr>
+          <p:cNvPr id="4" name="Rectangle 3">
+            <a:extLst>
+              <a:ext uri="{FF2B5EF4-FFF2-40B4-BE49-F238E27FC236}">
+                <a16:creationId xmlns:a16="http://schemas.microsoft.com/office/drawing/2014/main" id="{2A184310-D865-444D-884D-17F5D97E9500}"/>
+              </a:ext>
+            </a:extLst>
+          </p:cNvPr>
+          <p:cNvSpPr/>
+          <p:nvPr/>
+        </p:nvSpPr>
+        <p:spPr>
+          <a:xfrm>
+            <a:off x="3048000" y="3105835"/>
+            <a:ext cx="6096000" cy="646331"/>
+          </a:xfrm>
+          <a:prstGeom prst="rect">
+            <a:avLst/>
+          </a:prstGeom>
+        </p:spPr>
+        <p:txBody>
+          <a:bodyPr>
+            <a:spAutoFit/>
+          </a:bodyPr>
+          <a:lstStyle/>
+          <a:p>
+            <a:r>
+              <a:rPr lang="en-US" dirty="0" err="1">
+                <a:solidFill>
+                  <a:srgbClr val="FFFFFF"/>
+                </a:solidFill>
+                <a:latin typeface="Menlo" panose="020B0609030804020204" pitchFamily="49" charset="0"/>
+              </a:rPr>
+              <a:t>SearchParameter</a:t>
+            </a:r>
+            <a:r>
+              <a:rPr lang="en-US" dirty="0">
+                <a:solidFill>
+                  <a:srgbClr val="FFFFFF"/>
+                </a:solidFill>
+                <a:latin typeface="Menlo" panose="020B0609030804020204" pitchFamily="49" charset="0"/>
+              </a:rPr>
+              <a:t>-organization-coverage-</a:t>
+            </a:r>
+            <a:r>
+              <a:rPr lang="en-US" dirty="0" err="1">
+                <a:solidFill>
+                  <a:srgbClr val="FFFFFF"/>
+                </a:solidFill>
+                <a:latin typeface="Menlo" panose="020B0609030804020204" pitchFamily="49" charset="0"/>
+              </a:rPr>
+              <a:t>area.json</a:t>
+            </a:r>
+            <a:endParaRPr lang="en-US" dirty="0">
+              <a:solidFill>
+                <a:srgbClr val="FFFFFF"/>
+              </a:solidFill>
+              <a:effectLst/>
+              <a:latin typeface="Menlo" panose="020B0609030804020204" pitchFamily="49" charset="0"/>
+            </a:endParaRPr>
+          </a:p>
+        </p:txBody>
+      </p:sp>
+      <p:pic>
+        <p:nvPicPr>
+          <p:cNvPr id="6" name="Picture 5">
+            <a:extLst>
+              <a:ext uri="{FF2B5EF4-FFF2-40B4-BE49-F238E27FC236}">
+                <a16:creationId xmlns:a16="http://schemas.microsoft.com/office/drawing/2014/main" id="{6B29E352-1762-2D43-8365-18C84613748B}"/>
+              </a:ext>
+            </a:extLst>
+          </p:cNvPr>
+          <p:cNvPicPr>
+            <a:picLocks noChangeAspect="1"/>
+          </p:cNvPicPr>
+          <p:nvPr/>
+        </p:nvPicPr>
+        <p:blipFill>
+          <a:blip r:embed="rId2"/>
+          <a:stretch>
+            <a:fillRect/>
+          </a:stretch>
+        </p:blipFill>
+        <p:spPr>
+          <a:xfrm>
+            <a:off x="1263650" y="1079500"/>
+            <a:ext cx="9664700" cy="4699000"/>
+          </a:xfrm>
+          <a:prstGeom prst="rect">
+            <a:avLst/>
+          </a:prstGeom>
+        </p:spPr>
+      </p:pic>
+      <p:sp>
+        <p:nvSpPr>
+          <p:cNvPr id="7" name="Rectangle 6">
+            <a:extLst>
+              <a:ext uri="{FF2B5EF4-FFF2-40B4-BE49-F238E27FC236}">
+                <a16:creationId xmlns:a16="http://schemas.microsoft.com/office/drawing/2014/main" id="{FBB3930F-FF53-E149-8AE0-968BD48EFAD4}"/>
+              </a:ext>
+            </a:extLst>
+          </p:cNvPr>
+          <p:cNvSpPr/>
+          <p:nvPr/>
+        </p:nvSpPr>
+        <p:spPr>
+          <a:xfrm>
+            <a:off x="8766313" y="3752166"/>
+            <a:ext cx="1878496" cy="1525512"/>
+          </a:xfrm>
+          <a:prstGeom prst="rect">
+            <a:avLst/>
+          </a:prstGeom>
+          <a:noFill/>
+          <a:ln w="38100">
+            <a:solidFill>
+              <a:schemeClr val="accent6"/>
+            </a:solidFill>
+            <a:prstDash val="sysDot"/>
+          </a:ln>
+        </p:spPr>
+        <p:style>
+          <a:lnRef idx="2">
+            <a:schemeClr val="accent1">
+              <a:shade val="50000"/>
+            </a:schemeClr>
+          </a:lnRef>
+          <a:fillRef idx="1">
+            <a:schemeClr val="accent1"/>
+          </a:fillRef>
+          <a:effectRef idx="0">
+            <a:schemeClr val="accent1"/>
+          </a:effectRef>
+          <a:fontRef idx="minor">
+            <a:schemeClr val="lt1"/>
+          </a:fontRef>
+        </p:style>
+        <p:txBody>
+          <a:bodyPr rtlCol="0" anchor="ctr"/>
+          <a:lstStyle/>
+          <a:p>
+            <a:pPr algn="ctr"/>
+            <a:endParaRPr lang="en-US"/>
+          </a:p>
+        </p:txBody>
+      </p:sp>
+      <p:sp>
+        <p:nvSpPr>
+          <p:cNvPr id="8" name="TextBox 7">
+            <a:extLst>
+              <a:ext uri="{FF2B5EF4-FFF2-40B4-BE49-F238E27FC236}">
+                <a16:creationId xmlns:a16="http://schemas.microsoft.com/office/drawing/2014/main" id="{1EF1BBD6-F9AE-1944-B98B-84EE2321CB05}"/>
+              </a:ext>
+            </a:extLst>
+          </p:cNvPr>
+          <p:cNvSpPr txBox="1"/>
+          <p:nvPr/>
+        </p:nvSpPr>
+        <p:spPr>
+          <a:xfrm>
+            <a:off x="8458200" y="5571759"/>
+            <a:ext cx="2286000" cy="646331"/>
+          </a:xfrm>
+          <a:prstGeom prst="rect">
+            <a:avLst/>
+          </a:prstGeom>
+          <a:noFill/>
+        </p:spPr>
+        <p:txBody>
+          <a:bodyPr wrap="square" rtlCol="0">
+            <a:spAutoFit/>
+          </a:bodyPr>
+          <a:lstStyle/>
+          <a:p>
+            <a:r>
+              <a:rPr lang="en-US" dirty="0"/>
+              <a:t>Scope of Plan-Net Implementation Guide</a:t>
+            </a:r>
+          </a:p>
+        </p:txBody>
+      </p:sp>
+      <p:sp>
+        <p:nvSpPr>
+          <p:cNvPr id="9" name="Rectangle 8">
+            <a:extLst>
+              <a:ext uri="{FF2B5EF4-FFF2-40B4-BE49-F238E27FC236}">
+                <a16:creationId xmlns:a16="http://schemas.microsoft.com/office/drawing/2014/main" id="{827484A1-3A3F-EC45-8E0F-9F683E567D2E}"/>
+              </a:ext>
+            </a:extLst>
+          </p:cNvPr>
+          <p:cNvSpPr/>
+          <p:nvPr/>
+        </p:nvSpPr>
+        <p:spPr>
+          <a:xfrm>
+            <a:off x="4774096" y="567155"/>
+            <a:ext cx="2660374" cy="5505653"/>
+          </a:xfrm>
+          <a:prstGeom prst="rect">
+            <a:avLst/>
+          </a:prstGeom>
+          <a:noFill/>
+          <a:ln w="38100">
+            <a:solidFill>
+              <a:schemeClr val="accent1"/>
+            </a:solidFill>
+            <a:prstDash val="sysDot"/>
+          </a:ln>
+        </p:spPr>
+        <p:style>
+          <a:lnRef idx="2">
+            <a:schemeClr val="accent1">
+              <a:shade val="50000"/>
+            </a:schemeClr>
+          </a:lnRef>
+          <a:fillRef idx="1">
+            <a:schemeClr val="accent1"/>
+          </a:fillRef>
+          <a:effectRef idx="0">
+            <a:schemeClr val="accent1"/>
+          </a:effectRef>
+          <a:fontRef idx="minor">
+            <a:schemeClr val="lt1"/>
+          </a:fontRef>
+        </p:style>
+        <p:txBody>
+          <a:bodyPr rtlCol="0" anchor="ctr"/>
+          <a:lstStyle/>
+          <a:p>
+            <a:pPr algn="ctr"/>
+            <a:endParaRPr lang="en-US"/>
+          </a:p>
+        </p:txBody>
+      </p:sp>
+      <p:sp>
+        <p:nvSpPr>
+          <p:cNvPr id="10" name="TextBox 9">
+            <a:extLst>
+              <a:ext uri="{FF2B5EF4-FFF2-40B4-BE49-F238E27FC236}">
+                <a16:creationId xmlns:a16="http://schemas.microsoft.com/office/drawing/2014/main" id="{2E65E9E1-CF14-7C4B-8FDA-FB67152B5802}"/>
+              </a:ext>
+            </a:extLst>
+          </p:cNvPr>
+          <p:cNvSpPr txBox="1"/>
+          <p:nvPr/>
+        </p:nvSpPr>
+        <p:spPr>
+          <a:xfrm>
+            <a:off x="2488096" y="433169"/>
+            <a:ext cx="2286000" cy="646331"/>
+          </a:xfrm>
+          <a:prstGeom prst="rect">
+            <a:avLst/>
+          </a:prstGeom>
+          <a:noFill/>
+        </p:spPr>
+        <p:txBody>
+          <a:bodyPr wrap="square" rtlCol="0">
+            <a:spAutoFit/>
+          </a:bodyPr>
+          <a:lstStyle/>
+          <a:p>
+            <a:r>
+              <a:rPr lang="en-US" dirty="0"/>
+              <a:t>Scope of </a:t>
+            </a:r>
+            <a:r>
+              <a:rPr lang="en-US" dirty="0" err="1"/>
+              <a:t>VhDir</a:t>
+            </a:r>
+            <a:r>
+              <a:rPr lang="en-US"/>
+              <a:t> Implementation </a:t>
+            </a:r>
+            <a:r>
+              <a:rPr lang="en-US" dirty="0"/>
+              <a:t>Guide</a:t>
+            </a:r>
+          </a:p>
+        </p:txBody>
+      </p:sp>
+    </p:spTree>
+    <p:extLst>
+      <p:ext uri="{BB962C8B-B14F-4D97-AF65-F5344CB8AC3E}">
+        <p14:creationId xmlns:p14="http://schemas.microsoft.com/office/powerpoint/2010/main" val="1636396455"/>
+      </p:ext>
+    </p:extLst>
+  </p:cSld>
+  <p:clrMapOvr>
+    <a:masterClrMapping/>
+  </p:clrMapOvr>
+</p:sld>
+</file>
+
 <file path=ppt/theme/theme1.xml><?xml version="1.0" encoding="utf-8"?>
 <a:theme xmlns:a="http://schemas.openxmlformats.org/drawingml/2006/main" name="Office Theme">
   <a:themeElements>

--- a/pages/Figures.pptx
+++ b/pages/Figures.pptx
@@ -265,7 +265,7 @@
           <a:p>
             <a:fld id="{6D5FDB8C-4C92-0C4C-BA60-9D07FDD2BD7F}" type="datetimeFigureOut">
               <a:rPr lang="en-US" smtClean="0"/>
-              <a:t>8/19/19</a:t>
+              <a:t>12/23/19</a:t>
             </a:fld>
             <a:endParaRPr lang="en-US"/>
           </a:p>
@@ -463,7 +463,7 @@
           <a:p>
             <a:fld id="{6D5FDB8C-4C92-0C4C-BA60-9D07FDD2BD7F}" type="datetimeFigureOut">
               <a:rPr lang="en-US" smtClean="0"/>
-              <a:t>8/19/19</a:t>
+              <a:t>12/23/19</a:t>
             </a:fld>
             <a:endParaRPr lang="en-US"/>
           </a:p>
@@ -671,7 +671,7 @@
           <a:p>
             <a:fld id="{6D5FDB8C-4C92-0C4C-BA60-9D07FDD2BD7F}" type="datetimeFigureOut">
               <a:rPr lang="en-US" smtClean="0"/>
-              <a:t>8/19/19</a:t>
+              <a:t>12/23/19</a:t>
             </a:fld>
             <a:endParaRPr lang="en-US"/>
           </a:p>
@@ -869,7 +869,7 @@
           <a:p>
             <a:fld id="{6D5FDB8C-4C92-0C4C-BA60-9D07FDD2BD7F}" type="datetimeFigureOut">
               <a:rPr lang="en-US" smtClean="0"/>
-              <a:t>8/19/19</a:t>
+              <a:t>12/23/19</a:t>
             </a:fld>
             <a:endParaRPr lang="en-US"/>
           </a:p>
@@ -1144,7 +1144,7 @@
           <a:p>
             <a:fld id="{6D5FDB8C-4C92-0C4C-BA60-9D07FDD2BD7F}" type="datetimeFigureOut">
               <a:rPr lang="en-US" smtClean="0"/>
-              <a:t>8/19/19</a:t>
+              <a:t>12/23/19</a:t>
             </a:fld>
             <a:endParaRPr lang="en-US"/>
           </a:p>
@@ -1409,7 +1409,7 @@
           <a:p>
             <a:fld id="{6D5FDB8C-4C92-0C4C-BA60-9D07FDD2BD7F}" type="datetimeFigureOut">
               <a:rPr lang="en-US" smtClean="0"/>
-              <a:t>8/19/19</a:t>
+              <a:t>12/23/19</a:t>
             </a:fld>
             <a:endParaRPr lang="en-US"/>
           </a:p>
@@ -1821,7 +1821,7 @@
           <a:p>
             <a:fld id="{6D5FDB8C-4C92-0C4C-BA60-9D07FDD2BD7F}" type="datetimeFigureOut">
               <a:rPr lang="en-US" smtClean="0"/>
-              <a:t>8/19/19</a:t>
+              <a:t>12/23/19</a:t>
             </a:fld>
             <a:endParaRPr lang="en-US"/>
           </a:p>
@@ -1962,7 +1962,7 @@
           <a:p>
             <a:fld id="{6D5FDB8C-4C92-0C4C-BA60-9D07FDD2BD7F}" type="datetimeFigureOut">
               <a:rPr lang="en-US" smtClean="0"/>
-              <a:t>8/19/19</a:t>
+              <a:t>12/23/19</a:t>
             </a:fld>
             <a:endParaRPr lang="en-US"/>
           </a:p>
@@ -2075,7 +2075,7 @@
           <a:p>
             <a:fld id="{6D5FDB8C-4C92-0C4C-BA60-9D07FDD2BD7F}" type="datetimeFigureOut">
               <a:rPr lang="en-US" smtClean="0"/>
-              <a:t>8/19/19</a:t>
+              <a:t>12/23/19</a:t>
             </a:fld>
             <a:endParaRPr lang="en-US"/>
           </a:p>
@@ -2386,7 +2386,7 @@
           <a:p>
             <a:fld id="{6D5FDB8C-4C92-0C4C-BA60-9D07FDD2BD7F}" type="datetimeFigureOut">
               <a:rPr lang="en-US" smtClean="0"/>
-              <a:t>8/19/19</a:t>
+              <a:t>12/23/19</a:t>
             </a:fld>
             <a:endParaRPr lang="en-US"/>
           </a:p>
@@ -2674,7 +2674,7 @@
           <a:p>
             <a:fld id="{6D5FDB8C-4C92-0C4C-BA60-9D07FDD2BD7F}" type="datetimeFigureOut">
               <a:rPr lang="en-US" smtClean="0"/>
-              <a:t>8/19/19</a:t>
+              <a:t>12/23/19</a:t>
             </a:fld>
             <a:endParaRPr lang="en-US"/>
           </a:p>
@@ -2915,7 +2915,7 @@
           <a:p>
             <a:fld id="{6D5FDB8C-4C92-0C4C-BA60-9D07FDD2BD7F}" type="datetimeFigureOut">
               <a:rPr lang="en-US" smtClean="0"/>
-              <a:t>8/19/19</a:t>
+              <a:t>12/23/19</a:t>
             </a:fld>
             <a:endParaRPr lang="en-US"/>
           </a:p>
@@ -6951,7 +6951,7 @@
                 </a:solidFill>
                 <a:latin typeface="verdana" panose="020B0604030504040204" pitchFamily="34" charset="0"/>
               </a:rPr>
-              <a:t>1..1</a:t>
+              <a:t>0..1</a:t>
             </a:r>
             <a:endParaRPr lang="en-US" sz="1400" dirty="0"/>
           </a:p>
